--- a/doc/design/infrastructure/architecture.pptx
+++ b/doc/design/infrastructure/architecture.pptx
@@ -7,6 +7,9 @@
   <p:sldIdLst>
     <p:sldId id="256" r:id="rId2"/>
     <p:sldId id="257" r:id="rId3"/>
+    <p:sldId id="259" r:id="rId4"/>
+    <p:sldId id="260" r:id="rId5"/>
+    <p:sldId id="258" r:id="rId6"/>
   </p:sldIdLst>
   <p:sldSz cx="12192000" cy="6858000"/>
   <p:notesSz cx="6858000" cy="9144000"/>
@@ -105,19 +108,590 @@
       </a:defRPr>
     </a:lvl9pPr>
   </p:defaultTextStyle>
+  <p:extLst>
+    <p:ext uri="{EFAFB233-063F-42B5-8137-9DF3F51BA10A}">
+      <p15:sldGuideLst xmlns:p15="http://schemas.microsoft.com/office/powerpoint/2012/main"/>
+    </p:ext>
+  </p:extLst>
 </p:presentation>
 </file>
 
 <file path=ppt/revisionInfo.xml><?xml version="1.0" encoding="utf-8"?>
 <p1510:revInfo xmlns:a="http://schemas.openxmlformats.org/drawingml/2006/main" xmlns:r="http://schemas.openxmlformats.org/officeDocument/2006/relationships" xmlns:p1510="http://schemas.microsoft.com/office/powerpoint/2015/10/main">
   <p1510:revLst>
-    <p1510:client id="{4331F9FC-33EB-4EB8-ACA7-1F267C914A7B}" v="82" dt="2021-11-21T23:03:51.438"/>
+    <p1510:client id="{BCEEC67D-F65A-4B63-A7FB-44AC67E8E1FF}" v="53" dt="2021-12-07T23:32:16.508"/>
   </p1510:revLst>
 </p1510:revInfo>
 </file>
 
 <file path=ppt/changesInfos/changesInfo1.xml><?xml version="1.0" encoding="utf-8"?>
 <pc:chgInfo xmlns:a="http://schemas.openxmlformats.org/drawingml/2006/main" xmlns:r="http://schemas.openxmlformats.org/officeDocument/2006/relationships" xmlns:ac="http://schemas.microsoft.com/office/drawing/2013/main/command" xmlns:pc="http://schemas.microsoft.com/office/powerpoint/2013/main/command">
+  <pc:docChgLst>
+    <pc:chgData name="Laurent Prud'hon" userId="196f0b5afced95ca" providerId="LiveId" clId="{BCEEC67D-F65A-4B63-A7FB-44AC67E8E1FF}"/>
+    <pc:docChg chg="undo custSel addSld modSld">
+      <pc:chgData name="Laurent Prud'hon" userId="196f0b5afced95ca" providerId="LiveId" clId="{BCEEC67D-F65A-4B63-A7FB-44AC67E8E1FF}" dt="2021-12-07T23:34:57.299" v="1815" actId="20577"/>
+      <pc:docMkLst>
+        <pc:docMk/>
+      </pc:docMkLst>
+      <pc:sldChg chg="addSp delSp modSp new mod">
+        <pc:chgData name="Laurent Prud'hon" userId="196f0b5afced95ca" providerId="LiveId" clId="{BCEEC67D-F65A-4B63-A7FB-44AC67E8E1FF}" dt="2021-12-07T23:34:57.299" v="1815" actId="20577"/>
+        <pc:sldMkLst>
+          <pc:docMk/>
+          <pc:sldMk cId="1260106551" sldId="258"/>
+        </pc:sldMkLst>
+        <pc:spChg chg="del">
+          <ac:chgData name="Laurent Prud'hon" userId="196f0b5afced95ca" providerId="LiveId" clId="{BCEEC67D-F65A-4B63-A7FB-44AC67E8E1FF}" dt="2021-12-07T21:22:51.423" v="1" actId="478"/>
+          <ac:spMkLst>
+            <pc:docMk/>
+            <pc:sldMk cId="1260106551" sldId="258"/>
+            <ac:spMk id="2" creationId="{A648A1D3-29FD-4A82-8CEF-024206DBC1B9}"/>
+          </ac:spMkLst>
+        </pc:spChg>
+        <pc:spChg chg="del">
+          <ac:chgData name="Laurent Prud'hon" userId="196f0b5afced95ca" providerId="LiveId" clId="{BCEEC67D-F65A-4B63-A7FB-44AC67E8E1FF}" dt="2021-12-07T21:22:51.423" v="1" actId="478"/>
+          <ac:spMkLst>
+            <pc:docMk/>
+            <pc:sldMk cId="1260106551" sldId="258"/>
+            <ac:spMk id="3" creationId="{65575747-4F53-4E4A-88D5-87532F70D46C}"/>
+          </ac:spMkLst>
+        </pc:spChg>
+        <pc:spChg chg="add del mod">
+          <ac:chgData name="Laurent Prud'hon" userId="196f0b5afced95ca" providerId="LiveId" clId="{BCEEC67D-F65A-4B63-A7FB-44AC67E8E1FF}" dt="2021-12-07T23:03:25.589" v="1180" actId="478"/>
+          <ac:spMkLst>
+            <pc:docMk/>
+            <pc:sldMk cId="1260106551" sldId="258"/>
+            <ac:spMk id="4" creationId="{C399276E-114B-458A-973F-D2E0F99260A1}"/>
+          </ac:spMkLst>
+        </pc:spChg>
+        <pc:spChg chg="add mod">
+          <ac:chgData name="Laurent Prud'hon" userId="196f0b5afced95ca" providerId="LiveId" clId="{BCEEC67D-F65A-4B63-A7FB-44AC67E8E1FF}" dt="2021-12-07T23:32:12.763" v="1728" actId="1076"/>
+          <ac:spMkLst>
+            <pc:docMk/>
+            <pc:sldMk cId="1260106551" sldId="258"/>
+            <ac:spMk id="5" creationId="{CA9A45E1-90C1-477D-87CE-C0212ACFD883}"/>
+          </ac:spMkLst>
+        </pc:spChg>
+        <pc:spChg chg="add mod">
+          <ac:chgData name="Laurent Prud'hon" userId="196f0b5afced95ca" providerId="LiveId" clId="{BCEEC67D-F65A-4B63-A7FB-44AC67E8E1FF}" dt="2021-12-07T23:32:12.763" v="1728" actId="1076"/>
+          <ac:spMkLst>
+            <pc:docMk/>
+            <pc:sldMk cId="1260106551" sldId="258"/>
+            <ac:spMk id="6" creationId="{6FCFDE0C-EA3E-46D1-B2FE-A37F9AC462E1}"/>
+          </ac:spMkLst>
+        </pc:spChg>
+        <pc:spChg chg="add mod">
+          <ac:chgData name="Laurent Prud'hon" userId="196f0b5afced95ca" providerId="LiveId" clId="{BCEEC67D-F65A-4B63-A7FB-44AC67E8E1FF}" dt="2021-12-07T23:32:12.763" v="1728" actId="1076"/>
+          <ac:spMkLst>
+            <pc:docMk/>
+            <pc:sldMk cId="1260106551" sldId="258"/>
+            <ac:spMk id="7" creationId="{1F569386-B4E1-4693-938A-ED283BB54AE5}"/>
+          </ac:spMkLst>
+        </pc:spChg>
+        <pc:spChg chg="add mod">
+          <ac:chgData name="Laurent Prud'hon" userId="196f0b5afced95ca" providerId="LiveId" clId="{BCEEC67D-F65A-4B63-A7FB-44AC67E8E1FF}" dt="2021-12-07T23:32:12.763" v="1728" actId="1076"/>
+          <ac:spMkLst>
+            <pc:docMk/>
+            <pc:sldMk cId="1260106551" sldId="258"/>
+            <ac:spMk id="8" creationId="{29CCC620-386E-4940-846F-6DEFEF7E02A0}"/>
+          </ac:spMkLst>
+        </pc:spChg>
+        <pc:spChg chg="add mod">
+          <ac:chgData name="Laurent Prud'hon" userId="196f0b5afced95ca" providerId="LiveId" clId="{BCEEC67D-F65A-4B63-A7FB-44AC67E8E1FF}" dt="2021-12-07T23:32:12.763" v="1728" actId="1076"/>
+          <ac:spMkLst>
+            <pc:docMk/>
+            <pc:sldMk cId="1260106551" sldId="258"/>
+            <ac:spMk id="9" creationId="{11B8DD20-1F9C-47F8-820F-D641F4D2C68D}"/>
+          </ac:spMkLst>
+        </pc:spChg>
+        <pc:spChg chg="add mod">
+          <ac:chgData name="Laurent Prud'hon" userId="196f0b5afced95ca" providerId="LiveId" clId="{BCEEC67D-F65A-4B63-A7FB-44AC67E8E1FF}" dt="2021-12-07T23:32:12.763" v="1728" actId="1076"/>
+          <ac:spMkLst>
+            <pc:docMk/>
+            <pc:sldMk cId="1260106551" sldId="258"/>
+            <ac:spMk id="10" creationId="{CEA3647F-E578-40B3-BCAC-7329E7119197}"/>
+          </ac:spMkLst>
+        </pc:spChg>
+        <pc:spChg chg="add mod">
+          <ac:chgData name="Laurent Prud'hon" userId="196f0b5afced95ca" providerId="LiveId" clId="{BCEEC67D-F65A-4B63-A7FB-44AC67E8E1FF}" dt="2021-12-07T23:32:12.763" v="1728" actId="1076"/>
+          <ac:spMkLst>
+            <pc:docMk/>
+            <pc:sldMk cId="1260106551" sldId="258"/>
+            <ac:spMk id="11" creationId="{F14468BE-77C2-4883-B03F-B2F1E8251C33}"/>
+          </ac:spMkLst>
+        </pc:spChg>
+        <pc:spChg chg="add mod">
+          <ac:chgData name="Laurent Prud'hon" userId="196f0b5afced95ca" providerId="LiveId" clId="{BCEEC67D-F65A-4B63-A7FB-44AC67E8E1FF}" dt="2021-12-07T23:32:12.763" v="1728" actId="1076"/>
+          <ac:spMkLst>
+            <pc:docMk/>
+            <pc:sldMk cId="1260106551" sldId="258"/>
+            <ac:spMk id="12" creationId="{454B629D-9FAA-41A7-8E30-A5739AC75555}"/>
+          </ac:spMkLst>
+        </pc:spChg>
+        <pc:spChg chg="add mod">
+          <ac:chgData name="Laurent Prud'hon" userId="196f0b5afced95ca" providerId="LiveId" clId="{BCEEC67D-F65A-4B63-A7FB-44AC67E8E1FF}" dt="2021-12-07T23:32:12.763" v="1728" actId="1076"/>
+          <ac:spMkLst>
+            <pc:docMk/>
+            <pc:sldMk cId="1260106551" sldId="258"/>
+            <ac:spMk id="13" creationId="{5F0BA0B3-AD37-4A3D-8888-AA832314F248}"/>
+          </ac:spMkLst>
+        </pc:spChg>
+        <pc:spChg chg="add mod">
+          <ac:chgData name="Laurent Prud'hon" userId="196f0b5afced95ca" providerId="LiveId" clId="{BCEEC67D-F65A-4B63-A7FB-44AC67E8E1FF}" dt="2021-12-07T23:32:12.763" v="1728" actId="1076"/>
+          <ac:spMkLst>
+            <pc:docMk/>
+            <pc:sldMk cId="1260106551" sldId="258"/>
+            <ac:spMk id="14" creationId="{8E388E6E-4B8E-40EA-93A2-5B99DAE741D7}"/>
+          </ac:spMkLst>
+        </pc:spChg>
+        <pc:spChg chg="add mod">
+          <ac:chgData name="Laurent Prud'hon" userId="196f0b5afced95ca" providerId="LiveId" clId="{BCEEC67D-F65A-4B63-A7FB-44AC67E8E1FF}" dt="2021-12-07T23:32:12.763" v="1728" actId="1076"/>
+          <ac:spMkLst>
+            <pc:docMk/>
+            <pc:sldMk cId="1260106551" sldId="258"/>
+            <ac:spMk id="15" creationId="{3720C3FA-3E0B-4B42-96E0-9D4F8E9E9CAE}"/>
+          </ac:spMkLst>
+        </pc:spChg>
+        <pc:spChg chg="add mod">
+          <ac:chgData name="Laurent Prud'hon" userId="196f0b5afced95ca" providerId="LiveId" clId="{BCEEC67D-F65A-4B63-A7FB-44AC67E8E1FF}" dt="2021-12-07T23:32:12.763" v="1728" actId="1076"/>
+          <ac:spMkLst>
+            <pc:docMk/>
+            <pc:sldMk cId="1260106551" sldId="258"/>
+            <ac:spMk id="16" creationId="{FC20B4E7-24DC-40C9-A129-9EDC93436119}"/>
+          </ac:spMkLst>
+        </pc:spChg>
+        <pc:spChg chg="add mod">
+          <ac:chgData name="Laurent Prud'hon" userId="196f0b5afced95ca" providerId="LiveId" clId="{BCEEC67D-F65A-4B63-A7FB-44AC67E8E1FF}" dt="2021-12-07T23:32:12.763" v="1728" actId="1076"/>
+          <ac:spMkLst>
+            <pc:docMk/>
+            <pc:sldMk cId="1260106551" sldId="258"/>
+            <ac:spMk id="17" creationId="{503D3A30-04BB-44EA-B5F9-3EA03E97DE55}"/>
+          </ac:spMkLst>
+        </pc:spChg>
+        <pc:spChg chg="add mod">
+          <ac:chgData name="Laurent Prud'hon" userId="196f0b5afced95ca" providerId="LiveId" clId="{BCEEC67D-F65A-4B63-A7FB-44AC67E8E1FF}" dt="2021-12-07T23:32:12.763" v="1728" actId="1076"/>
+          <ac:spMkLst>
+            <pc:docMk/>
+            <pc:sldMk cId="1260106551" sldId="258"/>
+            <ac:spMk id="18" creationId="{F659250E-B13C-4D93-B09A-5C50237D6C76}"/>
+          </ac:spMkLst>
+        </pc:spChg>
+        <pc:spChg chg="add mod">
+          <ac:chgData name="Laurent Prud'hon" userId="196f0b5afced95ca" providerId="LiveId" clId="{BCEEC67D-F65A-4B63-A7FB-44AC67E8E1FF}" dt="2021-12-07T23:32:12.763" v="1728" actId="1076"/>
+          <ac:spMkLst>
+            <pc:docMk/>
+            <pc:sldMk cId="1260106551" sldId="258"/>
+            <ac:spMk id="19" creationId="{DEFC559B-908C-40AF-9E04-7CF520685088}"/>
+          </ac:spMkLst>
+        </pc:spChg>
+        <pc:spChg chg="add mod">
+          <ac:chgData name="Laurent Prud'hon" userId="196f0b5afced95ca" providerId="LiveId" clId="{BCEEC67D-F65A-4B63-A7FB-44AC67E8E1FF}" dt="2021-12-07T23:32:12.763" v="1728" actId="1076"/>
+          <ac:spMkLst>
+            <pc:docMk/>
+            <pc:sldMk cId="1260106551" sldId="258"/>
+            <ac:spMk id="20" creationId="{1D8C3314-81ED-45EB-846D-4187B258C180}"/>
+          </ac:spMkLst>
+        </pc:spChg>
+        <pc:spChg chg="add mod">
+          <ac:chgData name="Laurent Prud'hon" userId="196f0b5afced95ca" providerId="LiveId" clId="{BCEEC67D-F65A-4B63-A7FB-44AC67E8E1FF}" dt="2021-12-07T23:32:12.763" v="1728" actId="1076"/>
+          <ac:spMkLst>
+            <pc:docMk/>
+            <pc:sldMk cId="1260106551" sldId="258"/>
+            <ac:spMk id="21" creationId="{7186FBD8-0637-4345-90FE-3E0F0831524A}"/>
+          </ac:spMkLst>
+        </pc:spChg>
+        <pc:spChg chg="add mod">
+          <ac:chgData name="Laurent Prud'hon" userId="196f0b5afced95ca" providerId="LiveId" clId="{BCEEC67D-F65A-4B63-A7FB-44AC67E8E1FF}" dt="2021-12-07T23:32:12.763" v="1728" actId="1076"/>
+          <ac:spMkLst>
+            <pc:docMk/>
+            <pc:sldMk cId="1260106551" sldId="258"/>
+            <ac:spMk id="22" creationId="{60A0A376-2C50-479C-95FB-3E8D7EB46921}"/>
+          </ac:spMkLst>
+        </pc:spChg>
+        <pc:spChg chg="add mod">
+          <ac:chgData name="Laurent Prud'hon" userId="196f0b5afced95ca" providerId="LiveId" clId="{BCEEC67D-F65A-4B63-A7FB-44AC67E8E1FF}" dt="2021-12-07T23:34:57.299" v="1815" actId="20577"/>
+          <ac:spMkLst>
+            <pc:docMk/>
+            <pc:sldMk cId="1260106551" sldId="258"/>
+            <ac:spMk id="23" creationId="{43405F03-111A-419F-96F7-B62E2775BF12}"/>
+          </ac:spMkLst>
+        </pc:spChg>
+        <pc:spChg chg="add mod">
+          <ac:chgData name="Laurent Prud'hon" userId="196f0b5afced95ca" providerId="LiveId" clId="{BCEEC67D-F65A-4B63-A7FB-44AC67E8E1FF}" dt="2021-12-07T23:33:11.175" v="1774" actId="20577"/>
+          <ac:spMkLst>
+            <pc:docMk/>
+            <pc:sldMk cId="1260106551" sldId="258"/>
+            <ac:spMk id="24" creationId="{6ACABC89-2CEA-44D8-8F67-5C1EBDA87309}"/>
+          </ac:spMkLst>
+        </pc:spChg>
+      </pc:sldChg>
+      <pc:sldChg chg="addSp delSp modSp new mod">
+        <pc:chgData name="Laurent Prud'hon" userId="196f0b5afced95ca" providerId="LiveId" clId="{BCEEC67D-F65A-4B63-A7FB-44AC67E8E1FF}" dt="2021-12-07T21:48:20.272" v="436" actId="1076"/>
+        <pc:sldMkLst>
+          <pc:docMk/>
+          <pc:sldMk cId="183890355" sldId="259"/>
+        </pc:sldMkLst>
+        <pc:spChg chg="del">
+          <ac:chgData name="Laurent Prud'hon" userId="196f0b5afced95ca" providerId="LiveId" clId="{BCEEC67D-F65A-4B63-A7FB-44AC67E8E1FF}" dt="2021-12-07T21:38:10.817" v="331" actId="478"/>
+          <ac:spMkLst>
+            <pc:docMk/>
+            <pc:sldMk cId="183890355" sldId="259"/>
+            <ac:spMk id="2" creationId="{D6094B88-EF28-49CB-A238-C3B9FBE6667A}"/>
+          </ac:spMkLst>
+        </pc:spChg>
+        <pc:spChg chg="del">
+          <ac:chgData name="Laurent Prud'hon" userId="196f0b5afced95ca" providerId="LiveId" clId="{BCEEC67D-F65A-4B63-A7FB-44AC67E8E1FF}" dt="2021-12-07T21:38:10.817" v="331" actId="478"/>
+          <ac:spMkLst>
+            <pc:docMk/>
+            <pc:sldMk cId="183890355" sldId="259"/>
+            <ac:spMk id="3" creationId="{9FB950BC-4285-4C6B-8513-538E3A143879}"/>
+          </ac:spMkLst>
+        </pc:spChg>
+        <pc:spChg chg="add mod ord">
+          <ac:chgData name="Laurent Prud'hon" userId="196f0b5afced95ca" providerId="LiveId" clId="{BCEEC67D-F65A-4B63-A7FB-44AC67E8E1FF}" dt="2021-12-07T21:48:20.272" v="436" actId="1076"/>
+          <ac:spMkLst>
+            <pc:docMk/>
+            <pc:sldMk cId="183890355" sldId="259"/>
+            <ac:spMk id="4" creationId="{B83444D3-9CC0-47AF-A36E-20289AE071D0}"/>
+          </ac:spMkLst>
+        </pc:spChg>
+        <pc:spChg chg="add mod">
+          <ac:chgData name="Laurent Prud'hon" userId="196f0b5afced95ca" providerId="LiveId" clId="{BCEEC67D-F65A-4B63-A7FB-44AC67E8E1FF}" dt="2021-12-07T21:40:27.918" v="338" actId="14100"/>
+          <ac:spMkLst>
+            <pc:docMk/>
+            <pc:sldMk cId="183890355" sldId="259"/>
+            <ac:spMk id="5" creationId="{6FB6D912-FDC6-4EE5-97D8-26B93C3AA67E}"/>
+          </ac:spMkLst>
+        </pc:spChg>
+        <pc:spChg chg="add mod">
+          <ac:chgData name="Laurent Prud'hon" userId="196f0b5afced95ca" providerId="LiveId" clId="{BCEEC67D-F65A-4B63-A7FB-44AC67E8E1FF}" dt="2021-12-07T21:40:27.918" v="338" actId="14100"/>
+          <ac:spMkLst>
+            <pc:docMk/>
+            <pc:sldMk cId="183890355" sldId="259"/>
+            <ac:spMk id="6" creationId="{DBF8A2A1-8ED6-4A2C-B70B-AB3BA6A9ADD8}"/>
+          </ac:spMkLst>
+        </pc:spChg>
+        <pc:spChg chg="add mod">
+          <ac:chgData name="Laurent Prud'hon" userId="196f0b5afced95ca" providerId="LiveId" clId="{BCEEC67D-F65A-4B63-A7FB-44AC67E8E1FF}" dt="2021-12-07T21:48:20.272" v="436" actId="1076"/>
+          <ac:spMkLst>
+            <pc:docMk/>
+            <pc:sldMk cId="183890355" sldId="259"/>
+            <ac:spMk id="7" creationId="{9181D53A-7C02-49C3-B5F6-3F3910663910}"/>
+          </ac:spMkLst>
+        </pc:spChg>
+        <pc:spChg chg="add mod">
+          <ac:chgData name="Laurent Prud'hon" userId="196f0b5afced95ca" providerId="LiveId" clId="{BCEEC67D-F65A-4B63-A7FB-44AC67E8E1FF}" dt="2021-12-07T21:48:20.272" v="436" actId="1076"/>
+          <ac:spMkLst>
+            <pc:docMk/>
+            <pc:sldMk cId="183890355" sldId="259"/>
+            <ac:spMk id="8" creationId="{1A1B203D-F4E7-426E-B9C6-5C562680BA2A}"/>
+          </ac:spMkLst>
+        </pc:spChg>
+        <pc:spChg chg="add mod">
+          <ac:chgData name="Laurent Prud'hon" userId="196f0b5afced95ca" providerId="LiveId" clId="{BCEEC67D-F65A-4B63-A7FB-44AC67E8E1FF}" dt="2021-12-07T21:48:20.272" v="436" actId="1076"/>
+          <ac:spMkLst>
+            <pc:docMk/>
+            <pc:sldMk cId="183890355" sldId="259"/>
+            <ac:spMk id="9" creationId="{BC9A64D8-4B13-475D-8ED5-9B49BC407144}"/>
+          </ac:spMkLst>
+        </pc:spChg>
+      </pc:sldChg>
+      <pc:sldChg chg="addSp delSp modSp new mod">
+        <pc:chgData name="Laurent Prud'hon" userId="196f0b5afced95ca" providerId="LiveId" clId="{BCEEC67D-F65A-4B63-A7FB-44AC67E8E1FF}" dt="2021-12-07T23:01:25.964" v="1179" actId="20577"/>
+        <pc:sldMkLst>
+          <pc:docMk/>
+          <pc:sldMk cId="3487770657" sldId="260"/>
+        </pc:sldMkLst>
+        <pc:spChg chg="del">
+          <ac:chgData name="Laurent Prud'hon" userId="196f0b5afced95ca" providerId="LiveId" clId="{BCEEC67D-F65A-4B63-A7FB-44AC67E8E1FF}" dt="2021-12-07T21:51:07.856" v="440" actId="478"/>
+          <ac:spMkLst>
+            <pc:docMk/>
+            <pc:sldMk cId="3487770657" sldId="260"/>
+            <ac:spMk id="2" creationId="{04344B69-20E9-48AA-B8C4-3551CC0B5FD6}"/>
+          </ac:spMkLst>
+        </pc:spChg>
+        <pc:spChg chg="del">
+          <ac:chgData name="Laurent Prud'hon" userId="196f0b5afced95ca" providerId="LiveId" clId="{BCEEC67D-F65A-4B63-A7FB-44AC67E8E1FF}" dt="2021-12-07T21:51:07.856" v="440" actId="478"/>
+          <ac:spMkLst>
+            <pc:docMk/>
+            <pc:sldMk cId="3487770657" sldId="260"/>
+            <ac:spMk id="3" creationId="{B79181BB-55DF-440A-8982-A9937BEE4816}"/>
+          </ac:spMkLst>
+        </pc:spChg>
+        <pc:spChg chg="add del mod">
+          <ac:chgData name="Laurent Prud'hon" userId="196f0b5afced95ca" providerId="LiveId" clId="{BCEEC67D-F65A-4B63-A7FB-44AC67E8E1FF}" dt="2021-12-07T21:51:05.075" v="439"/>
+          <ac:spMkLst>
+            <pc:docMk/>
+            <pc:sldMk cId="3487770657" sldId="260"/>
+            <ac:spMk id="4" creationId="{DEE134C0-0764-4285-9BAD-6CB4FF882478}"/>
+          </ac:spMkLst>
+        </pc:spChg>
+        <pc:spChg chg="add mod">
+          <ac:chgData name="Laurent Prud'hon" userId="196f0b5afced95ca" providerId="LiveId" clId="{BCEEC67D-F65A-4B63-A7FB-44AC67E8E1FF}" dt="2021-12-07T22:09:09.724" v="680" actId="14100"/>
+          <ac:spMkLst>
+            <pc:docMk/>
+            <pc:sldMk cId="3487770657" sldId="260"/>
+            <ac:spMk id="5" creationId="{F8926AA8-8849-4D4C-A15F-37CA1534DC8A}"/>
+          </ac:spMkLst>
+        </pc:spChg>
+        <pc:spChg chg="add mod">
+          <ac:chgData name="Laurent Prud'hon" userId="196f0b5afced95ca" providerId="LiveId" clId="{BCEEC67D-F65A-4B63-A7FB-44AC67E8E1FF}" dt="2021-12-07T22:24:43.500" v="862" actId="1076"/>
+          <ac:spMkLst>
+            <pc:docMk/>
+            <pc:sldMk cId="3487770657" sldId="260"/>
+            <ac:spMk id="6" creationId="{669377B0-8642-4BB6-B177-94EE509AA578}"/>
+          </ac:spMkLst>
+        </pc:spChg>
+        <pc:spChg chg="add mod">
+          <ac:chgData name="Laurent Prud'hon" userId="196f0b5afced95ca" providerId="LiveId" clId="{BCEEC67D-F65A-4B63-A7FB-44AC67E8E1FF}" dt="2021-12-07T22:24:43.500" v="862" actId="1076"/>
+          <ac:spMkLst>
+            <pc:docMk/>
+            <pc:sldMk cId="3487770657" sldId="260"/>
+            <ac:spMk id="7" creationId="{D69CB310-B58B-4EA0-8FFA-714F7CEC20BA}"/>
+          </ac:spMkLst>
+        </pc:spChg>
+        <pc:spChg chg="add mod">
+          <ac:chgData name="Laurent Prud'hon" userId="196f0b5afced95ca" providerId="LiveId" clId="{BCEEC67D-F65A-4B63-A7FB-44AC67E8E1FF}" dt="2021-12-07T22:24:43.500" v="862" actId="1076"/>
+          <ac:spMkLst>
+            <pc:docMk/>
+            <pc:sldMk cId="3487770657" sldId="260"/>
+            <ac:spMk id="8" creationId="{ADCB335E-3281-42EE-99DB-BC071FEE9974}"/>
+          </ac:spMkLst>
+        </pc:spChg>
+        <pc:spChg chg="add mod">
+          <ac:chgData name="Laurent Prud'hon" userId="196f0b5afced95ca" providerId="LiveId" clId="{BCEEC67D-F65A-4B63-A7FB-44AC67E8E1FF}" dt="2021-12-07T22:24:43.500" v="862" actId="1076"/>
+          <ac:spMkLst>
+            <pc:docMk/>
+            <pc:sldMk cId="3487770657" sldId="260"/>
+            <ac:spMk id="9" creationId="{6FA3500C-3AE7-4FB3-8B23-81FEDCCB3BB9}"/>
+          </ac:spMkLst>
+        </pc:spChg>
+        <pc:spChg chg="add mod">
+          <ac:chgData name="Laurent Prud'hon" userId="196f0b5afced95ca" providerId="LiveId" clId="{BCEEC67D-F65A-4B63-A7FB-44AC67E8E1FF}" dt="2021-12-07T22:24:43.500" v="862" actId="1076"/>
+          <ac:spMkLst>
+            <pc:docMk/>
+            <pc:sldMk cId="3487770657" sldId="260"/>
+            <ac:spMk id="10" creationId="{D1E25503-0330-42C6-913E-100BB9CDFD5B}"/>
+          </ac:spMkLst>
+        </pc:spChg>
+        <pc:spChg chg="add mod">
+          <ac:chgData name="Laurent Prud'hon" userId="196f0b5afced95ca" providerId="LiveId" clId="{BCEEC67D-F65A-4B63-A7FB-44AC67E8E1FF}" dt="2021-12-07T22:24:43.500" v="862" actId="1076"/>
+          <ac:spMkLst>
+            <pc:docMk/>
+            <pc:sldMk cId="3487770657" sldId="260"/>
+            <ac:spMk id="11" creationId="{91B4EDEB-C7D4-4BF0-AD62-E8A2CD8C3886}"/>
+          </ac:spMkLst>
+        </pc:spChg>
+        <pc:spChg chg="add del mod">
+          <ac:chgData name="Laurent Prud'hon" userId="196f0b5afced95ca" providerId="LiveId" clId="{BCEEC67D-F65A-4B63-A7FB-44AC67E8E1FF}" dt="2021-12-07T22:12:16.808" v="733" actId="478"/>
+          <ac:spMkLst>
+            <pc:docMk/>
+            <pc:sldMk cId="3487770657" sldId="260"/>
+            <ac:spMk id="12" creationId="{E68091E5-F166-42A4-93E2-69D449904E93}"/>
+          </ac:spMkLst>
+        </pc:spChg>
+        <pc:spChg chg="add mod">
+          <ac:chgData name="Laurent Prud'hon" userId="196f0b5afced95ca" providerId="LiveId" clId="{BCEEC67D-F65A-4B63-A7FB-44AC67E8E1FF}" dt="2021-12-07T22:24:43.500" v="862" actId="1076"/>
+          <ac:spMkLst>
+            <pc:docMk/>
+            <pc:sldMk cId="3487770657" sldId="260"/>
+            <ac:spMk id="13" creationId="{FC0C4C17-9036-413F-B0E3-6F0435A6CD64}"/>
+          </ac:spMkLst>
+        </pc:spChg>
+        <pc:spChg chg="add mod">
+          <ac:chgData name="Laurent Prud'hon" userId="196f0b5afced95ca" providerId="LiveId" clId="{BCEEC67D-F65A-4B63-A7FB-44AC67E8E1FF}" dt="2021-12-07T22:24:43.500" v="862" actId="1076"/>
+          <ac:spMkLst>
+            <pc:docMk/>
+            <pc:sldMk cId="3487770657" sldId="260"/>
+            <ac:spMk id="14" creationId="{1E0A47F5-D91F-4D83-84EF-619856B4C8E1}"/>
+          </ac:spMkLst>
+        </pc:spChg>
+        <pc:spChg chg="add mod">
+          <ac:chgData name="Laurent Prud'hon" userId="196f0b5afced95ca" providerId="LiveId" clId="{BCEEC67D-F65A-4B63-A7FB-44AC67E8E1FF}" dt="2021-12-07T22:24:43.500" v="862" actId="1076"/>
+          <ac:spMkLst>
+            <pc:docMk/>
+            <pc:sldMk cId="3487770657" sldId="260"/>
+            <ac:spMk id="15" creationId="{A60FCDB3-495F-4DDB-A8BF-987105B58D32}"/>
+          </ac:spMkLst>
+        </pc:spChg>
+        <pc:spChg chg="add del mod">
+          <ac:chgData name="Laurent Prud'hon" userId="196f0b5afced95ca" providerId="LiveId" clId="{BCEEC67D-F65A-4B63-A7FB-44AC67E8E1FF}" dt="2021-12-07T22:11:21.088" v="732" actId="478"/>
+          <ac:spMkLst>
+            <pc:docMk/>
+            <pc:sldMk cId="3487770657" sldId="260"/>
+            <ac:spMk id="16" creationId="{019F3F6B-91EF-4C19-B694-210BEBD4820B}"/>
+          </ac:spMkLst>
+        </pc:spChg>
+        <pc:spChg chg="add mod">
+          <ac:chgData name="Laurent Prud'hon" userId="196f0b5afced95ca" providerId="LiveId" clId="{BCEEC67D-F65A-4B63-A7FB-44AC67E8E1FF}" dt="2021-12-07T22:24:43.500" v="862" actId="1076"/>
+          <ac:spMkLst>
+            <pc:docMk/>
+            <pc:sldMk cId="3487770657" sldId="260"/>
+            <ac:spMk id="17" creationId="{19382815-7CD8-4F9E-BD43-DA2741E22550}"/>
+          </ac:spMkLst>
+        </pc:spChg>
+        <pc:spChg chg="add mod">
+          <ac:chgData name="Laurent Prud'hon" userId="196f0b5afced95ca" providerId="LiveId" clId="{BCEEC67D-F65A-4B63-A7FB-44AC67E8E1FF}" dt="2021-12-07T22:24:43.500" v="862" actId="1076"/>
+          <ac:spMkLst>
+            <pc:docMk/>
+            <pc:sldMk cId="3487770657" sldId="260"/>
+            <ac:spMk id="18" creationId="{504FA42A-ED50-4592-A3B3-1ABCEC7A5040}"/>
+          </ac:spMkLst>
+        </pc:spChg>
+        <pc:spChg chg="add mod">
+          <ac:chgData name="Laurent Prud'hon" userId="196f0b5afced95ca" providerId="LiveId" clId="{BCEEC67D-F65A-4B63-A7FB-44AC67E8E1FF}" dt="2021-12-07T22:24:43.500" v="862" actId="1076"/>
+          <ac:spMkLst>
+            <pc:docMk/>
+            <pc:sldMk cId="3487770657" sldId="260"/>
+            <ac:spMk id="19" creationId="{2C67B242-1E9A-42CD-B001-00664ECAA662}"/>
+          </ac:spMkLst>
+        </pc:spChg>
+        <pc:spChg chg="add mod">
+          <ac:chgData name="Laurent Prud'hon" userId="196f0b5afced95ca" providerId="LiveId" clId="{BCEEC67D-F65A-4B63-A7FB-44AC67E8E1FF}" dt="2021-12-07T22:24:43.500" v="862" actId="1076"/>
+          <ac:spMkLst>
+            <pc:docMk/>
+            <pc:sldMk cId="3487770657" sldId="260"/>
+            <ac:spMk id="20" creationId="{488F162B-CE32-4F46-A9B0-050AD6FAF91F}"/>
+          </ac:spMkLst>
+        </pc:spChg>
+        <pc:spChg chg="add mod">
+          <ac:chgData name="Laurent Prud'hon" userId="196f0b5afced95ca" providerId="LiveId" clId="{BCEEC67D-F65A-4B63-A7FB-44AC67E8E1FF}" dt="2021-12-07T22:24:43.500" v="862" actId="1076"/>
+          <ac:spMkLst>
+            <pc:docMk/>
+            <pc:sldMk cId="3487770657" sldId="260"/>
+            <ac:spMk id="21" creationId="{E4BD54C0-73DF-4F03-A59A-9AD873CEE54C}"/>
+          </ac:spMkLst>
+        </pc:spChg>
+        <pc:spChg chg="add mod">
+          <ac:chgData name="Laurent Prud'hon" userId="196f0b5afced95ca" providerId="LiveId" clId="{BCEEC67D-F65A-4B63-A7FB-44AC67E8E1FF}" dt="2021-12-07T22:24:43.500" v="862" actId="1076"/>
+          <ac:spMkLst>
+            <pc:docMk/>
+            <pc:sldMk cId="3487770657" sldId="260"/>
+            <ac:spMk id="22" creationId="{3247C832-C308-481F-B248-63772219AD34}"/>
+          </ac:spMkLst>
+        </pc:spChg>
+        <pc:spChg chg="add mod">
+          <ac:chgData name="Laurent Prud'hon" userId="196f0b5afced95ca" providerId="LiveId" clId="{BCEEC67D-F65A-4B63-A7FB-44AC67E8E1FF}" dt="2021-12-07T22:24:43.500" v="862" actId="1076"/>
+          <ac:spMkLst>
+            <pc:docMk/>
+            <pc:sldMk cId="3487770657" sldId="260"/>
+            <ac:spMk id="23" creationId="{78D84230-A6FA-40AA-82A5-43B341ED708A}"/>
+          </ac:spMkLst>
+        </pc:spChg>
+        <pc:spChg chg="add mod">
+          <ac:chgData name="Laurent Prud'hon" userId="196f0b5afced95ca" providerId="LiveId" clId="{BCEEC67D-F65A-4B63-A7FB-44AC67E8E1FF}" dt="2021-12-07T22:31:53.674" v="931" actId="20577"/>
+          <ac:spMkLst>
+            <pc:docMk/>
+            <pc:sldMk cId="3487770657" sldId="260"/>
+            <ac:spMk id="24" creationId="{616C6BE5-E449-4C1C-986A-4D6CA779156E}"/>
+          </ac:spMkLst>
+        </pc:spChg>
+        <pc:spChg chg="add mod">
+          <ac:chgData name="Laurent Prud'hon" userId="196f0b5afced95ca" providerId="LiveId" clId="{BCEEC67D-F65A-4B63-A7FB-44AC67E8E1FF}" dt="2021-12-07T22:51:17.773" v="1107" actId="14100"/>
+          <ac:spMkLst>
+            <pc:docMk/>
+            <pc:sldMk cId="3487770657" sldId="260"/>
+            <ac:spMk id="25" creationId="{F36E6D35-11B9-438A-A283-C779C3946ED2}"/>
+          </ac:spMkLst>
+        </pc:spChg>
+        <pc:spChg chg="add mod">
+          <ac:chgData name="Laurent Prud'hon" userId="196f0b5afced95ca" providerId="LiveId" clId="{BCEEC67D-F65A-4B63-A7FB-44AC67E8E1FF}" dt="2021-12-07T22:48:36.698" v="1083" actId="20577"/>
+          <ac:spMkLst>
+            <pc:docMk/>
+            <pc:sldMk cId="3487770657" sldId="260"/>
+            <ac:spMk id="26" creationId="{A216AD5A-8DF0-4531-B713-DC9E4AA196A4}"/>
+          </ac:spMkLst>
+        </pc:spChg>
+        <pc:spChg chg="add mod">
+          <ac:chgData name="Laurent Prud'hon" userId="196f0b5afced95ca" providerId="LiveId" clId="{BCEEC67D-F65A-4B63-A7FB-44AC67E8E1FF}" dt="2021-12-07T22:48:16.684" v="1072" actId="1076"/>
+          <ac:spMkLst>
+            <pc:docMk/>
+            <pc:sldMk cId="3487770657" sldId="260"/>
+            <ac:spMk id="27" creationId="{3CEE92C8-5C8F-4DB8-A9F7-E8985BF212E9}"/>
+          </ac:spMkLst>
+        </pc:spChg>
+        <pc:spChg chg="add mod">
+          <ac:chgData name="Laurent Prud'hon" userId="196f0b5afced95ca" providerId="LiveId" clId="{BCEEC67D-F65A-4B63-A7FB-44AC67E8E1FF}" dt="2021-12-07T22:48:28.607" v="1075" actId="1076"/>
+          <ac:spMkLst>
+            <pc:docMk/>
+            <pc:sldMk cId="3487770657" sldId="260"/>
+            <ac:spMk id="28" creationId="{E3DE6C35-CA4B-4676-8B0E-C04FD7151EEC}"/>
+          </ac:spMkLst>
+        </pc:spChg>
+        <pc:spChg chg="add mod">
+          <ac:chgData name="Laurent Prud'hon" userId="196f0b5afced95ca" providerId="LiveId" clId="{BCEEC67D-F65A-4B63-A7FB-44AC67E8E1FF}" dt="2021-12-07T22:48:31.325" v="1076" actId="1076"/>
+          <ac:spMkLst>
+            <pc:docMk/>
+            <pc:sldMk cId="3487770657" sldId="260"/>
+            <ac:spMk id="29" creationId="{1BFA92B3-851F-4A49-B334-32B4B8B60B37}"/>
+          </ac:spMkLst>
+        </pc:spChg>
+        <pc:spChg chg="add mod">
+          <ac:chgData name="Laurent Prud'hon" userId="196f0b5afced95ca" providerId="LiveId" clId="{BCEEC67D-F65A-4B63-A7FB-44AC67E8E1FF}" dt="2021-12-07T22:39:35.840" v="1047" actId="1076"/>
+          <ac:spMkLst>
+            <pc:docMk/>
+            <pc:sldMk cId="3487770657" sldId="260"/>
+            <ac:spMk id="30" creationId="{0B85A4C8-7C41-42FA-B816-B9E02243D6E3}"/>
+          </ac:spMkLst>
+        </pc:spChg>
+        <pc:spChg chg="add mod">
+          <ac:chgData name="Laurent Prud'hon" userId="196f0b5afced95ca" providerId="LiveId" clId="{BCEEC67D-F65A-4B63-A7FB-44AC67E8E1FF}" dt="2021-12-07T22:44:47.987" v="1068" actId="207"/>
+          <ac:spMkLst>
+            <pc:docMk/>
+            <pc:sldMk cId="3487770657" sldId="260"/>
+            <ac:spMk id="31" creationId="{E60EB4AB-B386-4E47-9F7F-46A6F795FCA2}"/>
+          </ac:spMkLst>
+        </pc:spChg>
+        <pc:spChg chg="add mod">
+          <ac:chgData name="Laurent Prud'hon" userId="196f0b5afced95ca" providerId="LiveId" clId="{BCEEC67D-F65A-4B63-A7FB-44AC67E8E1FF}" dt="2021-12-07T22:59:00.522" v="1129" actId="14100"/>
+          <ac:spMkLst>
+            <pc:docMk/>
+            <pc:sldMk cId="3487770657" sldId="260"/>
+            <ac:spMk id="32" creationId="{2AB6A21B-E7A7-41EC-8DC5-8E84B165324C}"/>
+          </ac:spMkLst>
+        </pc:spChg>
+        <pc:spChg chg="add del mod">
+          <ac:chgData name="Laurent Prud'hon" userId="196f0b5afced95ca" providerId="LiveId" clId="{BCEEC67D-F65A-4B63-A7FB-44AC67E8E1FF}" dt="2021-12-07T22:58:41.793" v="1123" actId="478"/>
+          <ac:spMkLst>
+            <pc:docMk/>
+            <pc:sldMk cId="3487770657" sldId="260"/>
+            <ac:spMk id="33" creationId="{1F96F51C-EC9B-4949-9F6B-8977D0CF1EE2}"/>
+          </ac:spMkLst>
+        </pc:spChg>
+        <pc:spChg chg="add mod">
+          <ac:chgData name="Laurent Prud'hon" userId="196f0b5afced95ca" providerId="LiveId" clId="{BCEEC67D-F65A-4B63-A7FB-44AC67E8E1FF}" dt="2021-12-07T22:59:04.875" v="1130" actId="1076"/>
+          <ac:spMkLst>
+            <pc:docMk/>
+            <pc:sldMk cId="3487770657" sldId="260"/>
+            <ac:spMk id="34" creationId="{ECDB8E43-AF88-41E8-8C5E-F36A537D3AFD}"/>
+          </ac:spMkLst>
+        </pc:spChg>
+        <pc:spChg chg="add mod">
+          <ac:chgData name="Laurent Prud'hon" userId="196f0b5afced95ca" providerId="LiveId" clId="{BCEEC67D-F65A-4B63-A7FB-44AC67E8E1FF}" dt="2021-12-07T23:00:55.442" v="1160" actId="1076"/>
+          <ac:spMkLst>
+            <pc:docMk/>
+            <pc:sldMk cId="3487770657" sldId="260"/>
+            <ac:spMk id="35" creationId="{6647B5F3-50D3-4CD1-98C0-89A3D3A21BD0}"/>
+          </ac:spMkLst>
+        </pc:spChg>
+        <pc:spChg chg="add mod">
+          <ac:chgData name="Laurent Prud'hon" userId="196f0b5afced95ca" providerId="LiveId" clId="{BCEEC67D-F65A-4B63-A7FB-44AC67E8E1FF}" dt="2021-12-07T22:59:59.703" v="1159" actId="20577"/>
+          <ac:spMkLst>
+            <pc:docMk/>
+            <pc:sldMk cId="3487770657" sldId="260"/>
+            <ac:spMk id="36" creationId="{C3A6356A-849A-4B06-9546-DB10D175107C}"/>
+          </ac:spMkLst>
+        </pc:spChg>
+        <pc:spChg chg="add mod">
+          <ac:chgData name="Laurent Prud'hon" userId="196f0b5afced95ca" providerId="LiveId" clId="{BCEEC67D-F65A-4B63-A7FB-44AC67E8E1FF}" dt="2021-12-07T23:01:25.964" v="1179" actId="20577"/>
+          <ac:spMkLst>
+            <pc:docMk/>
+            <pc:sldMk cId="3487770657" sldId="260"/>
+            <ac:spMk id="37" creationId="{9A974D98-ED76-4E99-B6CE-409EC35C4823}"/>
+          </ac:spMkLst>
+        </pc:spChg>
+      </pc:sldChg>
+    </pc:docChg>
+  </pc:docChgLst>
   <pc:docChgLst>
     <pc:chgData name="Laurent Prud'hon" userId="196f0b5afced95ca" providerId="LiveId" clId="{4331F9FC-33EB-4EB8-ACA7-1F267C914A7B}"/>
     <pc:docChg chg="undo redo custSel addSld modSld">
@@ -1307,7 +1881,7 @@
           <a:p>
             <a:fld id="{78AE33E1-DEC7-4059-B531-289CD7936754}" type="datetimeFigureOut">
               <a:rPr lang="fr-FR" smtClean="0"/>
-              <a:t>21/11/2021</a:t>
+              <a:t>07/12/2021</a:t>
             </a:fld>
             <a:endParaRPr lang="fr-FR"/>
           </a:p>
@@ -1505,7 +2079,7 @@
           <a:p>
             <a:fld id="{78AE33E1-DEC7-4059-B531-289CD7936754}" type="datetimeFigureOut">
               <a:rPr lang="fr-FR" smtClean="0"/>
-              <a:t>21/11/2021</a:t>
+              <a:t>07/12/2021</a:t>
             </a:fld>
             <a:endParaRPr lang="fr-FR"/>
           </a:p>
@@ -1713,7 +2287,7 @@
           <a:p>
             <a:fld id="{78AE33E1-DEC7-4059-B531-289CD7936754}" type="datetimeFigureOut">
               <a:rPr lang="fr-FR" smtClean="0"/>
-              <a:t>21/11/2021</a:t>
+              <a:t>07/12/2021</a:t>
             </a:fld>
             <a:endParaRPr lang="fr-FR"/>
           </a:p>
@@ -1911,7 +2485,7 @@
           <a:p>
             <a:fld id="{78AE33E1-DEC7-4059-B531-289CD7936754}" type="datetimeFigureOut">
               <a:rPr lang="fr-FR" smtClean="0"/>
-              <a:t>21/11/2021</a:t>
+              <a:t>07/12/2021</a:t>
             </a:fld>
             <a:endParaRPr lang="fr-FR"/>
           </a:p>
@@ -2186,7 +2760,7 @@
           <a:p>
             <a:fld id="{78AE33E1-DEC7-4059-B531-289CD7936754}" type="datetimeFigureOut">
               <a:rPr lang="fr-FR" smtClean="0"/>
-              <a:t>21/11/2021</a:t>
+              <a:t>07/12/2021</a:t>
             </a:fld>
             <a:endParaRPr lang="fr-FR"/>
           </a:p>
@@ -2451,7 +3025,7 @@
           <a:p>
             <a:fld id="{78AE33E1-DEC7-4059-B531-289CD7936754}" type="datetimeFigureOut">
               <a:rPr lang="fr-FR" smtClean="0"/>
-              <a:t>21/11/2021</a:t>
+              <a:t>07/12/2021</a:t>
             </a:fld>
             <a:endParaRPr lang="fr-FR"/>
           </a:p>
@@ -2863,7 +3437,7 @@
           <a:p>
             <a:fld id="{78AE33E1-DEC7-4059-B531-289CD7936754}" type="datetimeFigureOut">
               <a:rPr lang="fr-FR" smtClean="0"/>
-              <a:t>21/11/2021</a:t>
+              <a:t>07/12/2021</a:t>
             </a:fld>
             <a:endParaRPr lang="fr-FR"/>
           </a:p>
@@ -3004,7 +3578,7 @@
           <a:p>
             <a:fld id="{78AE33E1-DEC7-4059-B531-289CD7936754}" type="datetimeFigureOut">
               <a:rPr lang="fr-FR" smtClean="0"/>
-              <a:t>21/11/2021</a:t>
+              <a:t>07/12/2021</a:t>
             </a:fld>
             <a:endParaRPr lang="fr-FR"/>
           </a:p>
@@ -3117,7 +3691,7 @@
           <a:p>
             <a:fld id="{78AE33E1-DEC7-4059-B531-289CD7936754}" type="datetimeFigureOut">
               <a:rPr lang="fr-FR" smtClean="0"/>
-              <a:t>21/11/2021</a:t>
+              <a:t>07/12/2021</a:t>
             </a:fld>
             <a:endParaRPr lang="fr-FR"/>
           </a:p>
@@ -3428,7 +4002,7 @@
           <a:p>
             <a:fld id="{78AE33E1-DEC7-4059-B531-289CD7936754}" type="datetimeFigureOut">
               <a:rPr lang="fr-FR" smtClean="0"/>
-              <a:t>21/11/2021</a:t>
+              <a:t>07/12/2021</a:t>
             </a:fld>
             <a:endParaRPr lang="fr-FR"/>
           </a:p>
@@ -3716,7 +4290,7 @@
           <a:p>
             <a:fld id="{78AE33E1-DEC7-4059-B531-289CD7936754}" type="datetimeFigureOut">
               <a:rPr lang="fr-FR" smtClean="0"/>
-              <a:t>21/11/2021</a:t>
+              <a:t>07/12/2021</a:t>
             </a:fld>
             <a:endParaRPr lang="fr-FR"/>
           </a:p>
@@ -3957,7 +4531,7 @@
           <a:p>
             <a:fld id="{78AE33E1-DEC7-4059-B531-289CD7936754}" type="datetimeFigureOut">
               <a:rPr lang="fr-FR" smtClean="0"/>
-              <a:t>21/11/2021</a:t>
+              <a:t>07/12/2021</a:t>
             </a:fld>
             <a:endParaRPr lang="fr-FR"/>
           </a:p>
@@ -9110,6 +9684,3358 @@
 </p:sld>
 </file>
 
+<file path=ppt/slides/slide3.xml><?xml version="1.0" encoding="utf-8"?>
+<p:sld xmlns:a="http://schemas.openxmlformats.org/drawingml/2006/main" xmlns:r="http://schemas.openxmlformats.org/officeDocument/2006/relationships" xmlns:p="http://schemas.openxmlformats.org/presentationml/2006/main">
+  <p:cSld>
+    <p:spTree>
+      <p:nvGrpSpPr>
+        <p:cNvPr id="1" name=""/>
+        <p:cNvGrpSpPr/>
+        <p:nvPr/>
+      </p:nvGrpSpPr>
+      <p:grpSpPr>
+        <a:xfrm>
+          <a:off x="0" y="0"/>
+          <a:ext cx="0" cy="0"/>
+          <a:chOff x="0" y="0"/>
+          <a:chExt cx="0" cy="0"/>
+        </a:xfrm>
+      </p:grpSpPr>
+      <p:sp>
+        <p:nvSpPr>
+          <p:cNvPr id="5" name="Rectangle 4">
+            <a:extLst>
+              <a:ext uri="{FF2B5EF4-FFF2-40B4-BE49-F238E27FC236}">
+                <a16:creationId xmlns:a16="http://schemas.microsoft.com/office/drawing/2014/main" id="{6FB6D912-FDC6-4EE5-97D8-26B93C3AA67E}"/>
+              </a:ext>
+            </a:extLst>
+          </p:cNvPr>
+          <p:cNvSpPr/>
+          <p:nvPr/>
+        </p:nvSpPr>
+        <p:spPr>
+          <a:xfrm>
+            <a:off x="2798192" y="1030680"/>
+            <a:ext cx="6916175" cy="3373832"/>
+          </a:xfrm>
+          <a:prstGeom prst="rect">
+            <a:avLst/>
+          </a:prstGeom>
+          <a:solidFill>
+            <a:schemeClr val="accent2">
+              <a:lumMod val="40000"/>
+              <a:lumOff val="60000"/>
+            </a:schemeClr>
+          </a:solidFill>
+        </p:spPr>
+        <p:style>
+          <a:lnRef idx="2">
+            <a:schemeClr val="accent1">
+              <a:shade val="50000"/>
+            </a:schemeClr>
+          </a:lnRef>
+          <a:fillRef idx="1">
+            <a:schemeClr val="accent1"/>
+          </a:fillRef>
+          <a:effectRef idx="0">
+            <a:schemeClr val="accent1"/>
+          </a:effectRef>
+          <a:fontRef idx="minor">
+            <a:schemeClr val="lt1"/>
+          </a:fontRef>
+        </p:style>
+        <p:txBody>
+          <a:bodyPr rtlCol="0" anchor="t" anchorCtr="0"/>
+          <a:lstStyle/>
+          <a:p>
+            <a:pPr algn="ctr"/>
+            <a:r>
+              <a:rPr lang="fr-FR" dirty="0">
+                <a:solidFill>
+                  <a:schemeClr val="tx1"/>
+                </a:solidFill>
+              </a:rPr>
+              <a:t>                                           </a:t>
+            </a:r>
+            <a:r>
+              <a:rPr lang="fr-FR" dirty="0" err="1">
+                <a:solidFill>
+                  <a:schemeClr val="tx1"/>
+                </a:solidFill>
+              </a:rPr>
+              <a:t>Administrator</a:t>
+            </a:r>
+            <a:r>
+              <a:rPr lang="fr-FR" dirty="0">
+                <a:solidFill>
+                  <a:schemeClr val="tx1"/>
+                </a:solidFill>
+              </a:rPr>
+              <a:t> computer</a:t>
+            </a:r>
+          </a:p>
+        </p:txBody>
+      </p:sp>
+      <p:sp>
+        <p:nvSpPr>
+          <p:cNvPr id="6" name="Rectangle 5">
+            <a:extLst>
+              <a:ext uri="{FF2B5EF4-FFF2-40B4-BE49-F238E27FC236}">
+                <a16:creationId xmlns:a16="http://schemas.microsoft.com/office/drawing/2014/main" id="{DBF8A2A1-8ED6-4A2C-B70B-AB3BA6A9ADD8}"/>
+              </a:ext>
+            </a:extLst>
+          </p:cNvPr>
+          <p:cNvSpPr/>
+          <p:nvPr/>
+        </p:nvSpPr>
+        <p:spPr>
+          <a:xfrm>
+            <a:off x="6606361" y="1489010"/>
+            <a:ext cx="2918924" cy="2834023"/>
+          </a:xfrm>
+          <a:prstGeom prst="rect">
+            <a:avLst/>
+          </a:prstGeom>
+          <a:solidFill>
+            <a:schemeClr val="accent1">
+              <a:lumMod val="40000"/>
+              <a:lumOff val="60000"/>
+            </a:schemeClr>
+          </a:solidFill>
+        </p:spPr>
+        <p:style>
+          <a:lnRef idx="2">
+            <a:schemeClr val="accent1">
+              <a:shade val="50000"/>
+            </a:schemeClr>
+          </a:lnRef>
+          <a:fillRef idx="1">
+            <a:schemeClr val="accent1"/>
+          </a:fillRef>
+          <a:effectRef idx="0">
+            <a:schemeClr val="accent1"/>
+          </a:effectRef>
+          <a:fontRef idx="minor">
+            <a:schemeClr val="lt1"/>
+          </a:fontRef>
+        </p:style>
+        <p:txBody>
+          <a:bodyPr rtlCol="0" anchor="t" anchorCtr="0"/>
+          <a:lstStyle/>
+          <a:p>
+            <a:pPr algn="ctr"/>
+            <a:r>
+              <a:rPr lang="fr-FR" dirty="0" err="1">
+                <a:solidFill>
+                  <a:schemeClr val="tx1"/>
+                </a:solidFill>
+              </a:rPr>
+              <a:t>lightweight</a:t>
+            </a:r>
+            <a:r>
+              <a:rPr lang="fr-FR" dirty="0">
+                <a:solidFill>
+                  <a:schemeClr val="tx1"/>
+                </a:solidFill>
+              </a:rPr>
+              <a:t> VM</a:t>
+            </a:r>
+          </a:p>
+        </p:txBody>
+      </p:sp>
+      <p:sp>
+        <p:nvSpPr>
+          <p:cNvPr id="4" name="Rectangle 3">
+            <a:extLst>
+              <a:ext uri="{FF2B5EF4-FFF2-40B4-BE49-F238E27FC236}">
+                <a16:creationId xmlns:a16="http://schemas.microsoft.com/office/drawing/2014/main" id="{B83444D3-9CC0-47AF-A36E-20289AE071D0}"/>
+              </a:ext>
+            </a:extLst>
+          </p:cNvPr>
+          <p:cNvSpPr/>
+          <p:nvPr/>
+        </p:nvSpPr>
+        <p:spPr>
+          <a:xfrm>
+            <a:off x="3458422" y="1489010"/>
+            <a:ext cx="1969131" cy="1023041"/>
+          </a:xfrm>
+          <a:prstGeom prst="rect">
+            <a:avLst/>
+          </a:prstGeom>
+        </p:spPr>
+        <p:style>
+          <a:lnRef idx="2">
+            <a:schemeClr val="accent1">
+              <a:shade val="50000"/>
+            </a:schemeClr>
+          </a:lnRef>
+          <a:fillRef idx="1">
+            <a:schemeClr val="accent1"/>
+          </a:fillRef>
+          <a:effectRef idx="0">
+            <a:schemeClr val="accent1"/>
+          </a:effectRef>
+          <a:fontRef idx="minor">
+            <a:schemeClr val="lt1"/>
+          </a:fontRef>
+        </p:style>
+        <p:txBody>
+          <a:bodyPr rtlCol="0" anchor="ctr"/>
+          <a:lstStyle/>
+          <a:p>
+            <a:pPr algn="ctr"/>
+            <a:r>
+              <a:rPr lang="fr-FR" dirty="0"/>
+              <a:t>Management Console</a:t>
+            </a:r>
+          </a:p>
+        </p:txBody>
+      </p:sp>
+      <p:sp>
+        <p:nvSpPr>
+          <p:cNvPr id="7" name="Rectangle : coins arrondis 6">
+            <a:extLst>
+              <a:ext uri="{FF2B5EF4-FFF2-40B4-BE49-F238E27FC236}">
+                <a16:creationId xmlns:a16="http://schemas.microsoft.com/office/drawing/2014/main" id="{9181D53A-7C02-49C3-B5F6-3F3910663910}"/>
+              </a:ext>
+            </a:extLst>
+          </p:cNvPr>
+          <p:cNvSpPr/>
+          <p:nvPr/>
+        </p:nvSpPr>
+        <p:spPr>
+          <a:xfrm>
+            <a:off x="3476531" y="2698000"/>
+            <a:ext cx="932508" cy="615635"/>
+          </a:xfrm>
+          <a:prstGeom prst="roundRect">
+            <a:avLst/>
+          </a:prstGeom>
+        </p:spPr>
+        <p:style>
+          <a:lnRef idx="2">
+            <a:schemeClr val="accent1">
+              <a:shade val="50000"/>
+            </a:schemeClr>
+          </a:lnRef>
+          <a:fillRef idx="1">
+            <a:schemeClr val="accent1"/>
+          </a:fillRef>
+          <a:effectRef idx="0">
+            <a:schemeClr val="accent1"/>
+          </a:effectRef>
+          <a:fontRef idx="minor">
+            <a:schemeClr val="lt1"/>
+          </a:fontRef>
+        </p:style>
+        <p:txBody>
+          <a:bodyPr rtlCol="0" anchor="ctr"/>
+          <a:lstStyle/>
+          <a:p>
+            <a:pPr algn="ctr"/>
+            <a:r>
+              <a:rPr lang="fr-FR" sz="1400" dirty="0"/>
+              <a:t>Console </a:t>
+            </a:r>
+            <a:r>
+              <a:rPr lang="fr-FR" sz="1400" dirty="0" err="1"/>
+              <a:t>Database</a:t>
+            </a:r>
+            <a:r>
+              <a:rPr lang="fr-FR" sz="1400" dirty="0"/>
+              <a:t> file</a:t>
+            </a:r>
+          </a:p>
+        </p:txBody>
+      </p:sp>
+      <p:sp>
+        <p:nvSpPr>
+          <p:cNvPr id="8" name="Rectangle : coins arrondis 7">
+            <a:extLst>
+              <a:ext uri="{FF2B5EF4-FFF2-40B4-BE49-F238E27FC236}">
+                <a16:creationId xmlns:a16="http://schemas.microsoft.com/office/drawing/2014/main" id="{1A1B203D-F4E7-426E-B9C6-5C562680BA2A}"/>
+              </a:ext>
+            </a:extLst>
+          </p:cNvPr>
+          <p:cNvSpPr/>
+          <p:nvPr/>
+        </p:nvSpPr>
+        <p:spPr>
+          <a:xfrm>
+            <a:off x="4495045" y="2698000"/>
+            <a:ext cx="932508" cy="615635"/>
+          </a:xfrm>
+          <a:prstGeom prst="roundRect">
+            <a:avLst/>
+          </a:prstGeom>
+        </p:spPr>
+        <p:style>
+          <a:lnRef idx="2">
+            <a:schemeClr val="accent1">
+              <a:shade val="50000"/>
+            </a:schemeClr>
+          </a:lnRef>
+          <a:fillRef idx="1">
+            <a:schemeClr val="accent1"/>
+          </a:fillRef>
+          <a:effectRef idx="0">
+            <a:schemeClr val="accent1"/>
+          </a:effectRef>
+          <a:fontRef idx="minor">
+            <a:schemeClr val="lt1"/>
+          </a:fontRef>
+        </p:style>
+        <p:txBody>
+          <a:bodyPr rtlCol="0" anchor="ctr"/>
+          <a:lstStyle/>
+          <a:p>
+            <a:pPr algn="ctr"/>
+            <a:r>
+              <a:rPr lang="fr-FR" sz="1400" dirty="0" err="1"/>
+              <a:t>kube</a:t>
+            </a:r>
+            <a:br>
+              <a:rPr lang="fr-FR" sz="1400" dirty="0"/>
+            </a:br>
+            <a:r>
+              <a:rPr lang="fr-FR" sz="1400" dirty="0"/>
+              <a:t>config</a:t>
+            </a:r>
+          </a:p>
+        </p:txBody>
+      </p:sp>
+      <p:sp>
+        <p:nvSpPr>
+          <p:cNvPr id="9" name="Rectangle : coins arrondis 8">
+            <a:extLst>
+              <a:ext uri="{FF2B5EF4-FFF2-40B4-BE49-F238E27FC236}">
+                <a16:creationId xmlns:a16="http://schemas.microsoft.com/office/drawing/2014/main" id="{BC9A64D8-4B13-475D-8ED5-9B49BC407144}"/>
+              </a:ext>
+            </a:extLst>
+          </p:cNvPr>
+          <p:cNvSpPr/>
+          <p:nvPr/>
+        </p:nvSpPr>
+        <p:spPr>
+          <a:xfrm>
+            <a:off x="4526733" y="3397382"/>
+            <a:ext cx="932508" cy="615635"/>
+          </a:xfrm>
+          <a:prstGeom prst="roundRect">
+            <a:avLst/>
+          </a:prstGeom>
+        </p:spPr>
+        <p:style>
+          <a:lnRef idx="2">
+            <a:schemeClr val="accent1">
+              <a:shade val="50000"/>
+            </a:schemeClr>
+          </a:lnRef>
+          <a:fillRef idx="1">
+            <a:schemeClr val="accent1"/>
+          </a:fillRef>
+          <a:effectRef idx="0">
+            <a:schemeClr val="accent1"/>
+          </a:effectRef>
+          <a:fontRef idx="minor">
+            <a:schemeClr val="lt1"/>
+          </a:fontRef>
+        </p:style>
+        <p:txBody>
+          <a:bodyPr rtlCol="0" anchor="ctr"/>
+          <a:lstStyle/>
+          <a:p>
+            <a:pPr algn="ctr"/>
+            <a:r>
+              <a:rPr lang="fr-FR" sz="1400" dirty="0" err="1"/>
+              <a:t>gcloud</a:t>
+            </a:r>
+            <a:br>
+              <a:rPr lang="fr-FR" sz="1400" dirty="0"/>
+            </a:br>
+            <a:r>
+              <a:rPr lang="fr-FR" sz="1400" dirty="0"/>
+              <a:t>config</a:t>
+            </a:r>
+          </a:p>
+        </p:txBody>
+      </p:sp>
+    </p:spTree>
+    <p:extLst>
+      <p:ext uri="{BB962C8B-B14F-4D97-AF65-F5344CB8AC3E}">
+        <p14:creationId xmlns:p14="http://schemas.microsoft.com/office/powerpoint/2010/main" val="183890355"/>
+      </p:ext>
+    </p:extLst>
+  </p:cSld>
+  <p:clrMapOvr>
+    <a:masterClrMapping/>
+  </p:clrMapOvr>
+</p:sld>
+</file>
+
+<file path=ppt/slides/slide4.xml><?xml version="1.0" encoding="utf-8"?>
+<p:sld xmlns:a="http://schemas.openxmlformats.org/drawingml/2006/main" xmlns:r="http://schemas.openxmlformats.org/officeDocument/2006/relationships" xmlns:p="http://schemas.openxmlformats.org/presentationml/2006/main">
+  <p:cSld>
+    <p:spTree>
+      <p:nvGrpSpPr>
+        <p:cNvPr id="1" name=""/>
+        <p:cNvGrpSpPr/>
+        <p:nvPr/>
+      </p:nvGrpSpPr>
+      <p:grpSpPr>
+        <a:xfrm>
+          <a:off x="0" y="0"/>
+          <a:ext cx="0" cy="0"/>
+          <a:chOff x="0" y="0"/>
+          <a:chExt cx="0" cy="0"/>
+        </a:xfrm>
+      </p:grpSpPr>
+      <p:sp>
+        <p:nvSpPr>
+          <p:cNvPr id="5" name="Rectangle 4">
+            <a:extLst>
+              <a:ext uri="{FF2B5EF4-FFF2-40B4-BE49-F238E27FC236}">
+                <a16:creationId xmlns:a16="http://schemas.microsoft.com/office/drawing/2014/main" id="{F8926AA8-8849-4D4C-A15F-37CA1534DC8A}"/>
+              </a:ext>
+            </a:extLst>
+          </p:cNvPr>
+          <p:cNvSpPr/>
+          <p:nvPr/>
+        </p:nvSpPr>
+        <p:spPr>
+          <a:xfrm>
+            <a:off x="1013986" y="384488"/>
+            <a:ext cx="8483099" cy="475592"/>
+          </a:xfrm>
+          <a:prstGeom prst="rect">
+            <a:avLst/>
+          </a:prstGeom>
+        </p:spPr>
+        <p:style>
+          <a:lnRef idx="2">
+            <a:schemeClr val="accent1">
+              <a:shade val="50000"/>
+            </a:schemeClr>
+          </a:lnRef>
+          <a:fillRef idx="1">
+            <a:schemeClr val="accent1"/>
+          </a:fillRef>
+          <a:effectRef idx="0">
+            <a:schemeClr val="accent1"/>
+          </a:effectRef>
+          <a:fontRef idx="minor">
+            <a:schemeClr val="lt1"/>
+          </a:fontRef>
+        </p:style>
+        <p:txBody>
+          <a:bodyPr rtlCol="0" anchor="ctr"/>
+          <a:lstStyle/>
+          <a:p>
+            <a:pPr algn="ctr"/>
+            <a:r>
+              <a:rPr lang="fr-FR" dirty="0"/>
+              <a:t>Management Console</a:t>
+            </a:r>
+          </a:p>
+        </p:txBody>
+      </p:sp>
+      <p:sp>
+        <p:nvSpPr>
+          <p:cNvPr id="6" name="Rectangle : coins arrondis 5">
+            <a:extLst>
+              <a:ext uri="{FF2B5EF4-FFF2-40B4-BE49-F238E27FC236}">
+                <a16:creationId xmlns:a16="http://schemas.microsoft.com/office/drawing/2014/main" id="{669377B0-8642-4BB6-B177-94EE509AA578}"/>
+              </a:ext>
+            </a:extLst>
+          </p:cNvPr>
+          <p:cNvSpPr/>
+          <p:nvPr/>
+        </p:nvSpPr>
+        <p:spPr>
+          <a:xfrm>
+            <a:off x="1249034" y="1539089"/>
+            <a:ext cx="2344847" cy="995881"/>
+          </a:xfrm>
+          <a:prstGeom prst="roundRect">
+            <a:avLst/>
+          </a:prstGeom>
+          <a:solidFill>
+            <a:schemeClr val="accent1">
+              <a:lumMod val="60000"/>
+              <a:lumOff val="40000"/>
+            </a:schemeClr>
+          </a:solidFill>
+        </p:spPr>
+        <p:style>
+          <a:lnRef idx="2">
+            <a:schemeClr val="accent1">
+              <a:shade val="50000"/>
+            </a:schemeClr>
+          </a:lnRef>
+          <a:fillRef idx="1">
+            <a:schemeClr val="accent1"/>
+          </a:fillRef>
+          <a:effectRef idx="0">
+            <a:schemeClr val="accent1"/>
+          </a:effectRef>
+          <a:fontRef idx="minor">
+            <a:schemeClr val="lt1"/>
+          </a:fontRef>
+        </p:style>
+        <p:txBody>
+          <a:bodyPr rtlCol="0" anchor="ctr"/>
+          <a:lstStyle/>
+          <a:p>
+            <a:pPr algn="ctr"/>
+            <a:r>
+              <a:rPr lang="fr-FR" b="1" dirty="0" err="1">
+                <a:solidFill>
+                  <a:schemeClr val="tx1"/>
+                </a:solidFill>
+              </a:rPr>
+              <a:t>My</a:t>
+            </a:r>
+            <a:r>
+              <a:rPr lang="fr-FR" b="1" dirty="0">
+                <a:solidFill>
+                  <a:schemeClr val="tx1"/>
+                </a:solidFill>
+              </a:rPr>
+              <a:t> </a:t>
+            </a:r>
+            <a:r>
+              <a:rPr lang="fr-FR" b="1" dirty="0" err="1">
+                <a:solidFill>
+                  <a:schemeClr val="tx1"/>
+                </a:solidFill>
+              </a:rPr>
+              <a:t>compute</a:t>
+            </a:r>
+            <a:r>
+              <a:rPr lang="fr-FR" b="1" dirty="0">
+                <a:solidFill>
+                  <a:schemeClr val="tx1"/>
+                </a:solidFill>
+              </a:rPr>
+              <a:t> </a:t>
+            </a:r>
+            <a:br>
+              <a:rPr lang="fr-FR" b="1" dirty="0">
+                <a:solidFill>
+                  <a:schemeClr val="tx1"/>
+                </a:solidFill>
+              </a:rPr>
+            </a:br>
+            <a:r>
+              <a:rPr lang="fr-FR" b="1" dirty="0">
+                <a:solidFill>
+                  <a:schemeClr val="tx1"/>
+                </a:solidFill>
+              </a:rPr>
+              <a:t>clusters</a:t>
+            </a:r>
+          </a:p>
+        </p:txBody>
+      </p:sp>
+      <p:sp>
+        <p:nvSpPr>
+          <p:cNvPr id="7" name="Rectangle : coins arrondis 6">
+            <a:extLst>
+              <a:ext uri="{FF2B5EF4-FFF2-40B4-BE49-F238E27FC236}">
+                <a16:creationId xmlns:a16="http://schemas.microsoft.com/office/drawing/2014/main" id="{D69CB310-B58B-4EA0-8FFA-714F7CEC20BA}"/>
+              </a:ext>
+            </a:extLst>
+          </p:cNvPr>
+          <p:cNvSpPr/>
+          <p:nvPr/>
+        </p:nvSpPr>
+        <p:spPr>
+          <a:xfrm>
+            <a:off x="1249034" y="2688878"/>
+            <a:ext cx="2344847" cy="371193"/>
+          </a:xfrm>
+          <a:prstGeom prst="roundRect">
+            <a:avLst/>
+          </a:prstGeom>
+          <a:solidFill>
+            <a:schemeClr val="accent1">
+              <a:lumMod val="60000"/>
+              <a:lumOff val="40000"/>
+            </a:schemeClr>
+          </a:solidFill>
+        </p:spPr>
+        <p:style>
+          <a:lnRef idx="2">
+            <a:schemeClr val="accent1">
+              <a:shade val="50000"/>
+            </a:schemeClr>
+          </a:lnRef>
+          <a:fillRef idx="1">
+            <a:schemeClr val="accent1"/>
+          </a:fillRef>
+          <a:effectRef idx="0">
+            <a:schemeClr val="accent1"/>
+          </a:effectRef>
+          <a:fontRef idx="minor">
+            <a:schemeClr val="lt1"/>
+          </a:fontRef>
+        </p:style>
+        <p:txBody>
+          <a:bodyPr rtlCol="0" anchor="ctr"/>
+          <a:lstStyle/>
+          <a:p>
+            <a:pPr algn="ctr"/>
+            <a:r>
+              <a:rPr lang="fr-FR" dirty="0"/>
+              <a:t>Local</a:t>
+            </a:r>
+          </a:p>
+        </p:txBody>
+      </p:sp>
+      <p:sp>
+        <p:nvSpPr>
+          <p:cNvPr id="8" name="Rectangle : coins arrondis 7">
+            <a:extLst>
+              <a:ext uri="{FF2B5EF4-FFF2-40B4-BE49-F238E27FC236}">
+                <a16:creationId xmlns:a16="http://schemas.microsoft.com/office/drawing/2014/main" id="{ADCB335E-3281-42EE-99DB-BC071FEE9974}"/>
+              </a:ext>
+            </a:extLst>
+          </p:cNvPr>
+          <p:cNvSpPr/>
+          <p:nvPr/>
+        </p:nvSpPr>
+        <p:spPr>
+          <a:xfrm>
+            <a:off x="1249034" y="3213979"/>
+            <a:ext cx="2344847" cy="371193"/>
+          </a:xfrm>
+          <a:prstGeom prst="roundRect">
+            <a:avLst/>
+          </a:prstGeom>
+          <a:solidFill>
+            <a:schemeClr val="accent1">
+              <a:lumMod val="60000"/>
+              <a:lumOff val="40000"/>
+            </a:schemeClr>
+          </a:solidFill>
+        </p:spPr>
+        <p:style>
+          <a:lnRef idx="2">
+            <a:schemeClr val="accent1">
+              <a:shade val="50000"/>
+            </a:schemeClr>
+          </a:lnRef>
+          <a:fillRef idx="1">
+            <a:schemeClr val="accent1"/>
+          </a:fillRef>
+          <a:effectRef idx="0">
+            <a:schemeClr val="accent1"/>
+          </a:effectRef>
+          <a:fontRef idx="minor">
+            <a:schemeClr val="lt1"/>
+          </a:fontRef>
+        </p:style>
+        <p:txBody>
+          <a:bodyPr rtlCol="0" anchor="ctr"/>
+          <a:lstStyle/>
+          <a:p>
+            <a:pPr algn="ctr"/>
+            <a:r>
+              <a:rPr lang="fr-FR" dirty="0"/>
+              <a:t>Cloud VM</a:t>
+            </a:r>
+          </a:p>
+        </p:txBody>
+      </p:sp>
+      <p:sp>
+        <p:nvSpPr>
+          <p:cNvPr id="9" name="Rectangle : coins arrondis 8">
+            <a:extLst>
+              <a:ext uri="{FF2B5EF4-FFF2-40B4-BE49-F238E27FC236}">
+                <a16:creationId xmlns:a16="http://schemas.microsoft.com/office/drawing/2014/main" id="{6FA3500C-3AE7-4FB3-8B23-81FEDCCB3BB9}"/>
+              </a:ext>
+            </a:extLst>
+          </p:cNvPr>
+          <p:cNvSpPr/>
+          <p:nvPr/>
+        </p:nvSpPr>
+        <p:spPr>
+          <a:xfrm>
+            <a:off x="4083427" y="3476528"/>
+            <a:ext cx="2344847" cy="633746"/>
+          </a:xfrm>
+          <a:prstGeom prst="roundRect">
+            <a:avLst/>
+          </a:prstGeom>
+          <a:solidFill>
+            <a:schemeClr val="accent1">
+              <a:lumMod val="60000"/>
+              <a:lumOff val="40000"/>
+            </a:schemeClr>
+          </a:solidFill>
+        </p:spPr>
+        <p:style>
+          <a:lnRef idx="2">
+            <a:schemeClr val="accent1">
+              <a:shade val="50000"/>
+            </a:schemeClr>
+          </a:lnRef>
+          <a:fillRef idx="1">
+            <a:schemeClr val="accent1"/>
+          </a:fillRef>
+          <a:effectRef idx="0">
+            <a:schemeClr val="accent1"/>
+          </a:effectRef>
+          <a:fontRef idx="minor">
+            <a:schemeClr val="lt1"/>
+          </a:fontRef>
+        </p:style>
+        <p:txBody>
+          <a:bodyPr rtlCol="0" anchor="ctr"/>
+          <a:lstStyle/>
+          <a:p>
+            <a:pPr algn="ctr"/>
+            <a:r>
+              <a:rPr lang="fr-FR" dirty="0"/>
+              <a:t>Platform</a:t>
+            </a:r>
+            <a:br>
+              <a:rPr lang="fr-FR" dirty="0"/>
+            </a:br>
+            <a:r>
+              <a:rPr lang="fr-FR" dirty="0"/>
+              <a:t>services</a:t>
+            </a:r>
+          </a:p>
+        </p:txBody>
+      </p:sp>
+      <p:sp>
+        <p:nvSpPr>
+          <p:cNvPr id="10" name="ZoneTexte 9">
+            <a:extLst>
+              <a:ext uri="{FF2B5EF4-FFF2-40B4-BE49-F238E27FC236}">
+                <a16:creationId xmlns:a16="http://schemas.microsoft.com/office/drawing/2014/main" id="{D1E25503-0330-42C6-913E-100BB9CDFD5B}"/>
+              </a:ext>
+            </a:extLst>
+          </p:cNvPr>
+          <p:cNvSpPr txBox="1"/>
+          <p:nvPr/>
+        </p:nvSpPr>
+        <p:spPr>
+          <a:xfrm>
+            <a:off x="911130" y="2688878"/>
+            <a:ext cx="301686" cy="369332"/>
+          </a:xfrm>
+          <a:prstGeom prst="rect">
+            <a:avLst/>
+          </a:prstGeom>
+          <a:noFill/>
+        </p:spPr>
+        <p:txBody>
+          <a:bodyPr wrap="none" rtlCol="0">
+            <a:spAutoFit/>
+          </a:bodyPr>
+          <a:lstStyle/>
+          <a:p>
+            <a:r>
+              <a:rPr lang="fr-FR" dirty="0"/>
+              <a:t>1</a:t>
+            </a:r>
+          </a:p>
+        </p:txBody>
+      </p:sp>
+      <p:sp>
+        <p:nvSpPr>
+          <p:cNvPr id="11" name="ZoneTexte 10">
+            <a:extLst>
+              <a:ext uri="{FF2B5EF4-FFF2-40B4-BE49-F238E27FC236}">
+                <a16:creationId xmlns:a16="http://schemas.microsoft.com/office/drawing/2014/main" id="{91B4EDEB-C7D4-4BF0-AD62-E8A2CD8C3886}"/>
+              </a:ext>
+            </a:extLst>
+          </p:cNvPr>
+          <p:cNvSpPr txBox="1"/>
+          <p:nvPr/>
+        </p:nvSpPr>
+        <p:spPr>
+          <a:xfrm>
+            <a:off x="911130" y="3213979"/>
+            <a:ext cx="306494" cy="369332"/>
+          </a:xfrm>
+          <a:prstGeom prst="rect">
+            <a:avLst/>
+          </a:prstGeom>
+          <a:noFill/>
+        </p:spPr>
+        <p:txBody>
+          <a:bodyPr wrap="none" rtlCol="0">
+            <a:spAutoFit/>
+          </a:bodyPr>
+          <a:lstStyle/>
+          <a:p>
+            <a:r>
+              <a:rPr lang="fr-FR" dirty="0"/>
+              <a:t>n</a:t>
+            </a:r>
+          </a:p>
+        </p:txBody>
+      </p:sp>
+      <p:sp>
+        <p:nvSpPr>
+          <p:cNvPr id="13" name="Rectangle : coins arrondis 12">
+            <a:extLst>
+              <a:ext uri="{FF2B5EF4-FFF2-40B4-BE49-F238E27FC236}">
+                <a16:creationId xmlns:a16="http://schemas.microsoft.com/office/drawing/2014/main" id="{FC0C4C17-9036-413F-B0E3-6F0435A6CD64}"/>
+              </a:ext>
+            </a:extLst>
+          </p:cNvPr>
+          <p:cNvSpPr/>
+          <p:nvPr/>
+        </p:nvSpPr>
+        <p:spPr>
+          <a:xfrm>
+            <a:off x="4083427" y="1539088"/>
+            <a:ext cx="2344847" cy="995881"/>
+          </a:xfrm>
+          <a:prstGeom prst="roundRect">
+            <a:avLst/>
+          </a:prstGeom>
+          <a:solidFill>
+            <a:schemeClr val="accent1">
+              <a:lumMod val="60000"/>
+              <a:lumOff val="40000"/>
+            </a:schemeClr>
+          </a:solidFill>
+        </p:spPr>
+        <p:style>
+          <a:lnRef idx="2">
+            <a:schemeClr val="accent1">
+              <a:shade val="50000"/>
+            </a:schemeClr>
+          </a:lnRef>
+          <a:fillRef idx="1">
+            <a:schemeClr val="accent1"/>
+          </a:fillRef>
+          <a:effectRef idx="0">
+            <a:schemeClr val="accent1"/>
+          </a:effectRef>
+          <a:fontRef idx="minor">
+            <a:schemeClr val="lt1"/>
+          </a:fontRef>
+        </p:style>
+        <p:txBody>
+          <a:bodyPr rtlCol="0" anchor="ctr"/>
+          <a:lstStyle/>
+          <a:p>
+            <a:pPr algn="ctr"/>
+            <a:r>
+              <a:rPr lang="fr-FR" b="1" dirty="0" err="1">
+                <a:solidFill>
+                  <a:schemeClr val="tx1"/>
+                </a:solidFill>
+              </a:rPr>
+              <a:t>My</a:t>
+            </a:r>
+            <a:r>
+              <a:rPr lang="fr-FR" b="1" dirty="0">
+                <a:solidFill>
+                  <a:schemeClr val="tx1"/>
+                </a:solidFill>
+              </a:rPr>
+              <a:t> </a:t>
+            </a:r>
+            <a:r>
+              <a:rPr lang="fr-FR" b="1" dirty="0" err="1">
+                <a:solidFill>
+                  <a:schemeClr val="tx1"/>
+                </a:solidFill>
+              </a:rPr>
+              <a:t>execution</a:t>
+            </a:r>
+            <a:br>
+              <a:rPr lang="fr-FR" b="1" dirty="0">
+                <a:solidFill>
+                  <a:schemeClr val="tx1"/>
+                </a:solidFill>
+              </a:rPr>
+            </a:br>
+            <a:r>
+              <a:rPr lang="fr-FR" b="1" dirty="0">
+                <a:solidFill>
+                  <a:schemeClr val="tx1"/>
+                </a:solidFill>
+              </a:rPr>
+              <a:t>environments</a:t>
+            </a:r>
+          </a:p>
+        </p:txBody>
+      </p:sp>
+      <p:sp>
+        <p:nvSpPr>
+          <p:cNvPr id="14" name="Rectangle : coins arrondis 13">
+            <a:extLst>
+              <a:ext uri="{FF2B5EF4-FFF2-40B4-BE49-F238E27FC236}">
+                <a16:creationId xmlns:a16="http://schemas.microsoft.com/office/drawing/2014/main" id="{1E0A47F5-D91F-4D83-84EF-619856B4C8E1}"/>
+              </a:ext>
+            </a:extLst>
+          </p:cNvPr>
+          <p:cNvSpPr/>
+          <p:nvPr/>
+        </p:nvSpPr>
+        <p:spPr>
+          <a:xfrm>
+            <a:off x="1249034" y="3739080"/>
+            <a:ext cx="2344847" cy="371193"/>
+          </a:xfrm>
+          <a:prstGeom prst="roundRect">
+            <a:avLst/>
+          </a:prstGeom>
+          <a:solidFill>
+            <a:schemeClr val="accent1">
+              <a:lumMod val="60000"/>
+              <a:lumOff val="40000"/>
+            </a:schemeClr>
+          </a:solidFill>
+        </p:spPr>
+        <p:style>
+          <a:lnRef idx="2">
+            <a:schemeClr val="accent1">
+              <a:shade val="50000"/>
+            </a:schemeClr>
+          </a:lnRef>
+          <a:fillRef idx="1">
+            <a:schemeClr val="accent1"/>
+          </a:fillRef>
+          <a:effectRef idx="0">
+            <a:schemeClr val="accent1"/>
+          </a:effectRef>
+          <a:fontRef idx="minor">
+            <a:schemeClr val="lt1"/>
+          </a:fontRef>
+        </p:style>
+        <p:txBody>
+          <a:bodyPr rtlCol="0" anchor="ctr"/>
+          <a:lstStyle/>
+          <a:p>
+            <a:pPr algn="ctr"/>
+            <a:r>
+              <a:rPr lang="fr-FR" dirty="0" err="1"/>
+              <a:t>Managed</a:t>
+            </a:r>
+            <a:r>
+              <a:rPr lang="fr-FR" dirty="0"/>
+              <a:t> clusters</a:t>
+            </a:r>
+          </a:p>
+        </p:txBody>
+      </p:sp>
+      <p:sp>
+        <p:nvSpPr>
+          <p:cNvPr id="15" name="ZoneTexte 14">
+            <a:extLst>
+              <a:ext uri="{FF2B5EF4-FFF2-40B4-BE49-F238E27FC236}">
+                <a16:creationId xmlns:a16="http://schemas.microsoft.com/office/drawing/2014/main" id="{A60FCDB3-495F-4DDB-A8BF-987105B58D32}"/>
+              </a:ext>
+            </a:extLst>
+          </p:cNvPr>
+          <p:cNvSpPr txBox="1"/>
+          <p:nvPr/>
+        </p:nvSpPr>
+        <p:spPr>
+          <a:xfrm>
+            <a:off x="911130" y="3739080"/>
+            <a:ext cx="306494" cy="369332"/>
+          </a:xfrm>
+          <a:prstGeom prst="rect">
+            <a:avLst/>
+          </a:prstGeom>
+          <a:noFill/>
+        </p:spPr>
+        <p:txBody>
+          <a:bodyPr wrap="none" rtlCol="0">
+            <a:spAutoFit/>
+          </a:bodyPr>
+          <a:lstStyle/>
+          <a:p>
+            <a:r>
+              <a:rPr lang="fr-FR" dirty="0"/>
+              <a:t>n</a:t>
+            </a:r>
+          </a:p>
+        </p:txBody>
+      </p:sp>
+      <p:sp>
+        <p:nvSpPr>
+          <p:cNvPr id="17" name="Rectangle : coins arrondis 16">
+            <a:extLst>
+              <a:ext uri="{FF2B5EF4-FFF2-40B4-BE49-F238E27FC236}">
+                <a16:creationId xmlns:a16="http://schemas.microsoft.com/office/drawing/2014/main" id="{19382815-7CD8-4F9E-BD43-DA2741E22550}"/>
+              </a:ext>
+            </a:extLst>
+          </p:cNvPr>
+          <p:cNvSpPr/>
+          <p:nvPr/>
+        </p:nvSpPr>
+        <p:spPr>
+          <a:xfrm>
+            <a:off x="1249034" y="4264181"/>
+            <a:ext cx="2344847" cy="371193"/>
+          </a:xfrm>
+          <a:prstGeom prst="roundRect">
+            <a:avLst/>
+          </a:prstGeom>
+          <a:solidFill>
+            <a:schemeClr val="bg1">
+              <a:lumMod val="65000"/>
+            </a:schemeClr>
+          </a:solidFill>
+        </p:spPr>
+        <p:style>
+          <a:lnRef idx="2">
+            <a:schemeClr val="accent1">
+              <a:shade val="50000"/>
+            </a:schemeClr>
+          </a:lnRef>
+          <a:fillRef idx="1">
+            <a:schemeClr val="accent1"/>
+          </a:fillRef>
+          <a:effectRef idx="0">
+            <a:schemeClr val="accent1"/>
+          </a:effectRef>
+          <a:fontRef idx="minor">
+            <a:schemeClr val="lt1"/>
+          </a:fontRef>
+        </p:style>
+        <p:txBody>
+          <a:bodyPr rtlCol="0" anchor="ctr"/>
+          <a:lstStyle/>
+          <a:p>
+            <a:pPr algn="ctr"/>
+            <a:r>
+              <a:rPr lang="fr-FR" dirty="0"/>
+              <a:t>Host clusters</a:t>
+            </a:r>
+          </a:p>
+        </p:txBody>
+      </p:sp>
+      <p:sp>
+        <p:nvSpPr>
+          <p:cNvPr id="18" name="ZoneTexte 17">
+            <a:extLst>
+              <a:ext uri="{FF2B5EF4-FFF2-40B4-BE49-F238E27FC236}">
+                <a16:creationId xmlns:a16="http://schemas.microsoft.com/office/drawing/2014/main" id="{504FA42A-ED50-4592-A3B3-1ABCEC7A5040}"/>
+              </a:ext>
+            </a:extLst>
+          </p:cNvPr>
+          <p:cNvSpPr txBox="1"/>
+          <p:nvPr/>
+        </p:nvSpPr>
+        <p:spPr>
+          <a:xfrm>
+            <a:off x="911130" y="4264181"/>
+            <a:ext cx="306494" cy="369332"/>
+          </a:xfrm>
+          <a:prstGeom prst="rect">
+            <a:avLst/>
+          </a:prstGeom>
+          <a:noFill/>
+        </p:spPr>
+        <p:txBody>
+          <a:bodyPr wrap="none" rtlCol="0">
+            <a:spAutoFit/>
+          </a:bodyPr>
+          <a:lstStyle/>
+          <a:p>
+            <a:r>
+              <a:rPr lang="fr-FR" dirty="0"/>
+              <a:t>n</a:t>
+            </a:r>
+          </a:p>
+        </p:txBody>
+      </p:sp>
+      <p:sp>
+        <p:nvSpPr>
+          <p:cNvPr id="19" name="Rectangle 18">
+            <a:extLst>
+              <a:ext uri="{FF2B5EF4-FFF2-40B4-BE49-F238E27FC236}">
+                <a16:creationId xmlns:a16="http://schemas.microsoft.com/office/drawing/2014/main" id="{2C67B242-1E9A-42CD-B001-00664ECAA662}"/>
+              </a:ext>
+            </a:extLst>
+          </p:cNvPr>
+          <p:cNvSpPr/>
+          <p:nvPr/>
+        </p:nvSpPr>
+        <p:spPr>
+          <a:xfrm rot="16200000">
+            <a:off x="-12002" y="3245398"/>
+            <a:ext cx="1419538" cy="306494"/>
+          </a:xfrm>
+          <a:prstGeom prst="rect">
+            <a:avLst/>
+          </a:prstGeom>
+          <a:solidFill>
+            <a:schemeClr val="accent2">
+              <a:lumMod val="40000"/>
+              <a:lumOff val="60000"/>
+            </a:schemeClr>
+          </a:solidFill>
+        </p:spPr>
+        <p:style>
+          <a:lnRef idx="2">
+            <a:schemeClr val="accent1">
+              <a:shade val="50000"/>
+            </a:schemeClr>
+          </a:lnRef>
+          <a:fillRef idx="1">
+            <a:schemeClr val="accent1"/>
+          </a:fillRef>
+          <a:effectRef idx="0">
+            <a:schemeClr val="accent1"/>
+          </a:effectRef>
+          <a:fontRef idx="minor">
+            <a:schemeClr val="lt1"/>
+          </a:fontRef>
+        </p:style>
+        <p:txBody>
+          <a:bodyPr rtlCol="0" anchor="ctr"/>
+          <a:lstStyle/>
+          <a:p>
+            <a:pPr algn="ctr"/>
+            <a:r>
+              <a:rPr lang="fr-FR" dirty="0">
+                <a:solidFill>
+                  <a:schemeClr val="tx1"/>
+                </a:solidFill>
+              </a:rPr>
+              <a:t>Admin</a:t>
+            </a:r>
+          </a:p>
+        </p:txBody>
+      </p:sp>
+      <p:sp>
+        <p:nvSpPr>
+          <p:cNvPr id="20" name="Rectangle : coins arrondis 19">
+            <a:extLst>
+              <a:ext uri="{FF2B5EF4-FFF2-40B4-BE49-F238E27FC236}">
+                <a16:creationId xmlns:a16="http://schemas.microsoft.com/office/drawing/2014/main" id="{488F162B-CE32-4F46-A9B0-050AD6FAF91F}"/>
+              </a:ext>
+            </a:extLst>
+          </p:cNvPr>
+          <p:cNvSpPr/>
+          <p:nvPr/>
+        </p:nvSpPr>
+        <p:spPr>
+          <a:xfrm>
+            <a:off x="6917820" y="1539087"/>
+            <a:ext cx="2344847" cy="995881"/>
+          </a:xfrm>
+          <a:prstGeom prst="roundRect">
+            <a:avLst/>
+          </a:prstGeom>
+          <a:solidFill>
+            <a:schemeClr val="accent1">
+              <a:lumMod val="60000"/>
+              <a:lumOff val="40000"/>
+            </a:schemeClr>
+          </a:solidFill>
+        </p:spPr>
+        <p:style>
+          <a:lnRef idx="2">
+            <a:schemeClr val="accent1">
+              <a:shade val="50000"/>
+            </a:schemeClr>
+          </a:lnRef>
+          <a:fillRef idx="1">
+            <a:schemeClr val="accent1"/>
+          </a:fillRef>
+          <a:effectRef idx="0">
+            <a:schemeClr val="accent1"/>
+          </a:effectRef>
+          <a:fontRef idx="minor">
+            <a:schemeClr val="lt1"/>
+          </a:fontRef>
+        </p:style>
+        <p:txBody>
+          <a:bodyPr rtlCol="0" anchor="ctr"/>
+          <a:lstStyle/>
+          <a:p>
+            <a:pPr algn="ctr"/>
+            <a:r>
+              <a:rPr lang="fr-FR" b="1" dirty="0" err="1">
+                <a:solidFill>
+                  <a:schemeClr val="tx1"/>
+                </a:solidFill>
+              </a:rPr>
+              <a:t>My</a:t>
+            </a:r>
+            <a:r>
+              <a:rPr lang="fr-FR" b="1" dirty="0">
+                <a:solidFill>
+                  <a:schemeClr val="tx1"/>
+                </a:solidFill>
+              </a:rPr>
+              <a:t> </a:t>
+            </a:r>
+            <a:r>
+              <a:rPr lang="fr-FR" b="1" dirty="0" err="1">
+                <a:solidFill>
+                  <a:schemeClr val="tx1"/>
+                </a:solidFill>
+              </a:rPr>
+              <a:t>wordslab</a:t>
+            </a:r>
+            <a:br>
+              <a:rPr lang="fr-FR" b="1" dirty="0">
+                <a:solidFill>
+                  <a:schemeClr val="tx1"/>
+                </a:solidFill>
+              </a:rPr>
+            </a:br>
+            <a:r>
+              <a:rPr lang="fr-FR" b="1" dirty="0">
+                <a:solidFill>
+                  <a:schemeClr val="tx1"/>
+                </a:solidFill>
+              </a:rPr>
+              <a:t>instances</a:t>
+            </a:r>
+          </a:p>
+        </p:txBody>
+      </p:sp>
+      <p:sp>
+        <p:nvSpPr>
+          <p:cNvPr id="21" name="Rectangle : coins arrondis 20">
+            <a:extLst>
+              <a:ext uri="{FF2B5EF4-FFF2-40B4-BE49-F238E27FC236}">
+                <a16:creationId xmlns:a16="http://schemas.microsoft.com/office/drawing/2014/main" id="{E4BD54C0-73DF-4F03-A59A-9AD873CEE54C}"/>
+              </a:ext>
+            </a:extLst>
+          </p:cNvPr>
+          <p:cNvSpPr/>
+          <p:nvPr/>
+        </p:nvSpPr>
+        <p:spPr>
+          <a:xfrm>
+            <a:off x="4083427" y="2688876"/>
+            <a:ext cx="2344847" cy="633746"/>
+          </a:xfrm>
+          <a:prstGeom prst="roundRect">
+            <a:avLst/>
+          </a:prstGeom>
+          <a:solidFill>
+            <a:schemeClr val="accent1">
+              <a:lumMod val="60000"/>
+              <a:lumOff val="40000"/>
+            </a:schemeClr>
+          </a:solidFill>
+        </p:spPr>
+        <p:style>
+          <a:lnRef idx="2">
+            <a:schemeClr val="accent1">
+              <a:shade val="50000"/>
+            </a:schemeClr>
+          </a:lnRef>
+          <a:fillRef idx="1">
+            <a:schemeClr val="accent1"/>
+          </a:fillRef>
+          <a:effectRef idx="0">
+            <a:schemeClr val="accent1"/>
+          </a:effectRef>
+          <a:fontRef idx="minor">
+            <a:schemeClr val="lt1"/>
+          </a:fontRef>
+        </p:style>
+        <p:txBody>
+          <a:bodyPr rtlCol="0" anchor="ctr"/>
+          <a:lstStyle/>
+          <a:p>
+            <a:pPr algn="ctr"/>
+            <a:r>
+              <a:rPr lang="fr-FR" dirty="0" err="1"/>
+              <a:t>Namespace</a:t>
+            </a:r>
+            <a:r>
+              <a:rPr lang="fr-FR" dirty="0"/>
+              <a:t> </a:t>
+            </a:r>
+            <a:br>
+              <a:rPr lang="fr-FR" dirty="0"/>
+            </a:br>
+            <a:r>
+              <a:rPr lang="fr-FR" dirty="0"/>
+              <a:t>managers</a:t>
+            </a:r>
+          </a:p>
+        </p:txBody>
+      </p:sp>
+      <p:sp>
+        <p:nvSpPr>
+          <p:cNvPr id="22" name="Rectangle : coins arrondis 21">
+            <a:extLst>
+              <a:ext uri="{FF2B5EF4-FFF2-40B4-BE49-F238E27FC236}">
+                <a16:creationId xmlns:a16="http://schemas.microsoft.com/office/drawing/2014/main" id="{3247C832-C308-481F-B248-63772219AD34}"/>
+              </a:ext>
+            </a:extLst>
+          </p:cNvPr>
+          <p:cNvSpPr/>
+          <p:nvPr/>
+        </p:nvSpPr>
+        <p:spPr>
+          <a:xfrm>
+            <a:off x="6917820" y="2688876"/>
+            <a:ext cx="2344847" cy="633746"/>
+          </a:xfrm>
+          <a:prstGeom prst="roundRect">
+            <a:avLst/>
+          </a:prstGeom>
+          <a:solidFill>
+            <a:schemeClr val="accent1">
+              <a:lumMod val="60000"/>
+              <a:lumOff val="40000"/>
+            </a:schemeClr>
+          </a:solidFill>
+        </p:spPr>
+        <p:style>
+          <a:lnRef idx="2">
+            <a:schemeClr val="accent1">
+              <a:shade val="50000"/>
+            </a:schemeClr>
+          </a:lnRef>
+          <a:fillRef idx="1">
+            <a:schemeClr val="accent1"/>
+          </a:fillRef>
+          <a:effectRef idx="0">
+            <a:schemeClr val="accent1"/>
+          </a:effectRef>
+          <a:fontRef idx="minor">
+            <a:schemeClr val="lt1"/>
+          </a:fontRef>
+        </p:style>
+        <p:txBody>
+          <a:bodyPr rtlCol="0" anchor="ctr"/>
+          <a:lstStyle/>
+          <a:p>
+            <a:pPr algn="ctr"/>
+            <a:r>
+              <a:rPr lang="fr-FR" dirty="0"/>
+              <a:t>Components </a:t>
+            </a:r>
+            <a:r>
+              <a:rPr lang="fr-FR" dirty="0" err="1"/>
+              <a:t>deployment</a:t>
+            </a:r>
+            <a:endParaRPr lang="fr-FR" dirty="0"/>
+          </a:p>
+        </p:txBody>
+      </p:sp>
+      <p:sp>
+        <p:nvSpPr>
+          <p:cNvPr id="23" name="Rectangle : coins arrondis 22">
+            <a:extLst>
+              <a:ext uri="{FF2B5EF4-FFF2-40B4-BE49-F238E27FC236}">
+                <a16:creationId xmlns:a16="http://schemas.microsoft.com/office/drawing/2014/main" id="{78D84230-A6FA-40AA-82A5-43B341ED708A}"/>
+              </a:ext>
+            </a:extLst>
+          </p:cNvPr>
+          <p:cNvSpPr/>
+          <p:nvPr/>
+        </p:nvSpPr>
+        <p:spPr>
+          <a:xfrm>
+            <a:off x="6917820" y="3476528"/>
+            <a:ext cx="2344847" cy="633746"/>
+          </a:xfrm>
+          <a:prstGeom prst="roundRect">
+            <a:avLst/>
+          </a:prstGeom>
+          <a:solidFill>
+            <a:schemeClr val="accent1">
+              <a:lumMod val="60000"/>
+              <a:lumOff val="40000"/>
+            </a:schemeClr>
+          </a:solidFill>
+        </p:spPr>
+        <p:style>
+          <a:lnRef idx="2">
+            <a:schemeClr val="accent1">
+              <a:shade val="50000"/>
+            </a:schemeClr>
+          </a:lnRef>
+          <a:fillRef idx="1">
+            <a:schemeClr val="accent1"/>
+          </a:fillRef>
+          <a:effectRef idx="0">
+            <a:schemeClr val="accent1"/>
+          </a:effectRef>
+          <a:fontRef idx="minor">
+            <a:schemeClr val="lt1"/>
+          </a:fontRef>
+        </p:style>
+        <p:txBody>
+          <a:bodyPr rtlCol="0" anchor="ctr"/>
+          <a:lstStyle/>
+          <a:p>
+            <a:pPr algn="ctr"/>
+            <a:r>
+              <a:rPr lang="fr-FR" dirty="0"/>
+              <a:t>Components monitoring</a:t>
+            </a:r>
+          </a:p>
+        </p:txBody>
+      </p:sp>
+      <p:sp>
+        <p:nvSpPr>
+          <p:cNvPr id="24" name="Rectangle 23">
+            <a:extLst>
+              <a:ext uri="{FF2B5EF4-FFF2-40B4-BE49-F238E27FC236}">
+                <a16:creationId xmlns:a16="http://schemas.microsoft.com/office/drawing/2014/main" id="{616C6BE5-E449-4C1C-986A-4D6CA779156E}"/>
+              </a:ext>
+            </a:extLst>
+          </p:cNvPr>
+          <p:cNvSpPr/>
+          <p:nvPr/>
+        </p:nvSpPr>
+        <p:spPr>
+          <a:xfrm>
+            <a:off x="1013986" y="970841"/>
+            <a:ext cx="8483099" cy="371193"/>
+          </a:xfrm>
+          <a:prstGeom prst="rect">
+            <a:avLst/>
+          </a:prstGeom>
+          <a:solidFill>
+            <a:schemeClr val="accent6">
+              <a:lumMod val="75000"/>
+            </a:schemeClr>
+          </a:solidFill>
+        </p:spPr>
+        <p:style>
+          <a:lnRef idx="2">
+            <a:schemeClr val="accent1">
+              <a:shade val="50000"/>
+            </a:schemeClr>
+          </a:lnRef>
+          <a:fillRef idx="1">
+            <a:schemeClr val="accent1"/>
+          </a:fillRef>
+          <a:effectRef idx="0">
+            <a:schemeClr val="accent1"/>
+          </a:effectRef>
+          <a:fontRef idx="minor">
+            <a:schemeClr val="lt1"/>
+          </a:fontRef>
+        </p:style>
+        <p:txBody>
+          <a:bodyPr rtlCol="0" anchor="ctr"/>
+          <a:lstStyle/>
+          <a:p>
+            <a:pPr algn="ctr"/>
+            <a:r>
+              <a:rPr lang="fr-FR" dirty="0"/>
+              <a:t>Workflows : Install &amp; Config</a:t>
+            </a:r>
+          </a:p>
+        </p:txBody>
+      </p:sp>
+      <p:sp>
+        <p:nvSpPr>
+          <p:cNvPr id="25" name="Rectangle 24">
+            <a:extLst>
+              <a:ext uri="{FF2B5EF4-FFF2-40B4-BE49-F238E27FC236}">
+                <a16:creationId xmlns:a16="http://schemas.microsoft.com/office/drawing/2014/main" id="{F36E6D35-11B9-438A-A283-C779C3946ED2}"/>
+              </a:ext>
+            </a:extLst>
+          </p:cNvPr>
+          <p:cNvSpPr/>
+          <p:nvPr/>
+        </p:nvSpPr>
+        <p:spPr>
+          <a:xfrm>
+            <a:off x="1013985" y="4827615"/>
+            <a:ext cx="8483095" cy="257797"/>
+          </a:xfrm>
+          <a:prstGeom prst="rect">
+            <a:avLst/>
+          </a:prstGeom>
+          <a:solidFill>
+            <a:schemeClr val="accent6">
+              <a:lumMod val="75000"/>
+            </a:schemeClr>
+          </a:solidFill>
+        </p:spPr>
+        <p:style>
+          <a:lnRef idx="2">
+            <a:schemeClr val="accent1">
+              <a:shade val="50000"/>
+            </a:schemeClr>
+          </a:lnRef>
+          <a:fillRef idx="1">
+            <a:schemeClr val="accent1"/>
+          </a:fillRef>
+          <a:effectRef idx="0">
+            <a:schemeClr val="accent1"/>
+          </a:effectRef>
+          <a:fontRef idx="minor">
+            <a:schemeClr val="lt1"/>
+          </a:fontRef>
+        </p:style>
+        <p:txBody>
+          <a:bodyPr rtlCol="0" anchor="ctr"/>
+          <a:lstStyle/>
+          <a:p>
+            <a:pPr algn="ctr"/>
+            <a:r>
+              <a:rPr lang="fr-FR" dirty="0"/>
+              <a:t>Workflows : Manage Start &amp; Stop + </a:t>
+            </a:r>
+            <a:r>
+              <a:rPr lang="fr-FR" dirty="0" err="1"/>
+              <a:t>Billing</a:t>
+            </a:r>
+            <a:endParaRPr lang="fr-FR" dirty="0"/>
+          </a:p>
+        </p:txBody>
+      </p:sp>
+      <p:sp>
+        <p:nvSpPr>
+          <p:cNvPr id="26" name="Rectangle 25">
+            <a:extLst>
+              <a:ext uri="{FF2B5EF4-FFF2-40B4-BE49-F238E27FC236}">
+                <a16:creationId xmlns:a16="http://schemas.microsoft.com/office/drawing/2014/main" id="{A216AD5A-8DF0-4531-B713-DC9E4AA196A4}"/>
+              </a:ext>
+            </a:extLst>
+          </p:cNvPr>
+          <p:cNvSpPr/>
+          <p:nvPr/>
+        </p:nvSpPr>
+        <p:spPr>
+          <a:xfrm>
+            <a:off x="1013983" y="5147118"/>
+            <a:ext cx="8483099" cy="257797"/>
+          </a:xfrm>
+          <a:prstGeom prst="rect">
+            <a:avLst/>
+          </a:prstGeom>
+          <a:solidFill>
+            <a:schemeClr val="accent6">
+              <a:lumMod val="75000"/>
+            </a:schemeClr>
+          </a:solidFill>
+        </p:spPr>
+        <p:style>
+          <a:lnRef idx="2">
+            <a:schemeClr val="accent1">
+              <a:shade val="50000"/>
+            </a:schemeClr>
+          </a:lnRef>
+          <a:fillRef idx="1">
+            <a:schemeClr val="accent1"/>
+          </a:fillRef>
+          <a:effectRef idx="0">
+            <a:schemeClr val="accent1"/>
+          </a:effectRef>
+          <a:fontRef idx="minor">
+            <a:schemeClr val="lt1"/>
+          </a:fontRef>
+        </p:style>
+        <p:txBody>
+          <a:bodyPr rtlCol="0" anchor="ctr"/>
+          <a:lstStyle/>
+          <a:p>
+            <a:pPr algn="ctr"/>
+            <a:r>
+              <a:rPr lang="fr-FR" dirty="0"/>
+              <a:t>Workflows : Manage Updates</a:t>
+            </a:r>
+          </a:p>
+        </p:txBody>
+      </p:sp>
+      <p:sp>
+        <p:nvSpPr>
+          <p:cNvPr id="27" name="Rectangle 26">
+            <a:extLst>
+              <a:ext uri="{FF2B5EF4-FFF2-40B4-BE49-F238E27FC236}">
+                <a16:creationId xmlns:a16="http://schemas.microsoft.com/office/drawing/2014/main" id="{3CEE92C8-5C8F-4DB8-A9F7-E8985BF212E9}"/>
+              </a:ext>
+            </a:extLst>
+          </p:cNvPr>
+          <p:cNvSpPr/>
+          <p:nvPr/>
+        </p:nvSpPr>
+        <p:spPr>
+          <a:xfrm>
+            <a:off x="1013983" y="5458546"/>
+            <a:ext cx="8483099" cy="257797"/>
+          </a:xfrm>
+          <a:prstGeom prst="rect">
+            <a:avLst/>
+          </a:prstGeom>
+          <a:solidFill>
+            <a:schemeClr val="accent6">
+              <a:lumMod val="75000"/>
+            </a:schemeClr>
+          </a:solidFill>
+        </p:spPr>
+        <p:style>
+          <a:lnRef idx="2">
+            <a:schemeClr val="accent1">
+              <a:shade val="50000"/>
+            </a:schemeClr>
+          </a:lnRef>
+          <a:fillRef idx="1">
+            <a:schemeClr val="accent1"/>
+          </a:fillRef>
+          <a:effectRef idx="0">
+            <a:schemeClr val="accent1"/>
+          </a:effectRef>
+          <a:fontRef idx="minor">
+            <a:schemeClr val="lt1"/>
+          </a:fontRef>
+        </p:style>
+        <p:txBody>
+          <a:bodyPr rtlCol="0" anchor="ctr"/>
+          <a:lstStyle/>
+          <a:p>
+            <a:pPr algn="ctr"/>
+            <a:r>
+              <a:rPr lang="fr-FR" dirty="0"/>
+              <a:t>Workflows : Manage </a:t>
+            </a:r>
+            <a:r>
+              <a:rPr lang="fr-FR" dirty="0" err="1"/>
+              <a:t>Resources</a:t>
+            </a:r>
+            <a:endParaRPr lang="fr-FR" dirty="0"/>
+          </a:p>
+        </p:txBody>
+      </p:sp>
+      <p:sp>
+        <p:nvSpPr>
+          <p:cNvPr id="28" name="Rectangle 27">
+            <a:extLst>
+              <a:ext uri="{FF2B5EF4-FFF2-40B4-BE49-F238E27FC236}">
+                <a16:creationId xmlns:a16="http://schemas.microsoft.com/office/drawing/2014/main" id="{E3DE6C35-CA4B-4676-8B0E-C04FD7151EEC}"/>
+              </a:ext>
+            </a:extLst>
+          </p:cNvPr>
+          <p:cNvSpPr/>
+          <p:nvPr/>
+        </p:nvSpPr>
+        <p:spPr>
+          <a:xfrm>
+            <a:off x="1013982" y="5765237"/>
+            <a:ext cx="8483099" cy="257797"/>
+          </a:xfrm>
+          <a:prstGeom prst="rect">
+            <a:avLst/>
+          </a:prstGeom>
+          <a:solidFill>
+            <a:schemeClr val="accent6">
+              <a:lumMod val="75000"/>
+            </a:schemeClr>
+          </a:solidFill>
+        </p:spPr>
+        <p:style>
+          <a:lnRef idx="2">
+            <a:schemeClr val="accent1">
+              <a:shade val="50000"/>
+            </a:schemeClr>
+          </a:lnRef>
+          <a:fillRef idx="1">
+            <a:schemeClr val="accent1"/>
+          </a:fillRef>
+          <a:effectRef idx="0">
+            <a:schemeClr val="accent1"/>
+          </a:effectRef>
+          <a:fontRef idx="minor">
+            <a:schemeClr val="lt1"/>
+          </a:fontRef>
+        </p:style>
+        <p:txBody>
+          <a:bodyPr rtlCol="0" anchor="ctr"/>
+          <a:lstStyle/>
+          <a:p>
+            <a:pPr algn="ctr"/>
+            <a:r>
+              <a:rPr lang="fr-FR" dirty="0"/>
+              <a:t>Workflows : Manage </a:t>
+            </a:r>
+            <a:r>
+              <a:rPr lang="fr-FR" dirty="0" err="1"/>
+              <a:t>Availability</a:t>
+            </a:r>
+            <a:endParaRPr lang="fr-FR" dirty="0"/>
+          </a:p>
+        </p:txBody>
+      </p:sp>
+      <p:sp>
+        <p:nvSpPr>
+          <p:cNvPr id="29" name="Rectangle 28">
+            <a:extLst>
+              <a:ext uri="{FF2B5EF4-FFF2-40B4-BE49-F238E27FC236}">
+                <a16:creationId xmlns:a16="http://schemas.microsoft.com/office/drawing/2014/main" id="{1BFA92B3-851F-4A49-B334-32B4B8B60B37}"/>
+              </a:ext>
+            </a:extLst>
+          </p:cNvPr>
+          <p:cNvSpPr/>
+          <p:nvPr/>
+        </p:nvSpPr>
+        <p:spPr>
+          <a:xfrm>
+            <a:off x="1013982" y="6088237"/>
+            <a:ext cx="8483099" cy="257797"/>
+          </a:xfrm>
+          <a:prstGeom prst="rect">
+            <a:avLst/>
+          </a:prstGeom>
+          <a:solidFill>
+            <a:schemeClr val="accent6">
+              <a:lumMod val="75000"/>
+            </a:schemeClr>
+          </a:solidFill>
+        </p:spPr>
+        <p:style>
+          <a:lnRef idx="2">
+            <a:schemeClr val="accent1">
+              <a:shade val="50000"/>
+            </a:schemeClr>
+          </a:lnRef>
+          <a:fillRef idx="1">
+            <a:schemeClr val="accent1"/>
+          </a:fillRef>
+          <a:effectRef idx="0">
+            <a:schemeClr val="accent1"/>
+          </a:effectRef>
+          <a:fontRef idx="minor">
+            <a:schemeClr val="lt1"/>
+          </a:fontRef>
+        </p:style>
+        <p:txBody>
+          <a:bodyPr rtlCol="0" anchor="ctr"/>
+          <a:lstStyle/>
+          <a:p>
+            <a:pPr algn="ctr"/>
+            <a:r>
+              <a:rPr lang="fr-FR" dirty="0"/>
+              <a:t>Change </a:t>
+            </a:r>
+            <a:r>
+              <a:rPr lang="fr-FR" dirty="0" err="1"/>
+              <a:t>tracking</a:t>
+            </a:r>
+            <a:r>
+              <a:rPr lang="fr-FR" dirty="0"/>
+              <a:t> &amp; Logs</a:t>
+            </a:r>
+          </a:p>
+        </p:txBody>
+      </p:sp>
+      <p:sp>
+        <p:nvSpPr>
+          <p:cNvPr id="30" name="Rectangle : coins arrondis 29">
+            <a:extLst>
+              <a:ext uri="{FF2B5EF4-FFF2-40B4-BE49-F238E27FC236}">
+                <a16:creationId xmlns:a16="http://schemas.microsoft.com/office/drawing/2014/main" id="{0B85A4C8-7C41-42FA-B816-B9E02243D6E3}"/>
+              </a:ext>
+            </a:extLst>
+          </p:cNvPr>
+          <p:cNvSpPr/>
+          <p:nvPr/>
+        </p:nvSpPr>
+        <p:spPr>
+          <a:xfrm>
+            <a:off x="4083427" y="4262320"/>
+            <a:ext cx="2344847" cy="371193"/>
+          </a:xfrm>
+          <a:prstGeom prst="roundRect">
+            <a:avLst/>
+          </a:prstGeom>
+          <a:solidFill>
+            <a:schemeClr val="bg1">
+              <a:lumMod val="65000"/>
+            </a:schemeClr>
+          </a:solidFill>
+        </p:spPr>
+        <p:style>
+          <a:lnRef idx="2">
+            <a:schemeClr val="accent1">
+              <a:shade val="50000"/>
+            </a:schemeClr>
+          </a:lnRef>
+          <a:fillRef idx="1">
+            <a:schemeClr val="accent1"/>
+          </a:fillRef>
+          <a:effectRef idx="0">
+            <a:schemeClr val="accent1"/>
+          </a:effectRef>
+          <a:fontRef idx="minor">
+            <a:schemeClr val="lt1"/>
+          </a:fontRef>
+        </p:style>
+        <p:txBody>
+          <a:bodyPr rtlCol="0" anchor="ctr"/>
+          <a:lstStyle/>
+          <a:p>
+            <a:pPr algn="ctr"/>
+            <a:r>
+              <a:rPr lang="fr-FR" dirty="0"/>
+              <a:t>Public repositories</a:t>
+            </a:r>
+          </a:p>
+        </p:txBody>
+      </p:sp>
+      <p:sp>
+        <p:nvSpPr>
+          <p:cNvPr id="31" name="Rectangle : coins arrondis 30">
+            <a:extLst>
+              <a:ext uri="{FF2B5EF4-FFF2-40B4-BE49-F238E27FC236}">
+                <a16:creationId xmlns:a16="http://schemas.microsoft.com/office/drawing/2014/main" id="{E60EB4AB-B386-4E47-9F7F-46A6F795FCA2}"/>
+              </a:ext>
+            </a:extLst>
+          </p:cNvPr>
+          <p:cNvSpPr/>
+          <p:nvPr/>
+        </p:nvSpPr>
+        <p:spPr>
+          <a:xfrm>
+            <a:off x="6917819" y="4270377"/>
+            <a:ext cx="2344847" cy="363135"/>
+          </a:xfrm>
+          <a:prstGeom prst="roundRect">
+            <a:avLst/>
+          </a:prstGeom>
+          <a:solidFill>
+            <a:schemeClr val="accent2">
+              <a:lumMod val="60000"/>
+              <a:lumOff val="40000"/>
+            </a:schemeClr>
+          </a:solidFill>
+        </p:spPr>
+        <p:style>
+          <a:lnRef idx="2">
+            <a:schemeClr val="accent1">
+              <a:shade val="50000"/>
+            </a:schemeClr>
+          </a:lnRef>
+          <a:fillRef idx="1">
+            <a:schemeClr val="accent1"/>
+          </a:fillRef>
+          <a:effectRef idx="0">
+            <a:schemeClr val="accent1"/>
+          </a:effectRef>
+          <a:fontRef idx="minor">
+            <a:schemeClr val="lt1"/>
+          </a:fontRef>
+        </p:style>
+        <p:txBody>
+          <a:bodyPr rtlCol="0" anchor="ctr"/>
+          <a:lstStyle/>
+          <a:p>
+            <a:pPr algn="ctr"/>
+            <a:r>
+              <a:rPr lang="fr-FR" dirty="0"/>
+              <a:t>Services </a:t>
+            </a:r>
+            <a:r>
+              <a:rPr lang="fr-FR" dirty="0" err="1"/>
+              <a:t>catalog</a:t>
+            </a:r>
+            <a:endParaRPr lang="fr-FR" dirty="0"/>
+          </a:p>
+        </p:txBody>
+      </p:sp>
+      <p:sp>
+        <p:nvSpPr>
+          <p:cNvPr id="32" name="Rectangle 31">
+            <a:extLst>
+              <a:ext uri="{FF2B5EF4-FFF2-40B4-BE49-F238E27FC236}">
+                <a16:creationId xmlns:a16="http://schemas.microsoft.com/office/drawing/2014/main" id="{2AB6A21B-E7A7-41EC-8DC5-8E84B165324C}"/>
+              </a:ext>
+            </a:extLst>
+          </p:cNvPr>
+          <p:cNvSpPr/>
+          <p:nvPr/>
+        </p:nvSpPr>
+        <p:spPr>
+          <a:xfrm>
+            <a:off x="10176095" y="1305818"/>
+            <a:ext cx="1367074" cy="633747"/>
+          </a:xfrm>
+          <a:prstGeom prst="rect">
+            <a:avLst/>
+          </a:prstGeom>
+          <a:solidFill>
+            <a:srgbClr val="7030A0"/>
+          </a:solidFill>
+        </p:spPr>
+        <p:style>
+          <a:lnRef idx="2">
+            <a:schemeClr val="accent1">
+              <a:shade val="50000"/>
+            </a:schemeClr>
+          </a:lnRef>
+          <a:fillRef idx="1">
+            <a:schemeClr val="accent1"/>
+          </a:fillRef>
+          <a:effectRef idx="0">
+            <a:schemeClr val="accent1"/>
+          </a:effectRef>
+          <a:fontRef idx="minor">
+            <a:schemeClr val="lt1"/>
+          </a:fontRef>
+        </p:style>
+        <p:txBody>
+          <a:bodyPr rtlCol="0" anchor="ctr"/>
+          <a:lstStyle/>
+          <a:p>
+            <a:pPr algn="ctr"/>
+            <a:r>
+              <a:rPr lang="fr-FR" dirty="0"/>
+              <a:t>WSL client</a:t>
+            </a:r>
+          </a:p>
+        </p:txBody>
+      </p:sp>
+      <p:sp>
+        <p:nvSpPr>
+          <p:cNvPr id="34" name="Rectangle 33">
+            <a:extLst>
+              <a:ext uri="{FF2B5EF4-FFF2-40B4-BE49-F238E27FC236}">
+                <a16:creationId xmlns:a16="http://schemas.microsoft.com/office/drawing/2014/main" id="{ECDB8E43-AF88-41E8-8C5E-F36A537D3AFD}"/>
+              </a:ext>
+            </a:extLst>
+          </p:cNvPr>
+          <p:cNvSpPr/>
+          <p:nvPr/>
+        </p:nvSpPr>
+        <p:spPr>
+          <a:xfrm>
+            <a:off x="10176095" y="2037024"/>
+            <a:ext cx="1367074" cy="633747"/>
+          </a:xfrm>
+          <a:prstGeom prst="rect">
+            <a:avLst/>
+          </a:prstGeom>
+          <a:solidFill>
+            <a:srgbClr val="7030A0"/>
+          </a:solidFill>
+        </p:spPr>
+        <p:style>
+          <a:lnRef idx="2">
+            <a:schemeClr val="accent1">
+              <a:shade val="50000"/>
+            </a:schemeClr>
+          </a:lnRef>
+          <a:fillRef idx="1">
+            <a:schemeClr val="accent1"/>
+          </a:fillRef>
+          <a:effectRef idx="0">
+            <a:schemeClr val="accent1"/>
+          </a:effectRef>
+          <a:fontRef idx="minor">
+            <a:schemeClr val="lt1"/>
+          </a:fontRef>
+        </p:style>
+        <p:txBody>
+          <a:bodyPr rtlCol="0" anchor="ctr"/>
+          <a:lstStyle/>
+          <a:p>
+            <a:pPr algn="ctr"/>
+            <a:r>
+              <a:rPr lang="fr-FR" dirty="0"/>
+              <a:t>Lima client</a:t>
+            </a:r>
+          </a:p>
+        </p:txBody>
+      </p:sp>
+      <p:sp>
+        <p:nvSpPr>
+          <p:cNvPr id="35" name="Rectangle 34">
+            <a:extLst>
+              <a:ext uri="{FF2B5EF4-FFF2-40B4-BE49-F238E27FC236}">
+                <a16:creationId xmlns:a16="http://schemas.microsoft.com/office/drawing/2014/main" id="{6647B5F3-50D3-4CD1-98C0-89A3D3A21BD0}"/>
+              </a:ext>
+            </a:extLst>
+          </p:cNvPr>
+          <p:cNvSpPr/>
+          <p:nvPr/>
+        </p:nvSpPr>
+        <p:spPr>
+          <a:xfrm>
+            <a:off x="10176095" y="3885670"/>
+            <a:ext cx="1367074" cy="633747"/>
+          </a:xfrm>
+          <a:prstGeom prst="rect">
+            <a:avLst/>
+          </a:prstGeom>
+          <a:solidFill>
+            <a:srgbClr val="7030A0"/>
+          </a:solidFill>
+        </p:spPr>
+        <p:style>
+          <a:lnRef idx="2">
+            <a:schemeClr val="accent1">
+              <a:shade val="50000"/>
+            </a:schemeClr>
+          </a:lnRef>
+          <a:fillRef idx="1">
+            <a:schemeClr val="accent1"/>
+          </a:fillRef>
+          <a:effectRef idx="0">
+            <a:schemeClr val="accent1"/>
+          </a:effectRef>
+          <a:fontRef idx="minor">
+            <a:schemeClr val="lt1"/>
+          </a:fontRef>
+        </p:style>
+        <p:txBody>
+          <a:bodyPr rtlCol="0" anchor="ctr"/>
+          <a:lstStyle/>
+          <a:p>
+            <a:pPr algn="ctr"/>
+            <a:r>
+              <a:rPr lang="fr-FR" dirty="0"/>
+              <a:t>Kubernetes client</a:t>
+            </a:r>
+          </a:p>
+        </p:txBody>
+      </p:sp>
+      <p:sp>
+        <p:nvSpPr>
+          <p:cNvPr id="36" name="Rectangle 35">
+            <a:extLst>
+              <a:ext uri="{FF2B5EF4-FFF2-40B4-BE49-F238E27FC236}">
+                <a16:creationId xmlns:a16="http://schemas.microsoft.com/office/drawing/2014/main" id="{C3A6356A-849A-4B06-9546-DB10D175107C}"/>
+              </a:ext>
+            </a:extLst>
+          </p:cNvPr>
+          <p:cNvSpPr/>
+          <p:nvPr/>
+        </p:nvSpPr>
+        <p:spPr>
+          <a:xfrm>
+            <a:off x="10176095" y="2757046"/>
+            <a:ext cx="1367074" cy="633747"/>
+          </a:xfrm>
+          <a:prstGeom prst="rect">
+            <a:avLst/>
+          </a:prstGeom>
+          <a:solidFill>
+            <a:srgbClr val="7030A0"/>
+          </a:solidFill>
+        </p:spPr>
+        <p:style>
+          <a:lnRef idx="2">
+            <a:schemeClr val="accent1">
+              <a:shade val="50000"/>
+            </a:schemeClr>
+          </a:lnRef>
+          <a:fillRef idx="1">
+            <a:schemeClr val="accent1"/>
+          </a:fillRef>
+          <a:effectRef idx="0">
+            <a:schemeClr val="accent1"/>
+          </a:effectRef>
+          <a:fontRef idx="minor">
+            <a:schemeClr val="lt1"/>
+          </a:fontRef>
+        </p:style>
+        <p:txBody>
+          <a:bodyPr rtlCol="0" anchor="ctr"/>
+          <a:lstStyle/>
+          <a:p>
+            <a:pPr algn="ctr"/>
+            <a:r>
+              <a:rPr lang="fr-FR" dirty="0" err="1"/>
+              <a:t>gcloud</a:t>
+            </a:r>
+            <a:r>
+              <a:rPr lang="fr-FR" dirty="0"/>
+              <a:t> client</a:t>
+            </a:r>
+          </a:p>
+        </p:txBody>
+      </p:sp>
+      <p:sp>
+        <p:nvSpPr>
+          <p:cNvPr id="37" name="Rectangle 36">
+            <a:extLst>
+              <a:ext uri="{FF2B5EF4-FFF2-40B4-BE49-F238E27FC236}">
+                <a16:creationId xmlns:a16="http://schemas.microsoft.com/office/drawing/2014/main" id="{9A974D98-ED76-4E99-B6CE-409EC35C4823}"/>
+              </a:ext>
+            </a:extLst>
+          </p:cNvPr>
+          <p:cNvSpPr/>
+          <p:nvPr/>
+        </p:nvSpPr>
+        <p:spPr>
+          <a:xfrm>
+            <a:off x="10176095" y="4976218"/>
+            <a:ext cx="1367074" cy="633747"/>
+          </a:xfrm>
+          <a:prstGeom prst="rect">
+            <a:avLst/>
+          </a:prstGeom>
+          <a:solidFill>
+            <a:srgbClr val="7030A0"/>
+          </a:solidFill>
+        </p:spPr>
+        <p:style>
+          <a:lnRef idx="2">
+            <a:schemeClr val="accent1">
+              <a:shade val="50000"/>
+            </a:schemeClr>
+          </a:lnRef>
+          <a:fillRef idx="1">
+            <a:schemeClr val="accent1"/>
+          </a:fillRef>
+          <a:effectRef idx="0">
+            <a:schemeClr val="accent1"/>
+          </a:effectRef>
+          <a:fontRef idx="minor">
+            <a:schemeClr val="lt1"/>
+          </a:fontRef>
+        </p:style>
+        <p:txBody>
+          <a:bodyPr rtlCol="0" anchor="ctr"/>
+          <a:lstStyle/>
+          <a:p>
+            <a:pPr algn="ctr"/>
+            <a:r>
+              <a:rPr lang="fr-FR" dirty="0"/>
+              <a:t>NS manager client</a:t>
+            </a:r>
+          </a:p>
+        </p:txBody>
+      </p:sp>
+    </p:spTree>
+    <p:extLst>
+      <p:ext uri="{BB962C8B-B14F-4D97-AF65-F5344CB8AC3E}">
+        <p14:creationId xmlns:p14="http://schemas.microsoft.com/office/powerpoint/2010/main" val="3487770657"/>
+      </p:ext>
+    </p:extLst>
+  </p:cSld>
+  <p:clrMapOvr>
+    <a:masterClrMapping/>
+  </p:clrMapOvr>
+</p:sld>
+</file>
+
+<file path=ppt/slides/slide5.xml><?xml version="1.0" encoding="utf-8"?>
+<p:sld xmlns:a="http://schemas.openxmlformats.org/drawingml/2006/main" xmlns:r="http://schemas.openxmlformats.org/officeDocument/2006/relationships" xmlns:p="http://schemas.openxmlformats.org/presentationml/2006/main">
+  <p:cSld>
+    <p:spTree>
+      <p:nvGrpSpPr>
+        <p:cNvPr id="1" name=""/>
+        <p:cNvGrpSpPr/>
+        <p:nvPr/>
+      </p:nvGrpSpPr>
+      <p:grpSpPr>
+        <a:xfrm>
+          <a:off x="0" y="0"/>
+          <a:ext cx="0" cy="0"/>
+          <a:chOff x="0" y="0"/>
+          <a:chExt cx="0" cy="0"/>
+        </a:xfrm>
+      </p:grpSpPr>
+      <p:sp>
+        <p:nvSpPr>
+          <p:cNvPr id="5" name="Rectangle 4">
+            <a:extLst>
+              <a:ext uri="{FF2B5EF4-FFF2-40B4-BE49-F238E27FC236}">
+                <a16:creationId xmlns:a16="http://schemas.microsoft.com/office/drawing/2014/main" id="{CA9A45E1-90C1-477D-87CE-C0212ACFD883}"/>
+              </a:ext>
+            </a:extLst>
+          </p:cNvPr>
+          <p:cNvSpPr/>
+          <p:nvPr/>
+        </p:nvSpPr>
+        <p:spPr>
+          <a:xfrm>
+            <a:off x="473046" y="196625"/>
+            <a:ext cx="11245908" cy="475592"/>
+          </a:xfrm>
+          <a:prstGeom prst="rect">
+            <a:avLst/>
+          </a:prstGeom>
+        </p:spPr>
+        <p:style>
+          <a:lnRef idx="2">
+            <a:schemeClr val="accent1">
+              <a:shade val="50000"/>
+            </a:schemeClr>
+          </a:lnRef>
+          <a:fillRef idx="1">
+            <a:schemeClr val="accent1"/>
+          </a:fillRef>
+          <a:effectRef idx="0">
+            <a:schemeClr val="accent1"/>
+          </a:effectRef>
+          <a:fontRef idx="minor">
+            <a:schemeClr val="lt1"/>
+          </a:fontRef>
+        </p:style>
+        <p:txBody>
+          <a:bodyPr rtlCol="0" anchor="ctr"/>
+          <a:lstStyle/>
+          <a:p>
+            <a:pPr algn="ctr"/>
+            <a:r>
+              <a:rPr lang="fr-FR" dirty="0" err="1"/>
+              <a:t>wordslab</a:t>
+            </a:r>
+            <a:r>
+              <a:rPr lang="fr-FR" dirty="0"/>
+              <a:t> instance</a:t>
+            </a:r>
+          </a:p>
+        </p:txBody>
+      </p:sp>
+      <p:sp>
+        <p:nvSpPr>
+          <p:cNvPr id="6" name="Rectangle 5">
+            <a:extLst>
+              <a:ext uri="{FF2B5EF4-FFF2-40B4-BE49-F238E27FC236}">
+                <a16:creationId xmlns:a16="http://schemas.microsoft.com/office/drawing/2014/main" id="{6FCFDE0C-EA3E-46D1-B2FE-A37F9AC462E1}"/>
+              </a:ext>
+            </a:extLst>
+          </p:cNvPr>
+          <p:cNvSpPr/>
+          <p:nvPr/>
+        </p:nvSpPr>
+        <p:spPr>
+          <a:xfrm>
+            <a:off x="2381819" y="860073"/>
+            <a:ext cx="1702051" cy="1620571"/>
+          </a:xfrm>
+          <a:prstGeom prst="rect">
+            <a:avLst/>
+          </a:prstGeom>
+          <a:solidFill>
+            <a:schemeClr val="accent1">
+              <a:lumMod val="50000"/>
+            </a:schemeClr>
+          </a:solidFill>
+        </p:spPr>
+        <p:style>
+          <a:lnRef idx="2">
+            <a:schemeClr val="accent1">
+              <a:shade val="50000"/>
+            </a:schemeClr>
+          </a:lnRef>
+          <a:fillRef idx="1">
+            <a:schemeClr val="accent1"/>
+          </a:fillRef>
+          <a:effectRef idx="0">
+            <a:schemeClr val="accent1"/>
+          </a:effectRef>
+          <a:fontRef idx="minor">
+            <a:schemeClr val="lt1"/>
+          </a:fontRef>
+        </p:style>
+        <p:txBody>
+          <a:bodyPr rtlCol="0" anchor="ctr"/>
+          <a:lstStyle/>
+          <a:p>
+            <a:pPr algn="ctr"/>
+            <a:r>
+              <a:rPr lang="fr-FR" dirty="0"/>
+              <a:t>User </a:t>
+            </a:r>
+            <a:r>
+              <a:rPr lang="fr-FR" dirty="0" err="1"/>
+              <a:t>work</a:t>
+            </a:r>
+            <a:r>
+              <a:rPr lang="fr-FR" dirty="0"/>
+              <a:t> environments</a:t>
+            </a:r>
+          </a:p>
+        </p:txBody>
+      </p:sp>
+      <p:sp>
+        <p:nvSpPr>
+          <p:cNvPr id="7" name="Rectangle 6">
+            <a:extLst>
+              <a:ext uri="{FF2B5EF4-FFF2-40B4-BE49-F238E27FC236}">
+                <a16:creationId xmlns:a16="http://schemas.microsoft.com/office/drawing/2014/main" id="{1F569386-B4E1-4693-938A-ED283BB54AE5}"/>
+              </a:ext>
+            </a:extLst>
+          </p:cNvPr>
+          <p:cNvSpPr/>
+          <p:nvPr/>
+        </p:nvSpPr>
+        <p:spPr>
+          <a:xfrm>
+            <a:off x="4290591" y="860072"/>
+            <a:ext cx="1702051" cy="1620571"/>
+          </a:xfrm>
+          <a:prstGeom prst="rect">
+            <a:avLst/>
+          </a:prstGeom>
+          <a:solidFill>
+            <a:schemeClr val="accent1">
+              <a:lumMod val="50000"/>
+            </a:schemeClr>
+          </a:solidFill>
+        </p:spPr>
+        <p:style>
+          <a:lnRef idx="2">
+            <a:schemeClr val="accent1">
+              <a:shade val="50000"/>
+            </a:schemeClr>
+          </a:lnRef>
+          <a:fillRef idx="1">
+            <a:schemeClr val="accent1"/>
+          </a:fillRef>
+          <a:effectRef idx="0">
+            <a:schemeClr val="accent1"/>
+          </a:effectRef>
+          <a:fontRef idx="minor">
+            <a:schemeClr val="lt1"/>
+          </a:fontRef>
+        </p:style>
+        <p:txBody>
+          <a:bodyPr rtlCol="0" anchor="ctr"/>
+          <a:lstStyle/>
+          <a:p>
+            <a:pPr algn="ctr"/>
+            <a:r>
+              <a:rPr lang="fr-FR" dirty="0"/>
+              <a:t>Project repositories</a:t>
+            </a:r>
+          </a:p>
+        </p:txBody>
+      </p:sp>
+      <p:sp>
+        <p:nvSpPr>
+          <p:cNvPr id="8" name="Rectangle 7">
+            <a:extLst>
+              <a:ext uri="{FF2B5EF4-FFF2-40B4-BE49-F238E27FC236}">
+                <a16:creationId xmlns:a16="http://schemas.microsoft.com/office/drawing/2014/main" id="{29CCC620-386E-4940-846F-6DEFEF7E02A0}"/>
+              </a:ext>
+            </a:extLst>
+          </p:cNvPr>
+          <p:cNvSpPr/>
+          <p:nvPr/>
+        </p:nvSpPr>
+        <p:spPr>
+          <a:xfrm>
+            <a:off x="8108133" y="866865"/>
+            <a:ext cx="1702051" cy="1620571"/>
+          </a:xfrm>
+          <a:prstGeom prst="rect">
+            <a:avLst/>
+          </a:prstGeom>
+          <a:solidFill>
+            <a:schemeClr val="accent1">
+              <a:lumMod val="50000"/>
+            </a:schemeClr>
+          </a:solidFill>
+        </p:spPr>
+        <p:style>
+          <a:lnRef idx="2">
+            <a:schemeClr val="accent1">
+              <a:shade val="50000"/>
+            </a:schemeClr>
+          </a:lnRef>
+          <a:fillRef idx="1">
+            <a:schemeClr val="accent1"/>
+          </a:fillRef>
+          <a:effectRef idx="0">
+            <a:schemeClr val="accent1"/>
+          </a:effectRef>
+          <a:fontRef idx="minor">
+            <a:schemeClr val="lt1"/>
+          </a:fontRef>
+        </p:style>
+        <p:txBody>
+          <a:bodyPr rtlCol="0" anchor="ctr"/>
+          <a:lstStyle/>
+          <a:p>
+            <a:pPr algn="ctr"/>
+            <a:r>
+              <a:rPr lang="fr-FR" dirty="0" err="1"/>
+              <a:t>Artifacts</a:t>
+            </a:r>
+            <a:r>
+              <a:rPr lang="fr-FR" dirty="0"/>
+              <a:t> repositories</a:t>
+            </a:r>
+          </a:p>
+        </p:txBody>
+      </p:sp>
+      <p:sp>
+        <p:nvSpPr>
+          <p:cNvPr id="9" name="Rectangle 8">
+            <a:extLst>
+              <a:ext uri="{FF2B5EF4-FFF2-40B4-BE49-F238E27FC236}">
+                <a16:creationId xmlns:a16="http://schemas.microsoft.com/office/drawing/2014/main" id="{11B8DD20-1F9C-47F8-820F-D641F4D2C68D}"/>
+              </a:ext>
+            </a:extLst>
+          </p:cNvPr>
+          <p:cNvSpPr/>
+          <p:nvPr/>
+        </p:nvSpPr>
+        <p:spPr>
+          <a:xfrm>
+            <a:off x="473046" y="860074"/>
+            <a:ext cx="1702051" cy="1620571"/>
+          </a:xfrm>
+          <a:prstGeom prst="rect">
+            <a:avLst/>
+          </a:prstGeom>
+          <a:solidFill>
+            <a:schemeClr val="accent1">
+              <a:lumMod val="50000"/>
+            </a:schemeClr>
+          </a:solidFill>
+        </p:spPr>
+        <p:style>
+          <a:lnRef idx="2">
+            <a:schemeClr val="accent1">
+              <a:shade val="50000"/>
+            </a:schemeClr>
+          </a:lnRef>
+          <a:fillRef idx="1">
+            <a:schemeClr val="accent1"/>
+          </a:fillRef>
+          <a:effectRef idx="0">
+            <a:schemeClr val="accent1"/>
+          </a:effectRef>
+          <a:fontRef idx="minor">
+            <a:schemeClr val="lt1"/>
+          </a:fontRef>
+        </p:style>
+        <p:txBody>
+          <a:bodyPr rtlCol="0" anchor="ctr"/>
+          <a:lstStyle/>
+          <a:p>
+            <a:pPr algn="ctr"/>
+            <a:r>
+              <a:rPr lang="fr-FR" dirty="0" err="1"/>
+              <a:t>Users</a:t>
+            </a:r>
+            <a:br>
+              <a:rPr lang="fr-FR" dirty="0"/>
+            </a:br>
+            <a:r>
+              <a:rPr lang="fr-FR" dirty="0" err="1"/>
+              <a:t>Projects</a:t>
+            </a:r>
+            <a:br>
+              <a:rPr lang="fr-FR" dirty="0"/>
+            </a:br>
+            <a:r>
+              <a:rPr lang="fr-FR" dirty="0"/>
+              <a:t>Solutions</a:t>
+            </a:r>
+          </a:p>
+        </p:txBody>
+      </p:sp>
+      <p:sp>
+        <p:nvSpPr>
+          <p:cNvPr id="10" name="Rectangle 9">
+            <a:extLst>
+              <a:ext uri="{FF2B5EF4-FFF2-40B4-BE49-F238E27FC236}">
+                <a16:creationId xmlns:a16="http://schemas.microsoft.com/office/drawing/2014/main" id="{CEA3647F-E578-40B3-BCAC-7329E7119197}"/>
+              </a:ext>
+            </a:extLst>
+          </p:cNvPr>
+          <p:cNvSpPr/>
+          <p:nvPr/>
+        </p:nvSpPr>
+        <p:spPr>
+          <a:xfrm>
+            <a:off x="6199363" y="2668496"/>
+            <a:ext cx="1702051" cy="1620571"/>
+          </a:xfrm>
+          <a:prstGeom prst="rect">
+            <a:avLst/>
+          </a:prstGeom>
+          <a:solidFill>
+            <a:schemeClr val="accent1">
+              <a:lumMod val="50000"/>
+            </a:schemeClr>
+          </a:solidFill>
+        </p:spPr>
+        <p:style>
+          <a:lnRef idx="2">
+            <a:schemeClr val="accent1">
+              <a:shade val="50000"/>
+            </a:schemeClr>
+          </a:lnRef>
+          <a:fillRef idx="1">
+            <a:schemeClr val="accent1"/>
+          </a:fillRef>
+          <a:effectRef idx="0">
+            <a:schemeClr val="accent1"/>
+          </a:effectRef>
+          <a:fontRef idx="minor">
+            <a:schemeClr val="lt1"/>
+          </a:fontRef>
+        </p:style>
+        <p:txBody>
+          <a:bodyPr rtlCol="0" anchor="ctr"/>
+          <a:lstStyle/>
+          <a:p>
+            <a:pPr algn="ctr"/>
+            <a:r>
+              <a:rPr lang="fr-FR" dirty="0"/>
+              <a:t>Annotation </a:t>
+            </a:r>
+            <a:r>
+              <a:rPr lang="fr-FR" dirty="0" err="1"/>
+              <a:t>campaigns</a:t>
+            </a:r>
+            <a:endParaRPr lang="fr-FR" dirty="0"/>
+          </a:p>
+        </p:txBody>
+      </p:sp>
+      <p:sp>
+        <p:nvSpPr>
+          <p:cNvPr id="11" name="Rectangle 10">
+            <a:extLst>
+              <a:ext uri="{FF2B5EF4-FFF2-40B4-BE49-F238E27FC236}">
+                <a16:creationId xmlns:a16="http://schemas.microsoft.com/office/drawing/2014/main" id="{F14468BE-77C2-4883-B03F-B2F1E8251C33}"/>
+              </a:ext>
+            </a:extLst>
+          </p:cNvPr>
+          <p:cNvSpPr/>
+          <p:nvPr/>
+        </p:nvSpPr>
+        <p:spPr>
+          <a:xfrm>
+            <a:off x="473045" y="2668502"/>
+            <a:ext cx="1702051" cy="1620571"/>
+          </a:xfrm>
+          <a:prstGeom prst="rect">
+            <a:avLst/>
+          </a:prstGeom>
+          <a:solidFill>
+            <a:schemeClr val="accent1">
+              <a:lumMod val="50000"/>
+            </a:schemeClr>
+          </a:solidFill>
+        </p:spPr>
+        <p:style>
+          <a:lnRef idx="2">
+            <a:schemeClr val="accent1">
+              <a:shade val="50000"/>
+            </a:schemeClr>
+          </a:lnRef>
+          <a:fillRef idx="1">
+            <a:schemeClr val="accent1"/>
+          </a:fillRef>
+          <a:effectRef idx="0">
+            <a:schemeClr val="accent1"/>
+          </a:effectRef>
+          <a:fontRef idx="minor">
+            <a:schemeClr val="lt1"/>
+          </a:fontRef>
+        </p:style>
+        <p:txBody>
+          <a:bodyPr rtlCol="0" anchor="ctr"/>
+          <a:lstStyle/>
+          <a:p>
+            <a:pPr algn="ctr"/>
+            <a:r>
+              <a:rPr lang="fr-FR" dirty="0"/>
+              <a:t>Data extraction services</a:t>
+            </a:r>
+          </a:p>
+        </p:txBody>
+      </p:sp>
+      <p:sp>
+        <p:nvSpPr>
+          <p:cNvPr id="12" name="Rectangle 11">
+            <a:extLst>
+              <a:ext uri="{FF2B5EF4-FFF2-40B4-BE49-F238E27FC236}">
+                <a16:creationId xmlns:a16="http://schemas.microsoft.com/office/drawing/2014/main" id="{454B629D-9FAA-41A7-8E30-A5739AC75555}"/>
+              </a:ext>
+            </a:extLst>
+          </p:cNvPr>
+          <p:cNvSpPr/>
+          <p:nvPr/>
+        </p:nvSpPr>
+        <p:spPr>
+          <a:xfrm>
+            <a:off x="473044" y="4504098"/>
+            <a:ext cx="1702051" cy="1620571"/>
+          </a:xfrm>
+          <a:prstGeom prst="rect">
+            <a:avLst/>
+          </a:prstGeom>
+          <a:solidFill>
+            <a:schemeClr val="accent1">
+              <a:lumMod val="50000"/>
+            </a:schemeClr>
+          </a:solidFill>
+        </p:spPr>
+        <p:style>
+          <a:lnRef idx="2">
+            <a:schemeClr val="accent1">
+              <a:shade val="50000"/>
+            </a:schemeClr>
+          </a:lnRef>
+          <a:fillRef idx="1">
+            <a:schemeClr val="accent1"/>
+          </a:fillRef>
+          <a:effectRef idx="0">
+            <a:schemeClr val="accent1"/>
+          </a:effectRef>
+          <a:fontRef idx="minor">
+            <a:schemeClr val="lt1"/>
+          </a:fontRef>
+        </p:style>
+        <p:txBody>
+          <a:bodyPr rtlCol="0" anchor="ctr"/>
+          <a:lstStyle/>
+          <a:p>
+            <a:pPr algn="ctr"/>
+            <a:r>
+              <a:rPr lang="fr-FR" dirty="0"/>
+              <a:t>NLP services server</a:t>
+            </a:r>
+          </a:p>
+        </p:txBody>
+      </p:sp>
+      <p:sp>
+        <p:nvSpPr>
+          <p:cNvPr id="13" name="Rectangle 12">
+            <a:extLst>
+              <a:ext uri="{FF2B5EF4-FFF2-40B4-BE49-F238E27FC236}">
+                <a16:creationId xmlns:a16="http://schemas.microsoft.com/office/drawing/2014/main" id="{5F0BA0B3-AD37-4A3D-8888-AA832314F248}"/>
+              </a:ext>
+            </a:extLst>
+          </p:cNvPr>
+          <p:cNvSpPr/>
+          <p:nvPr/>
+        </p:nvSpPr>
+        <p:spPr>
+          <a:xfrm>
+            <a:off x="6199363" y="4504098"/>
+            <a:ext cx="1702051" cy="1620571"/>
+          </a:xfrm>
+          <a:prstGeom prst="rect">
+            <a:avLst/>
+          </a:prstGeom>
+          <a:solidFill>
+            <a:schemeClr val="accent1">
+              <a:lumMod val="50000"/>
+            </a:schemeClr>
+          </a:solidFill>
+        </p:spPr>
+        <p:style>
+          <a:lnRef idx="2">
+            <a:schemeClr val="accent1">
+              <a:shade val="50000"/>
+            </a:schemeClr>
+          </a:lnRef>
+          <a:fillRef idx="1">
+            <a:schemeClr val="accent1"/>
+          </a:fillRef>
+          <a:effectRef idx="0">
+            <a:schemeClr val="accent1"/>
+          </a:effectRef>
+          <a:fontRef idx="minor">
+            <a:schemeClr val="lt1"/>
+          </a:fontRef>
+        </p:style>
+        <p:txBody>
+          <a:bodyPr rtlCol="0" anchor="ctr"/>
+          <a:lstStyle/>
+          <a:p>
+            <a:pPr algn="ctr"/>
+            <a:r>
+              <a:rPr lang="fr-FR" dirty="0"/>
+              <a:t>Business</a:t>
+            </a:r>
+          </a:p>
+          <a:p>
+            <a:pPr algn="ctr"/>
+            <a:r>
+              <a:rPr lang="fr-FR" dirty="0"/>
+              <a:t>Feedback </a:t>
+            </a:r>
+            <a:br>
+              <a:rPr lang="fr-FR" dirty="0"/>
+            </a:br>
+            <a:r>
+              <a:rPr lang="fr-FR" dirty="0"/>
+              <a:t>logs &amp; stats</a:t>
+            </a:r>
+          </a:p>
+        </p:txBody>
+      </p:sp>
+      <p:sp>
+        <p:nvSpPr>
+          <p:cNvPr id="14" name="Rectangle 13">
+            <a:extLst>
+              <a:ext uri="{FF2B5EF4-FFF2-40B4-BE49-F238E27FC236}">
+                <a16:creationId xmlns:a16="http://schemas.microsoft.com/office/drawing/2014/main" id="{8E388E6E-4B8E-40EA-93A2-5B99DAE741D7}"/>
+              </a:ext>
+            </a:extLst>
+          </p:cNvPr>
+          <p:cNvSpPr/>
+          <p:nvPr/>
+        </p:nvSpPr>
+        <p:spPr>
+          <a:xfrm>
+            <a:off x="2381813" y="4504098"/>
+            <a:ext cx="1702051" cy="1620571"/>
+          </a:xfrm>
+          <a:prstGeom prst="rect">
+            <a:avLst/>
+          </a:prstGeom>
+          <a:solidFill>
+            <a:schemeClr val="accent1">
+              <a:lumMod val="50000"/>
+            </a:schemeClr>
+          </a:solidFill>
+        </p:spPr>
+        <p:style>
+          <a:lnRef idx="2">
+            <a:schemeClr val="accent1">
+              <a:shade val="50000"/>
+            </a:schemeClr>
+          </a:lnRef>
+          <a:fillRef idx="1">
+            <a:schemeClr val="accent1"/>
+          </a:fillRef>
+          <a:effectRef idx="0">
+            <a:schemeClr val="accent1"/>
+          </a:effectRef>
+          <a:fontRef idx="minor">
+            <a:schemeClr val="lt1"/>
+          </a:fontRef>
+        </p:style>
+        <p:txBody>
+          <a:bodyPr rtlCol="0" anchor="ctr"/>
+          <a:lstStyle/>
+          <a:p>
+            <a:pPr algn="ctr"/>
+            <a:r>
+              <a:rPr lang="fr-FR" dirty="0"/>
+              <a:t>Data </a:t>
+            </a:r>
+            <a:r>
+              <a:rPr lang="fr-FR" dirty="0" err="1"/>
+              <a:t>indexing</a:t>
+            </a:r>
+            <a:r>
+              <a:rPr lang="fr-FR" dirty="0"/>
+              <a:t> &amp; </a:t>
+            </a:r>
+            <a:r>
+              <a:rPr lang="fr-FR" dirty="0" err="1"/>
+              <a:t>search</a:t>
+            </a:r>
+            <a:r>
+              <a:rPr lang="fr-FR" dirty="0"/>
+              <a:t> services </a:t>
+            </a:r>
+          </a:p>
+        </p:txBody>
+      </p:sp>
+      <p:sp>
+        <p:nvSpPr>
+          <p:cNvPr id="15" name="Rectangle 14">
+            <a:extLst>
+              <a:ext uri="{FF2B5EF4-FFF2-40B4-BE49-F238E27FC236}">
+                <a16:creationId xmlns:a16="http://schemas.microsoft.com/office/drawing/2014/main" id="{3720C3FA-3E0B-4B42-96E0-9D4F8E9E9CAE}"/>
+              </a:ext>
+            </a:extLst>
+          </p:cNvPr>
+          <p:cNvSpPr/>
+          <p:nvPr/>
+        </p:nvSpPr>
+        <p:spPr>
+          <a:xfrm>
+            <a:off x="2381817" y="2668500"/>
+            <a:ext cx="1702051" cy="1620571"/>
+          </a:xfrm>
+          <a:prstGeom prst="rect">
+            <a:avLst/>
+          </a:prstGeom>
+          <a:solidFill>
+            <a:schemeClr val="accent1">
+              <a:lumMod val="50000"/>
+            </a:schemeClr>
+          </a:solidFill>
+        </p:spPr>
+        <p:style>
+          <a:lnRef idx="2">
+            <a:schemeClr val="accent1">
+              <a:shade val="50000"/>
+            </a:schemeClr>
+          </a:lnRef>
+          <a:fillRef idx="1">
+            <a:schemeClr val="accent1"/>
+          </a:fillRef>
+          <a:effectRef idx="0">
+            <a:schemeClr val="accent1"/>
+          </a:effectRef>
+          <a:fontRef idx="minor">
+            <a:schemeClr val="lt1"/>
+          </a:fontRef>
+        </p:style>
+        <p:txBody>
+          <a:bodyPr rtlCol="0" anchor="ctr"/>
+          <a:lstStyle/>
+          <a:p>
+            <a:pPr algn="ctr"/>
+            <a:r>
+              <a:rPr lang="fr-FR" dirty="0"/>
+              <a:t>Data exploration</a:t>
+            </a:r>
+          </a:p>
+          <a:p>
+            <a:pPr algn="ctr"/>
+            <a:r>
+              <a:rPr lang="fr-FR" dirty="0"/>
+              <a:t>Concepts inference</a:t>
+            </a:r>
+          </a:p>
+        </p:txBody>
+      </p:sp>
+      <p:sp>
+        <p:nvSpPr>
+          <p:cNvPr id="16" name="Rectangle 15">
+            <a:extLst>
+              <a:ext uri="{FF2B5EF4-FFF2-40B4-BE49-F238E27FC236}">
+                <a16:creationId xmlns:a16="http://schemas.microsoft.com/office/drawing/2014/main" id="{FC20B4E7-24DC-40C9-A129-9EDC93436119}"/>
+              </a:ext>
+            </a:extLst>
+          </p:cNvPr>
+          <p:cNvSpPr/>
+          <p:nvPr/>
+        </p:nvSpPr>
+        <p:spPr>
+          <a:xfrm>
+            <a:off x="4290589" y="2682085"/>
+            <a:ext cx="1702051" cy="1620571"/>
+          </a:xfrm>
+          <a:prstGeom prst="rect">
+            <a:avLst/>
+          </a:prstGeom>
+          <a:solidFill>
+            <a:schemeClr val="accent1">
+              <a:lumMod val="50000"/>
+            </a:schemeClr>
+          </a:solidFill>
+        </p:spPr>
+        <p:style>
+          <a:lnRef idx="2">
+            <a:schemeClr val="accent1">
+              <a:shade val="50000"/>
+            </a:schemeClr>
+          </a:lnRef>
+          <a:fillRef idx="1">
+            <a:schemeClr val="accent1"/>
+          </a:fillRef>
+          <a:effectRef idx="0">
+            <a:schemeClr val="accent1"/>
+          </a:effectRef>
+          <a:fontRef idx="minor">
+            <a:schemeClr val="lt1"/>
+          </a:fontRef>
+        </p:style>
+        <p:txBody>
+          <a:bodyPr rtlCol="0" anchor="ctr"/>
+          <a:lstStyle/>
+          <a:p>
+            <a:pPr algn="ctr"/>
+            <a:r>
+              <a:rPr lang="fr-FR" dirty="0"/>
+              <a:t>Concepts &amp; </a:t>
+            </a:r>
+            <a:r>
+              <a:rPr lang="fr-FR" dirty="0" err="1"/>
+              <a:t>Entities</a:t>
+            </a:r>
+            <a:r>
+              <a:rPr lang="fr-FR" dirty="0"/>
+              <a:t> store</a:t>
+            </a:r>
+          </a:p>
+        </p:txBody>
+      </p:sp>
+      <p:sp>
+        <p:nvSpPr>
+          <p:cNvPr id="17" name="Rectangle 16">
+            <a:extLst>
+              <a:ext uri="{FF2B5EF4-FFF2-40B4-BE49-F238E27FC236}">
+                <a16:creationId xmlns:a16="http://schemas.microsoft.com/office/drawing/2014/main" id="{503D3A30-04BB-44EA-B5F9-3EA03E97DE55}"/>
+              </a:ext>
+            </a:extLst>
+          </p:cNvPr>
+          <p:cNvSpPr/>
+          <p:nvPr/>
+        </p:nvSpPr>
+        <p:spPr>
+          <a:xfrm>
+            <a:off x="8108133" y="2668495"/>
+            <a:ext cx="1702051" cy="1620571"/>
+          </a:xfrm>
+          <a:prstGeom prst="rect">
+            <a:avLst/>
+          </a:prstGeom>
+          <a:solidFill>
+            <a:schemeClr val="accent1">
+              <a:lumMod val="50000"/>
+            </a:schemeClr>
+          </a:solidFill>
+        </p:spPr>
+        <p:style>
+          <a:lnRef idx="2">
+            <a:schemeClr val="accent1">
+              <a:shade val="50000"/>
+            </a:schemeClr>
+          </a:lnRef>
+          <a:fillRef idx="1">
+            <a:schemeClr val="accent1"/>
+          </a:fillRef>
+          <a:effectRef idx="0">
+            <a:schemeClr val="accent1"/>
+          </a:effectRef>
+          <a:fontRef idx="minor">
+            <a:schemeClr val="lt1"/>
+          </a:fontRef>
+        </p:style>
+        <p:txBody>
+          <a:bodyPr rtlCol="0" anchor="ctr"/>
+          <a:lstStyle/>
+          <a:p>
+            <a:pPr algn="ctr"/>
+            <a:r>
+              <a:rPr lang="fr-FR" dirty="0"/>
+              <a:t>Training &amp; Test services</a:t>
+            </a:r>
+          </a:p>
+        </p:txBody>
+      </p:sp>
+      <p:sp>
+        <p:nvSpPr>
+          <p:cNvPr id="18" name="Rectangle 17">
+            <a:extLst>
+              <a:ext uri="{FF2B5EF4-FFF2-40B4-BE49-F238E27FC236}">
+                <a16:creationId xmlns:a16="http://schemas.microsoft.com/office/drawing/2014/main" id="{F659250E-B13C-4D93-B09A-5C50237D6C76}"/>
+              </a:ext>
+            </a:extLst>
+          </p:cNvPr>
+          <p:cNvSpPr/>
+          <p:nvPr/>
+        </p:nvSpPr>
+        <p:spPr>
+          <a:xfrm>
+            <a:off x="10016903" y="866865"/>
+            <a:ext cx="1702051" cy="1620571"/>
+          </a:xfrm>
+          <a:prstGeom prst="rect">
+            <a:avLst/>
+          </a:prstGeom>
+          <a:solidFill>
+            <a:schemeClr val="accent1">
+              <a:lumMod val="50000"/>
+            </a:schemeClr>
+          </a:solidFill>
+        </p:spPr>
+        <p:style>
+          <a:lnRef idx="2">
+            <a:schemeClr val="accent1">
+              <a:shade val="50000"/>
+            </a:schemeClr>
+          </a:lnRef>
+          <a:fillRef idx="1">
+            <a:schemeClr val="accent1"/>
+          </a:fillRef>
+          <a:effectRef idx="0">
+            <a:schemeClr val="accent1"/>
+          </a:effectRef>
+          <a:fontRef idx="minor">
+            <a:schemeClr val="lt1"/>
+          </a:fontRef>
+        </p:style>
+        <p:txBody>
+          <a:bodyPr rtlCol="0" anchor="ctr"/>
+          <a:lstStyle/>
+          <a:p>
+            <a:pPr algn="ctr"/>
+            <a:r>
+              <a:rPr lang="fr-FR" dirty="0"/>
+              <a:t>Pipelines </a:t>
+            </a:r>
+            <a:r>
+              <a:rPr lang="fr-FR" dirty="0" err="1"/>
+              <a:t>catalog</a:t>
+            </a:r>
+            <a:endParaRPr lang="fr-FR" dirty="0"/>
+          </a:p>
+        </p:txBody>
+      </p:sp>
+      <p:sp>
+        <p:nvSpPr>
+          <p:cNvPr id="19" name="Rectangle 18">
+            <a:extLst>
+              <a:ext uri="{FF2B5EF4-FFF2-40B4-BE49-F238E27FC236}">
+                <a16:creationId xmlns:a16="http://schemas.microsoft.com/office/drawing/2014/main" id="{DEFC559B-908C-40AF-9E04-7CF520685088}"/>
+              </a:ext>
+            </a:extLst>
+          </p:cNvPr>
+          <p:cNvSpPr/>
+          <p:nvPr/>
+        </p:nvSpPr>
+        <p:spPr>
+          <a:xfrm>
+            <a:off x="10016903" y="2668494"/>
+            <a:ext cx="1702051" cy="1620571"/>
+          </a:xfrm>
+          <a:prstGeom prst="rect">
+            <a:avLst/>
+          </a:prstGeom>
+          <a:solidFill>
+            <a:schemeClr val="accent1">
+              <a:lumMod val="50000"/>
+            </a:schemeClr>
+          </a:solidFill>
+        </p:spPr>
+        <p:style>
+          <a:lnRef idx="2">
+            <a:schemeClr val="accent1">
+              <a:shade val="50000"/>
+            </a:schemeClr>
+          </a:lnRef>
+          <a:fillRef idx="1">
+            <a:schemeClr val="accent1"/>
+          </a:fillRef>
+          <a:effectRef idx="0">
+            <a:schemeClr val="accent1"/>
+          </a:effectRef>
+          <a:fontRef idx="minor">
+            <a:schemeClr val="lt1"/>
+          </a:fontRef>
+        </p:style>
+        <p:txBody>
+          <a:bodyPr rtlCol="0" anchor="ctr"/>
+          <a:lstStyle/>
+          <a:p>
+            <a:pPr algn="ctr"/>
+            <a:r>
+              <a:rPr lang="fr-FR" dirty="0"/>
+              <a:t>Business process / conversation modeling</a:t>
+            </a:r>
+          </a:p>
+        </p:txBody>
+      </p:sp>
+      <p:sp>
+        <p:nvSpPr>
+          <p:cNvPr id="20" name="Rectangle 19">
+            <a:extLst>
+              <a:ext uri="{FF2B5EF4-FFF2-40B4-BE49-F238E27FC236}">
+                <a16:creationId xmlns:a16="http://schemas.microsoft.com/office/drawing/2014/main" id="{1D8C3314-81ED-45EB-846D-4187B258C180}"/>
+              </a:ext>
+            </a:extLst>
+          </p:cNvPr>
+          <p:cNvSpPr/>
+          <p:nvPr/>
+        </p:nvSpPr>
+        <p:spPr>
+          <a:xfrm>
+            <a:off x="4290589" y="4504098"/>
+            <a:ext cx="1702051" cy="1620571"/>
+          </a:xfrm>
+          <a:prstGeom prst="rect">
+            <a:avLst/>
+          </a:prstGeom>
+          <a:solidFill>
+            <a:schemeClr val="accent1">
+              <a:lumMod val="50000"/>
+            </a:schemeClr>
+          </a:solidFill>
+        </p:spPr>
+        <p:style>
+          <a:lnRef idx="2">
+            <a:schemeClr val="accent1">
+              <a:shade val="50000"/>
+            </a:schemeClr>
+          </a:lnRef>
+          <a:fillRef idx="1">
+            <a:schemeClr val="accent1"/>
+          </a:fillRef>
+          <a:effectRef idx="0">
+            <a:schemeClr val="accent1"/>
+          </a:effectRef>
+          <a:fontRef idx="minor">
+            <a:schemeClr val="lt1"/>
+          </a:fontRef>
+        </p:style>
+        <p:txBody>
+          <a:bodyPr rtlCol="0" anchor="ctr"/>
+          <a:lstStyle/>
+          <a:p>
+            <a:pPr algn="ctr"/>
+            <a:r>
+              <a:rPr lang="fr-FR" dirty="0"/>
+              <a:t>Conversation state management</a:t>
+            </a:r>
+          </a:p>
+        </p:txBody>
+      </p:sp>
+      <p:sp>
+        <p:nvSpPr>
+          <p:cNvPr id="21" name="Rectangle 20">
+            <a:extLst>
+              <a:ext uri="{FF2B5EF4-FFF2-40B4-BE49-F238E27FC236}">
+                <a16:creationId xmlns:a16="http://schemas.microsoft.com/office/drawing/2014/main" id="{7186FBD8-0637-4345-90FE-3E0F0831524A}"/>
+              </a:ext>
+            </a:extLst>
+          </p:cNvPr>
+          <p:cNvSpPr/>
+          <p:nvPr/>
+        </p:nvSpPr>
+        <p:spPr>
+          <a:xfrm>
+            <a:off x="6199360" y="887248"/>
+            <a:ext cx="1702051" cy="1620571"/>
+          </a:xfrm>
+          <a:prstGeom prst="rect">
+            <a:avLst/>
+          </a:prstGeom>
+          <a:solidFill>
+            <a:schemeClr val="accent1">
+              <a:lumMod val="50000"/>
+            </a:schemeClr>
+          </a:solidFill>
+        </p:spPr>
+        <p:style>
+          <a:lnRef idx="2">
+            <a:schemeClr val="accent1">
+              <a:shade val="50000"/>
+            </a:schemeClr>
+          </a:lnRef>
+          <a:fillRef idx="1">
+            <a:schemeClr val="accent1"/>
+          </a:fillRef>
+          <a:effectRef idx="0">
+            <a:schemeClr val="accent1"/>
+          </a:effectRef>
+          <a:fontRef idx="minor">
+            <a:schemeClr val="lt1"/>
+          </a:fontRef>
+        </p:style>
+        <p:txBody>
+          <a:bodyPr rtlCol="0" anchor="ctr"/>
+          <a:lstStyle/>
+          <a:p>
+            <a:pPr algn="ctr"/>
+            <a:r>
+              <a:rPr lang="fr-FR" dirty="0" err="1"/>
+              <a:t>Datasets</a:t>
+            </a:r>
+            <a:r>
+              <a:rPr lang="fr-FR" dirty="0"/>
+              <a:t> </a:t>
+            </a:r>
+            <a:br>
+              <a:rPr lang="fr-FR" dirty="0"/>
+            </a:br>
+            <a:r>
+              <a:rPr lang="fr-FR" dirty="0" err="1"/>
+              <a:t>catalog</a:t>
+            </a:r>
+            <a:endParaRPr lang="fr-FR" dirty="0"/>
+          </a:p>
+        </p:txBody>
+      </p:sp>
+      <p:sp>
+        <p:nvSpPr>
+          <p:cNvPr id="22" name="Rectangle 21">
+            <a:extLst>
+              <a:ext uri="{FF2B5EF4-FFF2-40B4-BE49-F238E27FC236}">
+                <a16:creationId xmlns:a16="http://schemas.microsoft.com/office/drawing/2014/main" id="{60A0A376-2C50-479C-95FB-3E8D7EB46921}"/>
+              </a:ext>
+            </a:extLst>
+          </p:cNvPr>
+          <p:cNvSpPr/>
+          <p:nvPr/>
+        </p:nvSpPr>
+        <p:spPr>
+          <a:xfrm>
+            <a:off x="8108133" y="4504098"/>
+            <a:ext cx="1702051" cy="1620571"/>
+          </a:xfrm>
+          <a:prstGeom prst="rect">
+            <a:avLst/>
+          </a:prstGeom>
+          <a:solidFill>
+            <a:schemeClr val="accent1">
+              <a:lumMod val="50000"/>
+            </a:schemeClr>
+          </a:solidFill>
+        </p:spPr>
+        <p:style>
+          <a:lnRef idx="2">
+            <a:schemeClr val="accent1">
+              <a:shade val="50000"/>
+            </a:schemeClr>
+          </a:lnRef>
+          <a:fillRef idx="1">
+            <a:schemeClr val="accent1"/>
+          </a:fillRef>
+          <a:effectRef idx="0">
+            <a:schemeClr val="accent1"/>
+          </a:effectRef>
+          <a:fontRef idx="minor">
+            <a:schemeClr val="lt1"/>
+          </a:fontRef>
+        </p:style>
+        <p:txBody>
+          <a:bodyPr rtlCol="0" anchor="ctr"/>
+          <a:lstStyle/>
+          <a:p>
+            <a:pPr algn="ctr"/>
+            <a:r>
+              <a:rPr lang="fr-FR" dirty="0" err="1"/>
+              <a:t>Answers</a:t>
+            </a:r>
+            <a:r>
+              <a:rPr lang="fr-FR" dirty="0"/>
+              <a:t> store</a:t>
+            </a:r>
+          </a:p>
+        </p:txBody>
+      </p:sp>
+      <p:sp>
+        <p:nvSpPr>
+          <p:cNvPr id="23" name="Rectangle 22">
+            <a:extLst>
+              <a:ext uri="{FF2B5EF4-FFF2-40B4-BE49-F238E27FC236}">
+                <a16:creationId xmlns:a16="http://schemas.microsoft.com/office/drawing/2014/main" id="{43405F03-111A-419F-96F7-B62E2775BF12}"/>
+              </a:ext>
+            </a:extLst>
+          </p:cNvPr>
+          <p:cNvSpPr/>
+          <p:nvPr/>
+        </p:nvSpPr>
+        <p:spPr>
+          <a:xfrm>
+            <a:off x="10016903" y="4504097"/>
+            <a:ext cx="1702051" cy="1620571"/>
+          </a:xfrm>
+          <a:prstGeom prst="rect">
+            <a:avLst/>
+          </a:prstGeom>
+          <a:solidFill>
+            <a:schemeClr val="accent1">
+              <a:lumMod val="50000"/>
+            </a:schemeClr>
+          </a:solidFill>
+        </p:spPr>
+        <p:style>
+          <a:lnRef idx="2">
+            <a:schemeClr val="accent1">
+              <a:shade val="50000"/>
+            </a:schemeClr>
+          </a:lnRef>
+          <a:fillRef idx="1">
+            <a:schemeClr val="accent1"/>
+          </a:fillRef>
+          <a:effectRef idx="0">
+            <a:schemeClr val="accent1"/>
+          </a:effectRef>
+          <a:fontRef idx="minor">
+            <a:schemeClr val="lt1"/>
+          </a:fontRef>
+        </p:style>
+        <p:txBody>
+          <a:bodyPr rtlCol="0" anchor="ctr"/>
+          <a:lstStyle/>
+          <a:p>
+            <a:pPr algn="ctr"/>
+            <a:r>
+              <a:rPr lang="fr-FR" dirty="0"/>
+              <a:t>Apps </a:t>
+            </a:r>
+            <a:r>
+              <a:rPr lang="fr-FR"/>
+              <a:t>&amp; channels integration</a:t>
+            </a:r>
+            <a:endParaRPr lang="fr-FR" dirty="0"/>
+          </a:p>
+        </p:txBody>
+      </p:sp>
+      <p:sp>
+        <p:nvSpPr>
+          <p:cNvPr id="24" name="Rectangle 23">
+            <a:extLst>
+              <a:ext uri="{FF2B5EF4-FFF2-40B4-BE49-F238E27FC236}">
+                <a16:creationId xmlns:a16="http://schemas.microsoft.com/office/drawing/2014/main" id="{6ACABC89-2CEA-44D8-8F67-5C1EBDA87309}"/>
+              </a:ext>
+            </a:extLst>
+          </p:cNvPr>
+          <p:cNvSpPr/>
+          <p:nvPr/>
+        </p:nvSpPr>
+        <p:spPr>
+          <a:xfrm>
+            <a:off x="473045" y="6285344"/>
+            <a:ext cx="11245910" cy="475592"/>
+          </a:xfrm>
+          <a:prstGeom prst="rect">
+            <a:avLst/>
+          </a:prstGeom>
+          <a:solidFill>
+            <a:schemeClr val="accent1">
+              <a:lumMod val="50000"/>
+            </a:schemeClr>
+          </a:solidFill>
+        </p:spPr>
+        <p:style>
+          <a:lnRef idx="2">
+            <a:schemeClr val="accent1">
+              <a:shade val="50000"/>
+            </a:schemeClr>
+          </a:lnRef>
+          <a:fillRef idx="1">
+            <a:schemeClr val="accent1"/>
+          </a:fillRef>
+          <a:effectRef idx="0">
+            <a:schemeClr val="accent1"/>
+          </a:effectRef>
+          <a:fontRef idx="minor">
+            <a:schemeClr val="lt1"/>
+          </a:fontRef>
+        </p:style>
+        <p:txBody>
+          <a:bodyPr rtlCol="0" anchor="ctr"/>
+          <a:lstStyle/>
+          <a:p>
+            <a:pPr algn="ctr"/>
+            <a:r>
+              <a:rPr lang="fr-FR" dirty="0" err="1"/>
+              <a:t>Deployments</a:t>
+            </a:r>
+            <a:r>
+              <a:rPr lang="fr-FR" dirty="0"/>
+              <a:t> management &amp; monitoring</a:t>
+            </a:r>
+          </a:p>
+        </p:txBody>
+      </p:sp>
+    </p:spTree>
+    <p:extLst>
+      <p:ext uri="{BB962C8B-B14F-4D97-AF65-F5344CB8AC3E}">
+        <p14:creationId xmlns:p14="http://schemas.microsoft.com/office/powerpoint/2010/main" val="1260106551"/>
+      </p:ext>
+    </p:extLst>
+  </p:cSld>
+  <p:clrMapOvr>
+    <a:masterClrMapping/>
+  </p:clrMapOvr>
+</p:sld>
+</file>
+
 <file path=ppt/theme/theme1.xml><?xml version="1.0" encoding="utf-8"?>
 <a:theme xmlns:a="http://schemas.openxmlformats.org/drawingml/2006/main" name="Thème Office">
   <a:themeElements>

--- a/doc/design/infrastructure/architecture.pptx
+++ b/doc/design/infrastructure/architecture.pptx
@@ -4,12 +4,17 @@
   <p:sldMasterIdLst>
     <p:sldMasterId id="2147483648" r:id="rId1"/>
   </p:sldMasterIdLst>
+  <p:notesMasterIdLst>
+    <p:notesMasterId r:id="rId9"/>
+  </p:notesMasterIdLst>
   <p:sldIdLst>
     <p:sldId id="256" r:id="rId2"/>
     <p:sldId id="257" r:id="rId3"/>
     <p:sldId id="259" r:id="rId4"/>
     <p:sldId id="260" r:id="rId5"/>
     <p:sldId id="258" r:id="rId6"/>
+    <p:sldId id="261" r:id="rId7"/>
+    <p:sldId id="262" r:id="rId8"/>
   </p:sldIdLst>
   <p:sldSz cx="12192000" cy="6858000"/>
   <p:notesSz cx="6858000" cy="9144000"/>
@@ -119,7 +124,7 @@
 <file path=ppt/revisionInfo.xml><?xml version="1.0" encoding="utf-8"?>
 <p1510:revInfo xmlns:a="http://schemas.openxmlformats.org/drawingml/2006/main" xmlns:r="http://schemas.openxmlformats.org/officeDocument/2006/relationships" xmlns:p1510="http://schemas.microsoft.com/office/powerpoint/2015/10/main">
   <p1510:revLst>
-    <p1510:client id="{BCEEC67D-F65A-4B63-A7FB-44AC67E8E1FF}" v="53" dt="2021-12-07T23:32:16.508"/>
+    <p1510:client id="{BCEEC67D-F65A-4B63-A7FB-44AC67E8E1FF}" v="102" dt="2021-12-08T21:38:10.935"/>
   </p1510:revLst>
 </p1510:revInfo>
 </file>
@@ -129,7 +134,7 @@
   <pc:docChgLst>
     <pc:chgData name="Laurent Prud'hon" userId="196f0b5afced95ca" providerId="LiveId" clId="{BCEEC67D-F65A-4B63-A7FB-44AC67E8E1FF}"/>
     <pc:docChg chg="undo custSel addSld modSld">
-      <pc:chgData name="Laurent Prud'hon" userId="196f0b5afced95ca" providerId="LiveId" clId="{BCEEC67D-F65A-4B63-A7FB-44AC67E8E1FF}" dt="2021-12-07T23:34:57.299" v="1815" actId="20577"/>
+      <pc:chgData name="Laurent Prud'hon" userId="196f0b5afced95ca" providerId="LiveId" clId="{BCEEC67D-F65A-4B63-A7FB-44AC67E8E1FF}" dt="2021-12-08T21:38:41.702" v="3170" actId="1076"/>
       <pc:docMkLst>
         <pc:docMk/>
       </pc:docMkLst>
@@ -687,6 +692,580 @@
             <pc:docMk/>
             <pc:sldMk cId="3487770657" sldId="260"/>
             <ac:spMk id="37" creationId="{9A974D98-ED76-4E99-B6CE-409EC35C4823}"/>
+          </ac:spMkLst>
+        </pc:spChg>
+      </pc:sldChg>
+      <pc:sldChg chg="addSp delSp modSp new mod">
+        <pc:chgData name="Laurent Prud'hon" userId="196f0b5afced95ca" providerId="LiveId" clId="{BCEEC67D-F65A-4B63-A7FB-44AC67E8E1FF}" dt="2021-12-08T21:38:41.702" v="3170" actId="1076"/>
+        <pc:sldMkLst>
+          <pc:docMk/>
+          <pc:sldMk cId="2044140627" sldId="261"/>
+        </pc:sldMkLst>
+        <pc:spChg chg="add mod">
+          <ac:chgData name="Laurent Prud'hon" userId="196f0b5afced95ca" providerId="LiveId" clId="{BCEEC67D-F65A-4B63-A7FB-44AC67E8E1FF}" dt="2021-12-08T21:38:41.702" v="3170" actId="1076"/>
+          <ac:spMkLst>
+            <pc:docMk/>
+            <pc:sldMk cId="2044140627" sldId="261"/>
+            <ac:spMk id="2" creationId="{06054A1C-3069-4A1F-8FE4-F3338B158A8F}"/>
+          </ac:spMkLst>
+        </pc:spChg>
+        <pc:spChg chg="del">
+          <ac:chgData name="Laurent Prud'hon" userId="196f0b5afced95ca" providerId="LiveId" clId="{BCEEC67D-F65A-4B63-A7FB-44AC67E8E1FF}" dt="2021-12-08T19:49:28.048" v="1817" actId="478"/>
+          <ac:spMkLst>
+            <pc:docMk/>
+            <pc:sldMk cId="2044140627" sldId="261"/>
+            <ac:spMk id="2" creationId="{806DFCA3-3B14-4DC2-BE9E-43A5D46CB5DB}"/>
+          </ac:spMkLst>
+        </pc:spChg>
+        <pc:spChg chg="del">
+          <ac:chgData name="Laurent Prud'hon" userId="196f0b5afced95ca" providerId="LiveId" clId="{BCEEC67D-F65A-4B63-A7FB-44AC67E8E1FF}" dt="2021-12-08T19:49:28.048" v="1817" actId="478"/>
+          <ac:spMkLst>
+            <pc:docMk/>
+            <pc:sldMk cId="2044140627" sldId="261"/>
+            <ac:spMk id="3" creationId="{CB27C28D-D515-42F8-97FA-EBAC86442098}"/>
+          </ac:spMkLst>
+        </pc:spChg>
+        <pc:spChg chg="add mod">
+          <ac:chgData name="Laurent Prud'hon" userId="196f0b5afced95ca" providerId="LiveId" clId="{BCEEC67D-F65A-4B63-A7FB-44AC67E8E1FF}" dt="2021-12-08T21:16:37.163" v="2964" actId="20577"/>
+          <ac:spMkLst>
+            <pc:docMk/>
+            <pc:sldMk cId="2044140627" sldId="261"/>
+            <ac:spMk id="4" creationId="{B81FE14D-D25E-4373-AD2B-147001FD4B2F}"/>
+          </ac:spMkLst>
+        </pc:spChg>
+        <pc:spChg chg="add mod">
+          <ac:chgData name="Laurent Prud'hon" userId="196f0b5afced95ca" providerId="LiveId" clId="{BCEEC67D-F65A-4B63-A7FB-44AC67E8E1FF}" dt="2021-12-08T21:07:58.085" v="2912" actId="20577"/>
+          <ac:spMkLst>
+            <pc:docMk/>
+            <pc:sldMk cId="2044140627" sldId="261"/>
+            <ac:spMk id="5" creationId="{CF6B825A-9C83-44EE-9D06-45F8E2D34273}"/>
+          </ac:spMkLst>
+        </pc:spChg>
+        <pc:spChg chg="add mod">
+          <ac:chgData name="Laurent Prud'hon" userId="196f0b5afced95ca" providerId="LiveId" clId="{BCEEC67D-F65A-4B63-A7FB-44AC67E8E1FF}" dt="2021-12-08T21:16:55.543" v="2972" actId="20577"/>
+          <ac:spMkLst>
+            <pc:docMk/>
+            <pc:sldMk cId="2044140627" sldId="261"/>
+            <ac:spMk id="6" creationId="{193283AF-C161-44AE-85AA-16EE361CC4B4}"/>
+          </ac:spMkLst>
+        </pc:spChg>
+        <pc:spChg chg="add mod">
+          <ac:chgData name="Laurent Prud'hon" userId="196f0b5afced95ca" providerId="LiveId" clId="{BCEEC67D-F65A-4B63-A7FB-44AC67E8E1FF}" dt="2021-12-08T21:08:27.788" v="2920" actId="20577"/>
+          <ac:spMkLst>
+            <pc:docMk/>
+            <pc:sldMk cId="2044140627" sldId="261"/>
+            <ac:spMk id="7" creationId="{C0758C8E-7682-4E4D-9367-D45C6843A0CF}"/>
+          </ac:spMkLst>
+        </pc:spChg>
+        <pc:spChg chg="add mod">
+          <ac:chgData name="Laurent Prud'hon" userId="196f0b5afced95ca" providerId="LiveId" clId="{BCEEC67D-F65A-4B63-A7FB-44AC67E8E1FF}" dt="2021-12-08T21:31:29.829" v="3129" actId="1076"/>
+          <ac:spMkLst>
+            <pc:docMk/>
+            <pc:sldMk cId="2044140627" sldId="261"/>
+            <ac:spMk id="8" creationId="{9C7F71C5-55B3-42FD-8DB9-FEC7345EFEF8}"/>
+          </ac:spMkLst>
+        </pc:spChg>
+        <pc:spChg chg="add mod">
+          <ac:chgData name="Laurent Prud'hon" userId="196f0b5afced95ca" providerId="LiveId" clId="{BCEEC67D-F65A-4B63-A7FB-44AC67E8E1FF}" dt="2021-12-08T21:31:29.829" v="3129" actId="1076"/>
+          <ac:spMkLst>
+            <pc:docMk/>
+            <pc:sldMk cId="2044140627" sldId="261"/>
+            <ac:spMk id="9" creationId="{EC784F82-2360-464C-BC58-DCAE72C27B57}"/>
+          </ac:spMkLst>
+        </pc:spChg>
+        <pc:spChg chg="add mod">
+          <ac:chgData name="Laurent Prud'hon" userId="196f0b5afced95ca" providerId="LiveId" clId="{BCEEC67D-F65A-4B63-A7FB-44AC67E8E1FF}" dt="2021-12-08T21:31:29.829" v="3129" actId="1076"/>
+          <ac:spMkLst>
+            <pc:docMk/>
+            <pc:sldMk cId="2044140627" sldId="261"/>
+            <ac:spMk id="10" creationId="{7A6E4F17-EACA-4C01-8373-A19C6189DDBC}"/>
+          </ac:spMkLst>
+        </pc:spChg>
+        <pc:spChg chg="add mod">
+          <ac:chgData name="Laurent Prud'hon" userId="196f0b5afced95ca" providerId="LiveId" clId="{BCEEC67D-F65A-4B63-A7FB-44AC67E8E1FF}" dt="2021-12-08T20:36:29.031" v="2321" actId="1038"/>
+          <ac:spMkLst>
+            <pc:docMk/>
+            <pc:sldMk cId="2044140627" sldId="261"/>
+            <ac:spMk id="33" creationId="{AD94FC37-A930-4C2A-9170-54D0C6757F4D}"/>
+          </ac:spMkLst>
+        </pc:spChg>
+        <pc:spChg chg="add mod">
+          <ac:chgData name="Laurent Prud'hon" userId="196f0b5afced95ca" providerId="LiveId" clId="{BCEEC67D-F65A-4B63-A7FB-44AC67E8E1FF}" dt="2021-12-08T21:07:13.702" v="2908" actId="1035"/>
+          <ac:spMkLst>
+            <pc:docMk/>
+            <pc:sldMk cId="2044140627" sldId="261"/>
+            <ac:spMk id="34" creationId="{2B16276E-A306-420D-BD00-69257EECE4AB}"/>
+          </ac:spMkLst>
+        </pc:spChg>
+        <pc:spChg chg="add mod">
+          <ac:chgData name="Laurent Prud'hon" userId="196f0b5afced95ca" providerId="LiveId" clId="{BCEEC67D-F65A-4B63-A7FB-44AC67E8E1FF}" dt="2021-12-08T21:07:13.702" v="2908" actId="1035"/>
+          <ac:spMkLst>
+            <pc:docMk/>
+            <pc:sldMk cId="2044140627" sldId="261"/>
+            <ac:spMk id="35" creationId="{2DA82DDC-D9AB-46F7-A083-B345293D0009}"/>
+          </ac:spMkLst>
+        </pc:spChg>
+        <pc:spChg chg="add mod">
+          <ac:chgData name="Laurent Prud'hon" userId="196f0b5afced95ca" providerId="LiveId" clId="{BCEEC67D-F65A-4B63-A7FB-44AC67E8E1FF}" dt="2021-12-08T21:07:13.702" v="2908" actId="1035"/>
+          <ac:spMkLst>
+            <pc:docMk/>
+            <pc:sldMk cId="2044140627" sldId="261"/>
+            <ac:spMk id="36" creationId="{68871A02-A84F-47FD-9FCF-436DEF04F566}"/>
+          </ac:spMkLst>
+        </pc:spChg>
+        <pc:spChg chg="add mod">
+          <ac:chgData name="Laurent Prud'hon" userId="196f0b5afced95ca" providerId="LiveId" clId="{BCEEC67D-F65A-4B63-A7FB-44AC67E8E1FF}" dt="2021-12-08T21:07:13.702" v="2908" actId="1035"/>
+          <ac:spMkLst>
+            <pc:docMk/>
+            <pc:sldMk cId="2044140627" sldId="261"/>
+            <ac:spMk id="37" creationId="{2E257A5A-7EFC-4A83-96B2-013BFB09D79E}"/>
+          </ac:spMkLst>
+        </pc:spChg>
+        <pc:spChg chg="add mod ord">
+          <ac:chgData name="Laurent Prud'hon" userId="196f0b5afced95ca" providerId="LiveId" clId="{BCEEC67D-F65A-4B63-A7FB-44AC67E8E1FF}" dt="2021-12-08T20:35:53.744" v="2305" actId="408"/>
+          <ac:spMkLst>
+            <pc:docMk/>
+            <pc:sldMk cId="2044140627" sldId="261"/>
+            <ac:spMk id="38" creationId="{44206D77-E950-4089-914E-B65D5296FD68}"/>
+          </ac:spMkLst>
+        </pc:spChg>
+        <pc:spChg chg="add del">
+          <ac:chgData name="Laurent Prud'hon" userId="196f0b5afced95ca" providerId="LiveId" clId="{BCEEC67D-F65A-4B63-A7FB-44AC67E8E1FF}" dt="2021-12-08T20:23:40.711" v="2051" actId="478"/>
+          <ac:spMkLst>
+            <pc:docMk/>
+            <pc:sldMk cId="2044140627" sldId="261"/>
+            <ac:spMk id="39" creationId="{F9A2CEAD-6556-495E-AC48-426B9AF68DFF}"/>
+          </ac:spMkLst>
+        </pc:spChg>
+        <pc:spChg chg="add mod">
+          <ac:chgData name="Laurent Prud'hon" userId="196f0b5afced95ca" providerId="LiveId" clId="{BCEEC67D-F65A-4B63-A7FB-44AC67E8E1FF}" dt="2021-12-08T21:07:13.702" v="2908" actId="1035"/>
+          <ac:spMkLst>
+            <pc:docMk/>
+            <pc:sldMk cId="2044140627" sldId="261"/>
+            <ac:spMk id="40" creationId="{FA7AC004-59AC-448D-B029-30861D396ADA}"/>
+          </ac:spMkLst>
+        </pc:spChg>
+        <pc:spChg chg="add mod">
+          <ac:chgData name="Laurent Prud'hon" userId="196f0b5afced95ca" providerId="LiveId" clId="{BCEEC67D-F65A-4B63-A7FB-44AC67E8E1FF}" dt="2021-12-08T21:07:13.702" v="2908" actId="1035"/>
+          <ac:spMkLst>
+            <pc:docMk/>
+            <pc:sldMk cId="2044140627" sldId="261"/>
+            <ac:spMk id="41" creationId="{145D8A00-53D1-4FAC-BBC1-655E31C7E516}"/>
+          </ac:spMkLst>
+        </pc:spChg>
+        <pc:spChg chg="add mod">
+          <ac:chgData name="Laurent Prud'hon" userId="196f0b5afced95ca" providerId="LiveId" clId="{BCEEC67D-F65A-4B63-A7FB-44AC67E8E1FF}" dt="2021-12-08T21:07:13.702" v="2908" actId="1035"/>
+          <ac:spMkLst>
+            <pc:docMk/>
+            <pc:sldMk cId="2044140627" sldId="261"/>
+            <ac:spMk id="42" creationId="{177926C2-23D1-4C5E-83AC-15867A2813B7}"/>
+          </ac:spMkLst>
+        </pc:spChg>
+        <pc:spChg chg="add mod">
+          <ac:chgData name="Laurent Prud'hon" userId="196f0b5afced95ca" providerId="LiveId" clId="{BCEEC67D-F65A-4B63-A7FB-44AC67E8E1FF}" dt="2021-12-08T21:07:13.702" v="2908" actId="1035"/>
+          <ac:spMkLst>
+            <pc:docMk/>
+            <pc:sldMk cId="2044140627" sldId="261"/>
+            <ac:spMk id="43" creationId="{13BA4870-14F4-4E1B-AEF7-C6F195DEF2A5}"/>
+          </ac:spMkLst>
+        </pc:spChg>
+        <pc:spChg chg="add mod">
+          <ac:chgData name="Laurent Prud'hon" userId="196f0b5afced95ca" providerId="LiveId" clId="{BCEEC67D-F65A-4B63-A7FB-44AC67E8E1FF}" dt="2021-12-08T21:07:13.702" v="2908" actId="1035"/>
+          <ac:spMkLst>
+            <pc:docMk/>
+            <pc:sldMk cId="2044140627" sldId="261"/>
+            <ac:spMk id="44" creationId="{08682202-2F4B-4ED6-AF15-0E24C33CC6F8}"/>
+          </ac:spMkLst>
+        </pc:spChg>
+        <pc:spChg chg="add mod">
+          <ac:chgData name="Laurent Prud'hon" userId="196f0b5afced95ca" providerId="LiveId" clId="{BCEEC67D-F65A-4B63-A7FB-44AC67E8E1FF}" dt="2021-12-08T21:07:13.702" v="2908" actId="1035"/>
+          <ac:spMkLst>
+            <pc:docMk/>
+            <pc:sldMk cId="2044140627" sldId="261"/>
+            <ac:spMk id="45" creationId="{40B9641E-A12E-40C7-BE95-4D74610A4982}"/>
+          </ac:spMkLst>
+        </pc:spChg>
+        <pc:spChg chg="add mod">
+          <ac:chgData name="Laurent Prud'hon" userId="196f0b5afced95ca" providerId="LiveId" clId="{BCEEC67D-F65A-4B63-A7FB-44AC67E8E1FF}" dt="2021-12-08T20:52:48.043" v="2741" actId="1037"/>
+          <ac:spMkLst>
+            <pc:docMk/>
+            <pc:sldMk cId="2044140627" sldId="261"/>
+            <ac:spMk id="46" creationId="{24A1AD84-265C-468E-87E8-973DAF245A5E}"/>
+          </ac:spMkLst>
+        </pc:spChg>
+        <pc:spChg chg="add mod">
+          <ac:chgData name="Laurent Prud'hon" userId="196f0b5afced95ca" providerId="LiveId" clId="{BCEEC67D-F65A-4B63-A7FB-44AC67E8E1FF}" dt="2021-12-08T20:52:48.043" v="2741" actId="1037"/>
+          <ac:spMkLst>
+            <pc:docMk/>
+            <pc:sldMk cId="2044140627" sldId="261"/>
+            <ac:spMk id="47" creationId="{BF2309CE-E0FF-47EE-9F59-149051C22FCD}"/>
+          </ac:spMkLst>
+        </pc:spChg>
+        <pc:spChg chg="add mod">
+          <ac:chgData name="Laurent Prud'hon" userId="196f0b5afced95ca" providerId="LiveId" clId="{BCEEC67D-F65A-4B63-A7FB-44AC67E8E1FF}" dt="2021-12-08T21:31:37.060" v="3130" actId="1076"/>
+          <ac:spMkLst>
+            <pc:docMk/>
+            <pc:sldMk cId="2044140627" sldId="261"/>
+            <ac:spMk id="48" creationId="{2C318B44-2C73-48BF-8979-4C12A49AA737}"/>
+          </ac:spMkLst>
+        </pc:spChg>
+        <pc:spChg chg="add mod">
+          <ac:chgData name="Laurent Prud'hon" userId="196f0b5afced95ca" providerId="LiveId" clId="{BCEEC67D-F65A-4B63-A7FB-44AC67E8E1FF}" dt="2021-12-08T21:07:13.702" v="2908" actId="1035"/>
+          <ac:spMkLst>
+            <pc:docMk/>
+            <pc:sldMk cId="2044140627" sldId="261"/>
+            <ac:spMk id="49" creationId="{5C5111A8-68D5-4BD8-83A4-AA9638F67079}"/>
+          </ac:spMkLst>
+        </pc:spChg>
+        <pc:spChg chg="add mod">
+          <ac:chgData name="Laurent Prud'hon" userId="196f0b5afced95ca" providerId="LiveId" clId="{BCEEC67D-F65A-4B63-A7FB-44AC67E8E1FF}" dt="2021-12-08T20:37:19.650" v="2325" actId="20577"/>
+          <ac:spMkLst>
+            <pc:docMk/>
+            <pc:sldMk cId="2044140627" sldId="261"/>
+            <ac:spMk id="50" creationId="{82C75B6B-8493-41DF-A35E-B7170EE15BC3}"/>
+          </ac:spMkLst>
+        </pc:spChg>
+        <pc:spChg chg="add mod">
+          <ac:chgData name="Laurent Prud'hon" userId="196f0b5afced95ca" providerId="LiveId" clId="{BCEEC67D-F65A-4B63-A7FB-44AC67E8E1FF}" dt="2021-12-08T21:16:46.385" v="2968" actId="20577"/>
+          <ac:spMkLst>
+            <pc:docMk/>
+            <pc:sldMk cId="2044140627" sldId="261"/>
+            <ac:spMk id="51" creationId="{38328D0F-5418-461A-93A0-4A5A6F34B151}"/>
+          </ac:spMkLst>
+        </pc:spChg>
+        <pc:spChg chg="add del mod">
+          <ac:chgData name="Laurent Prud'hon" userId="196f0b5afced95ca" providerId="LiveId" clId="{BCEEC67D-F65A-4B63-A7FB-44AC67E8E1FF}" dt="2021-12-08T20:38:40.865" v="2327"/>
+          <ac:spMkLst>
+            <pc:docMk/>
+            <pc:sldMk cId="2044140627" sldId="261"/>
+            <ac:spMk id="51" creationId="{5FED2CBB-85BE-47BD-B24F-EA68D15BB279}"/>
+          </ac:spMkLst>
+        </pc:spChg>
+        <pc:spChg chg="add mod">
+          <ac:chgData name="Laurent Prud'hon" userId="196f0b5afced95ca" providerId="LiveId" clId="{BCEEC67D-F65A-4B63-A7FB-44AC67E8E1FF}" dt="2021-12-08T21:07:13.702" v="2908" actId="1035"/>
+          <ac:spMkLst>
+            <pc:docMk/>
+            <pc:sldMk cId="2044140627" sldId="261"/>
+            <ac:spMk id="52" creationId="{7EFC22AC-44F0-4F12-86A4-EF07CB313651}"/>
+          </ac:spMkLst>
+        </pc:spChg>
+        <pc:spChg chg="add mod">
+          <ac:chgData name="Laurent Prud'hon" userId="196f0b5afced95ca" providerId="LiveId" clId="{BCEEC67D-F65A-4B63-A7FB-44AC67E8E1FF}" dt="2021-12-08T21:33:37.586" v="3151" actId="1076"/>
+          <ac:spMkLst>
+            <pc:docMk/>
+            <pc:sldMk cId="2044140627" sldId="261"/>
+            <ac:spMk id="53" creationId="{637F3C56-1A1B-4783-A9BB-7EDB3639B6BB}"/>
+          </ac:spMkLst>
+        </pc:spChg>
+        <pc:spChg chg="add del mod">
+          <ac:chgData name="Laurent Prud'hon" userId="196f0b5afced95ca" providerId="LiveId" clId="{BCEEC67D-F65A-4B63-A7FB-44AC67E8E1FF}" dt="2021-12-08T20:48:36.182" v="2597" actId="478"/>
+          <ac:spMkLst>
+            <pc:docMk/>
+            <pc:sldMk cId="2044140627" sldId="261"/>
+            <ac:spMk id="53" creationId="{869D6D3D-32AD-49D9-9C84-BC93EFC17AF2}"/>
+          </ac:spMkLst>
+        </pc:spChg>
+        <pc:spChg chg="add del mod">
+          <ac:chgData name="Laurent Prud'hon" userId="196f0b5afced95ca" providerId="LiveId" clId="{BCEEC67D-F65A-4B63-A7FB-44AC67E8E1FF}" dt="2021-12-08T20:48:45.757" v="2599" actId="478"/>
+          <ac:spMkLst>
+            <pc:docMk/>
+            <pc:sldMk cId="2044140627" sldId="261"/>
+            <ac:spMk id="54" creationId="{0F80986B-E91A-4CC1-86E8-595D2E95949B}"/>
+          </ac:spMkLst>
+        </pc:spChg>
+        <pc:spChg chg="add mod">
+          <ac:chgData name="Laurent Prud'hon" userId="196f0b5afced95ca" providerId="LiveId" clId="{BCEEC67D-F65A-4B63-A7FB-44AC67E8E1FF}" dt="2021-12-08T21:07:13.702" v="2908" actId="1035"/>
+          <ac:spMkLst>
+            <pc:docMk/>
+            <pc:sldMk cId="2044140627" sldId="261"/>
+            <ac:spMk id="55" creationId="{5424EFC7-D5A6-4492-AB93-028EE95811B4}"/>
+          </ac:spMkLst>
+        </pc:spChg>
+        <pc:spChg chg="add mod">
+          <ac:chgData name="Laurent Prud'hon" userId="196f0b5afced95ca" providerId="LiveId" clId="{BCEEC67D-F65A-4B63-A7FB-44AC67E8E1FF}" dt="2021-12-08T21:07:13.702" v="2908" actId="1035"/>
+          <ac:spMkLst>
+            <pc:docMk/>
+            <pc:sldMk cId="2044140627" sldId="261"/>
+            <ac:spMk id="56" creationId="{9FF21AAF-3833-4305-96B9-B8A314397691}"/>
+          </ac:spMkLst>
+        </pc:spChg>
+        <pc:spChg chg="add mod">
+          <ac:chgData name="Laurent Prud'hon" userId="196f0b5afced95ca" providerId="LiveId" clId="{BCEEC67D-F65A-4B63-A7FB-44AC67E8E1FF}" dt="2021-12-08T21:07:13.702" v="2908" actId="1035"/>
+          <ac:spMkLst>
+            <pc:docMk/>
+            <pc:sldMk cId="2044140627" sldId="261"/>
+            <ac:spMk id="57" creationId="{7CBC8C35-C9B5-41EB-821C-548FB18F3CF7}"/>
+          </ac:spMkLst>
+        </pc:spChg>
+        <pc:spChg chg="add mod">
+          <ac:chgData name="Laurent Prud'hon" userId="196f0b5afced95ca" providerId="LiveId" clId="{BCEEC67D-F65A-4B63-A7FB-44AC67E8E1FF}" dt="2021-12-08T21:07:13.702" v="2908" actId="1035"/>
+          <ac:spMkLst>
+            <pc:docMk/>
+            <pc:sldMk cId="2044140627" sldId="261"/>
+            <ac:spMk id="58" creationId="{EF0F0F2A-AA3E-49B0-99B6-B639136BDB55}"/>
+          </ac:spMkLst>
+        </pc:spChg>
+        <pc:spChg chg="add mod">
+          <ac:chgData name="Laurent Prud'hon" userId="196f0b5afced95ca" providerId="LiveId" clId="{BCEEC67D-F65A-4B63-A7FB-44AC67E8E1FF}" dt="2021-12-08T21:07:13.702" v="2908" actId="1035"/>
+          <ac:spMkLst>
+            <pc:docMk/>
+            <pc:sldMk cId="2044140627" sldId="261"/>
+            <ac:spMk id="59" creationId="{2E79F911-ADE8-4E8A-A7EA-BC4B6C7A870C}"/>
+          </ac:spMkLst>
+        </pc:spChg>
+        <pc:spChg chg="add mod">
+          <ac:chgData name="Laurent Prud'hon" userId="196f0b5afced95ca" providerId="LiveId" clId="{BCEEC67D-F65A-4B63-A7FB-44AC67E8E1FF}" dt="2021-12-08T21:07:13.702" v="2908" actId="1035"/>
+          <ac:spMkLst>
+            <pc:docMk/>
+            <pc:sldMk cId="2044140627" sldId="261"/>
+            <ac:spMk id="60" creationId="{6B7D5ED7-5D6C-4160-BCA1-7FC938FF69BF}"/>
+          </ac:spMkLst>
+        </pc:spChg>
+        <pc:spChg chg="add mod ord">
+          <ac:chgData name="Laurent Prud'hon" userId="196f0b5afced95ca" providerId="LiveId" clId="{BCEEC67D-F65A-4B63-A7FB-44AC67E8E1FF}" dt="2021-12-08T21:07:13.702" v="2908" actId="1035"/>
+          <ac:spMkLst>
+            <pc:docMk/>
+            <pc:sldMk cId="2044140627" sldId="261"/>
+            <ac:spMk id="61" creationId="{95C3A97A-D156-4A1A-989C-E5FCB5E06E81}"/>
+          </ac:spMkLst>
+        </pc:spChg>
+        <pc:spChg chg="add del mod">
+          <ac:chgData name="Laurent Prud'hon" userId="196f0b5afced95ca" providerId="LiveId" clId="{BCEEC67D-F65A-4B63-A7FB-44AC67E8E1FF}" dt="2021-12-08T20:51:19.324" v="2708"/>
+          <ac:spMkLst>
+            <pc:docMk/>
+            <pc:sldMk cId="2044140627" sldId="261"/>
+            <ac:spMk id="62" creationId="{15CE2AE2-99DB-4581-B4A7-04F3883ED475}"/>
+          </ac:spMkLst>
+        </pc:spChg>
+        <pc:spChg chg="add del mod">
+          <ac:chgData name="Laurent Prud'hon" userId="196f0b5afced95ca" providerId="LiveId" clId="{BCEEC67D-F65A-4B63-A7FB-44AC67E8E1FF}" dt="2021-12-08T20:51:19.324" v="2708"/>
+          <ac:spMkLst>
+            <pc:docMk/>
+            <pc:sldMk cId="2044140627" sldId="261"/>
+            <ac:spMk id="63" creationId="{413F989A-5E71-4A4F-8016-557FF20B3EB4}"/>
+          </ac:spMkLst>
+        </pc:spChg>
+        <pc:spChg chg="add del mod">
+          <ac:chgData name="Laurent Prud'hon" userId="196f0b5afced95ca" providerId="LiveId" clId="{BCEEC67D-F65A-4B63-A7FB-44AC67E8E1FF}" dt="2021-12-08T20:51:19.324" v="2708"/>
+          <ac:spMkLst>
+            <pc:docMk/>
+            <pc:sldMk cId="2044140627" sldId="261"/>
+            <ac:spMk id="64" creationId="{580EBD76-E456-49E2-9961-E6D66A583976}"/>
+          </ac:spMkLst>
+        </pc:spChg>
+        <pc:spChg chg="add del mod">
+          <ac:chgData name="Laurent Prud'hon" userId="196f0b5afced95ca" providerId="LiveId" clId="{BCEEC67D-F65A-4B63-A7FB-44AC67E8E1FF}" dt="2021-12-08T20:51:19.324" v="2708"/>
+          <ac:spMkLst>
+            <pc:docMk/>
+            <pc:sldMk cId="2044140627" sldId="261"/>
+            <ac:spMk id="65" creationId="{B6AA7E36-A051-4533-815E-5E1812EE7245}"/>
+          </ac:spMkLst>
+        </pc:spChg>
+        <pc:spChg chg="add mod ord">
+          <ac:chgData name="Laurent Prud'hon" userId="196f0b5afced95ca" providerId="LiveId" clId="{BCEEC67D-F65A-4B63-A7FB-44AC67E8E1FF}" dt="2021-12-08T21:07:13.702" v="2908" actId="1035"/>
+          <ac:spMkLst>
+            <pc:docMk/>
+            <pc:sldMk cId="2044140627" sldId="261"/>
+            <ac:spMk id="66" creationId="{55529FDD-E79E-4850-95CD-AA1733B36FD6}"/>
+          </ac:spMkLst>
+        </pc:spChg>
+        <pc:spChg chg="add mod ord">
+          <ac:chgData name="Laurent Prud'hon" userId="196f0b5afced95ca" providerId="LiveId" clId="{BCEEC67D-F65A-4B63-A7FB-44AC67E8E1FF}" dt="2021-12-08T21:33:32.428" v="3150" actId="1076"/>
+          <ac:spMkLst>
+            <pc:docMk/>
+            <pc:sldMk cId="2044140627" sldId="261"/>
+            <ac:spMk id="67" creationId="{B6EF6120-548F-4BB5-BD3D-91D19734BA53}"/>
+          </ac:spMkLst>
+        </pc:spChg>
+        <pc:spChg chg="add del mod">
+          <ac:chgData name="Laurent Prud'hon" userId="196f0b5afced95ca" providerId="LiveId" clId="{BCEEC67D-F65A-4B63-A7FB-44AC67E8E1FF}" dt="2021-12-08T21:03:44.371" v="2864" actId="478"/>
+          <ac:spMkLst>
+            <pc:docMk/>
+            <pc:sldMk cId="2044140627" sldId="261"/>
+            <ac:spMk id="68" creationId="{CB218BFF-879C-49EE-94DA-70D0495D6483}"/>
+          </ac:spMkLst>
+        </pc:spChg>
+        <pc:spChg chg="add mod ord">
+          <ac:chgData name="Laurent Prud'hon" userId="196f0b5afced95ca" providerId="LiveId" clId="{BCEEC67D-F65A-4B63-A7FB-44AC67E8E1FF}" dt="2021-12-08T21:33:25.285" v="3149" actId="1076"/>
+          <ac:spMkLst>
+            <pc:docMk/>
+            <pc:sldMk cId="2044140627" sldId="261"/>
+            <ac:spMk id="69" creationId="{7813C97D-F97C-4576-9392-A916BD3B48CB}"/>
+          </ac:spMkLst>
+        </pc:spChg>
+        <pc:spChg chg="add mod">
+          <ac:chgData name="Laurent Prud'hon" userId="196f0b5afced95ca" providerId="LiveId" clId="{BCEEC67D-F65A-4B63-A7FB-44AC67E8E1FF}" dt="2021-12-08T21:11:18.062" v="2933" actId="14100"/>
+          <ac:spMkLst>
+            <pc:docMk/>
+            <pc:sldMk cId="2044140627" sldId="261"/>
+            <ac:spMk id="70" creationId="{EFD6A5DD-2189-4DBE-8D63-6D01FA866BE9}"/>
+          </ac:spMkLst>
+        </pc:spChg>
+        <pc:spChg chg="add mod">
+          <ac:chgData name="Laurent Prud'hon" userId="196f0b5afced95ca" providerId="LiveId" clId="{BCEEC67D-F65A-4B63-A7FB-44AC67E8E1FF}" dt="2021-12-08T21:07:13.702" v="2908" actId="1035"/>
+          <ac:spMkLst>
+            <pc:docMk/>
+            <pc:sldMk cId="2044140627" sldId="261"/>
+            <ac:spMk id="71" creationId="{65CF985B-D410-4C76-8058-3C492F54FB42}"/>
+          </ac:spMkLst>
+        </pc:spChg>
+        <pc:spChg chg="add mod">
+          <ac:chgData name="Laurent Prud'hon" userId="196f0b5afced95ca" providerId="LiveId" clId="{BCEEC67D-F65A-4B63-A7FB-44AC67E8E1FF}" dt="2021-12-08T21:07:13.702" v="2908" actId="1035"/>
+          <ac:spMkLst>
+            <pc:docMk/>
+            <pc:sldMk cId="2044140627" sldId="261"/>
+            <ac:spMk id="72" creationId="{B111C4CD-1B0F-4988-831C-F12C7D1FDFD9}"/>
+          </ac:spMkLst>
+        </pc:spChg>
+        <pc:spChg chg="add mod">
+          <ac:chgData name="Laurent Prud'hon" userId="196f0b5afced95ca" providerId="LiveId" clId="{BCEEC67D-F65A-4B63-A7FB-44AC67E8E1FF}" dt="2021-12-08T21:07:13.702" v="2908" actId="1035"/>
+          <ac:spMkLst>
+            <pc:docMk/>
+            <pc:sldMk cId="2044140627" sldId="261"/>
+            <ac:spMk id="73" creationId="{6CEAF1E5-D8D8-4154-AD2C-1044F1D966DA}"/>
+          </ac:spMkLst>
+        </pc:spChg>
+        <pc:cxnChg chg="add del mod">
+          <ac:chgData name="Laurent Prud'hon" userId="196f0b5afced95ca" providerId="LiveId" clId="{BCEEC67D-F65A-4B63-A7FB-44AC67E8E1FF}" dt="2021-12-08T20:17:51.817" v="1992" actId="478"/>
+          <ac:cxnSpMkLst>
+            <pc:docMk/>
+            <pc:sldMk cId="2044140627" sldId="261"/>
+            <ac:cxnSpMk id="12" creationId="{D8970D86-2D0E-48EC-B369-84668EE98C1C}"/>
+          </ac:cxnSpMkLst>
+        </pc:cxnChg>
+        <pc:cxnChg chg="add del mod">
+          <ac:chgData name="Laurent Prud'hon" userId="196f0b5afced95ca" providerId="LiveId" clId="{BCEEC67D-F65A-4B63-A7FB-44AC67E8E1FF}" dt="2021-12-08T20:17:51.817" v="1992" actId="478"/>
+          <ac:cxnSpMkLst>
+            <pc:docMk/>
+            <pc:sldMk cId="2044140627" sldId="261"/>
+            <ac:cxnSpMk id="15" creationId="{F79F5A36-6824-4FFA-B9C4-0A03E02C315C}"/>
+          </ac:cxnSpMkLst>
+        </pc:cxnChg>
+        <pc:cxnChg chg="add del mod">
+          <ac:chgData name="Laurent Prud'hon" userId="196f0b5afced95ca" providerId="LiveId" clId="{BCEEC67D-F65A-4B63-A7FB-44AC67E8E1FF}" dt="2021-12-08T20:17:51.817" v="1992" actId="478"/>
+          <ac:cxnSpMkLst>
+            <pc:docMk/>
+            <pc:sldMk cId="2044140627" sldId="261"/>
+            <ac:cxnSpMk id="17" creationId="{4D4E9B99-2370-4BDD-AF3C-6DFFA18721E5}"/>
+          </ac:cxnSpMkLst>
+        </pc:cxnChg>
+        <pc:cxnChg chg="add del mod">
+          <ac:chgData name="Laurent Prud'hon" userId="196f0b5afced95ca" providerId="LiveId" clId="{BCEEC67D-F65A-4B63-A7FB-44AC67E8E1FF}" dt="2021-12-08T20:17:51.817" v="1992" actId="478"/>
+          <ac:cxnSpMkLst>
+            <pc:docMk/>
+            <pc:sldMk cId="2044140627" sldId="261"/>
+            <ac:cxnSpMk id="18" creationId="{FDD04663-08B1-45A2-B3D8-374874C9D0F5}"/>
+          </ac:cxnSpMkLst>
+        </pc:cxnChg>
+        <pc:cxnChg chg="add del mod">
+          <ac:chgData name="Laurent Prud'hon" userId="196f0b5afced95ca" providerId="LiveId" clId="{BCEEC67D-F65A-4B63-A7FB-44AC67E8E1FF}" dt="2021-12-08T20:17:51.817" v="1992" actId="478"/>
+          <ac:cxnSpMkLst>
+            <pc:docMk/>
+            <pc:sldMk cId="2044140627" sldId="261"/>
+            <ac:cxnSpMk id="21" creationId="{5C42025B-D093-48E8-A72E-51464332F697}"/>
+          </ac:cxnSpMkLst>
+        </pc:cxnChg>
+        <pc:cxnChg chg="add del mod">
+          <ac:chgData name="Laurent Prud'hon" userId="196f0b5afced95ca" providerId="LiveId" clId="{BCEEC67D-F65A-4B63-A7FB-44AC67E8E1FF}" dt="2021-12-08T20:17:51.817" v="1992" actId="478"/>
+          <ac:cxnSpMkLst>
+            <pc:docMk/>
+            <pc:sldMk cId="2044140627" sldId="261"/>
+            <ac:cxnSpMk id="24" creationId="{2CF707DF-AF9F-47A7-AE22-F9AA1212FDD3}"/>
+          </ac:cxnSpMkLst>
+        </pc:cxnChg>
+        <pc:cxnChg chg="add del mod">
+          <ac:chgData name="Laurent Prud'hon" userId="196f0b5afced95ca" providerId="LiveId" clId="{BCEEC67D-F65A-4B63-A7FB-44AC67E8E1FF}" dt="2021-12-08T20:17:51.817" v="1992" actId="478"/>
+          <ac:cxnSpMkLst>
+            <pc:docMk/>
+            <pc:sldMk cId="2044140627" sldId="261"/>
+            <ac:cxnSpMk id="26" creationId="{2E3A4966-0ED9-4AF4-AE79-67FBF8C7CB1E}"/>
+          </ac:cxnSpMkLst>
+        </pc:cxnChg>
+        <pc:cxnChg chg="add del mod">
+          <ac:chgData name="Laurent Prud'hon" userId="196f0b5afced95ca" providerId="LiveId" clId="{BCEEC67D-F65A-4B63-A7FB-44AC67E8E1FF}" dt="2021-12-08T20:17:51.817" v="1992" actId="478"/>
+          <ac:cxnSpMkLst>
+            <pc:docMk/>
+            <pc:sldMk cId="2044140627" sldId="261"/>
+            <ac:cxnSpMk id="31" creationId="{D2F6B624-8ABC-471B-97B7-F2325E4B57B8}"/>
+          </ac:cxnSpMkLst>
+        </pc:cxnChg>
+      </pc:sldChg>
+      <pc:sldChg chg="addSp delSp modSp new mod">
+        <pc:chgData name="Laurent Prud'hon" userId="196f0b5afced95ca" providerId="LiveId" clId="{BCEEC67D-F65A-4B63-A7FB-44AC67E8E1FF}" dt="2021-12-08T21:23:30.591" v="3095" actId="1038"/>
+        <pc:sldMkLst>
+          <pc:docMk/>
+          <pc:sldMk cId="2774398737" sldId="262"/>
+        </pc:sldMkLst>
+        <pc:spChg chg="del">
+          <ac:chgData name="Laurent Prud'hon" userId="196f0b5afced95ca" providerId="LiveId" clId="{BCEEC67D-F65A-4B63-A7FB-44AC67E8E1FF}" dt="2021-12-08T21:15:35.308" v="2935" actId="478"/>
+          <ac:spMkLst>
+            <pc:docMk/>
+            <pc:sldMk cId="2774398737" sldId="262"/>
+            <ac:spMk id="2" creationId="{7CCE378D-B590-4C0B-9470-B4C61AA1D739}"/>
+          </ac:spMkLst>
+        </pc:spChg>
+        <pc:spChg chg="del">
+          <ac:chgData name="Laurent Prud'hon" userId="196f0b5afced95ca" providerId="LiveId" clId="{BCEEC67D-F65A-4B63-A7FB-44AC67E8E1FF}" dt="2021-12-08T21:15:35.308" v="2935" actId="478"/>
+          <ac:spMkLst>
+            <pc:docMk/>
+            <pc:sldMk cId="2774398737" sldId="262"/>
+            <ac:spMk id="3" creationId="{C0F96BB9-3D29-4145-955E-564E15B9CFCA}"/>
+          </ac:spMkLst>
+        </pc:spChg>
+        <pc:spChg chg="add mod">
+          <ac:chgData name="Laurent Prud'hon" userId="196f0b5afced95ca" providerId="LiveId" clId="{BCEEC67D-F65A-4B63-A7FB-44AC67E8E1FF}" dt="2021-12-08T21:23:30.591" v="3095" actId="1038"/>
+          <ac:spMkLst>
+            <pc:docMk/>
+            <pc:sldMk cId="2774398737" sldId="262"/>
+            <ac:spMk id="4" creationId="{180FAAE2-BE7A-4096-96F2-A62576B66644}"/>
+          </ac:spMkLst>
+        </pc:spChg>
+        <pc:spChg chg="add mod">
+          <ac:chgData name="Laurent Prud'hon" userId="196f0b5afced95ca" providerId="LiveId" clId="{BCEEC67D-F65A-4B63-A7FB-44AC67E8E1FF}" dt="2021-12-08T21:23:30.591" v="3095" actId="1038"/>
+          <ac:spMkLst>
+            <pc:docMk/>
+            <pc:sldMk cId="2774398737" sldId="262"/>
+            <ac:spMk id="5" creationId="{1D0D0B63-0936-4ECE-A37C-B275EE29CF5E}"/>
+          </ac:spMkLst>
+        </pc:spChg>
+        <pc:spChg chg="add mod">
+          <ac:chgData name="Laurent Prud'hon" userId="196f0b5afced95ca" providerId="LiveId" clId="{BCEEC67D-F65A-4B63-A7FB-44AC67E8E1FF}" dt="2021-12-08T21:23:30.591" v="3095" actId="1038"/>
+          <ac:spMkLst>
+            <pc:docMk/>
+            <pc:sldMk cId="2774398737" sldId="262"/>
+            <ac:spMk id="6" creationId="{9C8026EB-201D-4B21-AAB2-D441F35666A9}"/>
+          </ac:spMkLst>
+        </pc:spChg>
+        <pc:spChg chg="add mod">
+          <ac:chgData name="Laurent Prud'hon" userId="196f0b5afced95ca" providerId="LiveId" clId="{BCEEC67D-F65A-4B63-A7FB-44AC67E8E1FF}" dt="2021-12-08T21:23:30.591" v="3095" actId="1038"/>
+          <ac:spMkLst>
+            <pc:docMk/>
+            <pc:sldMk cId="2774398737" sldId="262"/>
+            <ac:spMk id="7" creationId="{A7B353F4-7A96-45D5-8F7B-B2D4D50FBCFD}"/>
+          </ac:spMkLst>
+        </pc:spChg>
+        <pc:spChg chg="add mod ord">
+          <ac:chgData name="Laurent Prud'hon" userId="196f0b5afced95ca" providerId="LiveId" clId="{BCEEC67D-F65A-4B63-A7FB-44AC67E8E1FF}" dt="2021-12-08T21:23:30.591" v="3095" actId="1038"/>
+          <ac:spMkLst>
+            <pc:docMk/>
+            <pc:sldMk cId="2774398737" sldId="262"/>
+            <ac:spMk id="8" creationId="{DAE4BBEA-3936-4A0A-9418-B41DC591943B}"/>
+          </ac:spMkLst>
+        </pc:spChg>
+        <pc:spChg chg="add mod">
+          <ac:chgData name="Laurent Prud'hon" userId="196f0b5afced95ca" providerId="LiveId" clId="{BCEEC67D-F65A-4B63-A7FB-44AC67E8E1FF}" dt="2021-12-08T21:23:30.591" v="3095" actId="1038"/>
+          <ac:spMkLst>
+            <pc:docMk/>
+            <pc:sldMk cId="2774398737" sldId="262"/>
+            <ac:spMk id="9" creationId="{077F8FA6-197D-4E75-A41C-A3149AA4388B}"/>
+          </ac:spMkLst>
+        </pc:spChg>
+        <pc:spChg chg="add mod">
+          <ac:chgData name="Laurent Prud'hon" userId="196f0b5afced95ca" providerId="LiveId" clId="{BCEEC67D-F65A-4B63-A7FB-44AC67E8E1FF}" dt="2021-12-08T21:23:30.591" v="3095" actId="1038"/>
+          <ac:spMkLst>
+            <pc:docMk/>
+            <pc:sldMk cId="2774398737" sldId="262"/>
+            <ac:spMk id="10" creationId="{C8C1CBAB-2EF6-4732-8590-36BE673A6054}"/>
           </ac:spMkLst>
         </pc:spChg>
       </pc:sldChg>
@@ -1732,6 +2311,439 @@
     </pc:docChg>
   </pc:docChgLst>
 </pc:chgInfo>
+</file>
+
+<file path=ppt/notesMasters/notesMaster1.xml><?xml version="1.0" encoding="utf-8"?>
+<p:notesMaster xmlns:a="http://schemas.openxmlformats.org/drawingml/2006/main" xmlns:r="http://schemas.openxmlformats.org/officeDocument/2006/relationships" xmlns:p="http://schemas.openxmlformats.org/presentationml/2006/main">
+  <p:cSld>
+    <p:bg>
+      <p:bgRef idx="1001">
+        <a:schemeClr val="bg1"/>
+      </p:bgRef>
+    </p:bg>
+    <p:spTree>
+      <p:nvGrpSpPr>
+        <p:cNvPr id="1" name=""/>
+        <p:cNvGrpSpPr/>
+        <p:nvPr/>
+      </p:nvGrpSpPr>
+      <p:grpSpPr>
+        <a:xfrm>
+          <a:off x="0" y="0"/>
+          <a:ext cx="0" cy="0"/>
+          <a:chOff x="0" y="0"/>
+          <a:chExt cx="0" cy="0"/>
+        </a:xfrm>
+      </p:grpSpPr>
+      <p:sp>
+        <p:nvSpPr>
+          <p:cNvPr id="2" name="Espace réservé de l'en-tête 1"/>
+          <p:cNvSpPr>
+            <a:spLocks noGrp="1"/>
+          </p:cNvSpPr>
+          <p:nvPr>
+            <p:ph type="hdr" sz="quarter"/>
+          </p:nvPr>
+        </p:nvSpPr>
+        <p:spPr>
+          <a:xfrm>
+            <a:off x="0" y="0"/>
+            <a:ext cx="2971800" cy="458788"/>
+          </a:xfrm>
+          <a:prstGeom prst="rect">
+            <a:avLst/>
+          </a:prstGeom>
+        </p:spPr>
+        <p:txBody>
+          <a:bodyPr vert="horz" lIns="91440" tIns="45720" rIns="91440" bIns="45720" rtlCol="0"/>
+          <a:lstStyle>
+            <a:lvl1pPr algn="l">
+              <a:defRPr sz="1200"/>
+            </a:lvl1pPr>
+          </a:lstStyle>
+          <a:p>
+            <a:endParaRPr lang="fr-FR"/>
+          </a:p>
+        </p:txBody>
+      </p:sp>
+      <p:sp>
+        <p:nvSpPr>
+          <p:cNvPr id="3" name="Espace réservé de la date 2"/>
+          <p:cNvSpPr>
+            <a:spLocks noGrp="1"/>
+          </p:cNvSpPr>
+          <p:nvPr>
+            <p:ph type="dt" idx="1"/>
+          </p:nvPr>
+        </p:nvSpPr>
+        <p:spPr>
+          <a:xfrm>
+            <a:off x="3884613" y="0"/>
+            <a:ext cx="2971800" cy="458788"/>
+          </a:xfrm>
+          <a:prstGeom prst="rect">
+            <a:avLst/>
+          </a:prstGeom>
+        </p:spPr>
+        <p:txBody>
+          <a:bodyPr vert="horz" lIns="91440" tIns="45720" rIns="91440" bIns="45720" rtlCol="0"/>
+          <a:lstStyle>
+            <a:lvl1pPr algn="r">
+              <a:defRPr sz="1200"/>
+            </a:lvl1pPr>
+          </a:lstStyle>
+          <a:p>
+            <a:fld id="{BE67780F-B032-4963-B55B-1D7BA51C75A9}" type="datetimeFigureOut">
+              <a:rPr lang="fr-FR" smtClean="0"/>
+              <a:t>08/12/2021</a:t>
+            </a:fld>
+            <a:endParaRPr lang="fr-FR"/>
+          </a:p>
+        </p:txBody>
+      </p:sp>
+      <p:sp>
+        <p:nvSpPr>
+          <p:cNvPr id="4" name="Espace réservé de l'image des diapositives 3"/>
+          <p:cNvSpPr>
+            <a:spLocks noGrp="1" noRot="1" noChangeAspect="1"/>
+          </p:cNvSpPr>
+          <p:nvPr>
+            <p:ph type="sldImg" idx="2"/>
+          </p:nvPr>
+        </p:nvSpPr>
+        <p:spPr>
+          <a:xfrm>
+            <a:off x="685800" y="1143000"/>
+            <a:ext cx="5486400" cy="3086100"/>
+          </a:xfrm>
+          <a:prstGeom prst="rect">
+            <a:avLst/>
+          </a:prstGeom>
+          <a:noFill/>
+          <a:ln w="12700">
+            <a:solidFill>
+              <a:prstClr val="black"/>
+            </a:solidFill>
+          </a:ln>
+        </p:spPr>
+        <p:txBody>
+          <a:bodyPr vert="horz" lIns="91440" tIns="45720" rIns="91440" bIns="45720" rtlCol="0" anchor="ctr"/>
+          <a:lstStyle/>
+          <a:p>
+            <a:endParaRPr lang="fr-FR"/>
+          </a:p>
+        </p:txBody>
+      </p:sp>
+      <p:sp>
+        <p:nvSpPr>
+          <p:cNvPr id="5" name="Espace réservé des notes 4"/>
+          <p:cNvSpPr>
+            <a:spLocks noGrp="1"/>
+          </p:cNvSpPr>
+          <p:nvPr>
+            <p:ph type="body" sz="quarter" idx="3"/>
+          </p:nvPr>
+        </p:nvSpPr>
+        <p:spPr>
+          <a:xfrm>
+            <a:off x="685800" y="4400550"/>
+            <a:ext cx="5486400" cy="3600450"/>
+          </a:xfrm>
+          <a:prstGeom prst="rect">
+            <a:avLst/>
+          </a:prstGeom>
+        </p:spPr>
+        <p:txBody>
+          <a:bodyPr vert="horz" lIns="91440" tIns="45720" rIns="91440" bIns="45720" rtlCol="0"/>
+          <a:lstStyle/>
+          <a:p>
+            <a:pPr lvl="0"/>
+            <a:r>
+              <a:rPr lang="fr-FR"/>
+              <a:t>Cliquez pour modifier les styles du texte du masque</a:t>
+            </a:r>
+          </a:p>
+          <a:p>
+            <a:pPr lvl="1"/>
+            <a:r>
+              <a:rPr lang="fr-FR"/>
+              <a:t>Deuxième niveau</a:t>
+            </a:r>
+          </a:p>
+          <a:p>
+            <a:pPr lvl="2"/>
+            <a:r>
+              <a:rPr lang="fr-FR"/>
+              <a:t>Troisième niveau</a:t>
+            </a:r>
+          </a:p>
+          <a:p>
+            <a:pPr lvl="3"/>
+            <a:r>
+              <a:rPr lang="fr-FR"/>
+              <a:t>Quatrième niveau</a:t>
+            </a:r>
+          </a:p>
+          <a:p>
+            <a:pPr lvl="4"/>
+            <a:r>
+              <a:rPr lang="fr-FR"/>
+              <a:t>Cinquième niveau</a:t>
+            </a:r>
+          </a:p>
+        </p:txBody>
+      </p:sp>
+      <p:sp>
+        <p:nvSpPr>
+          <p:cNvPr id="6" name="Espace réservé du pied de page 5"/>
+          <p:cNvSpPr>
+            <a:spLocks noGrp="1"/>
+          </p:cNvSpPr>
+          <p:nvPr>
+            <p:ph type="ftr" sz="quarter" idx="4"/>
+          </p:nvPr>
+        </p:nvSpPr>
+        <p:spPr>
+          <a:xfrm>
+            <a:off x="0" y="8685213"/>
+            <a:ext cx="2971800" cy="458787"/>
+          </a:xfrm>
+          <a:prstGeom prst="rect">
+            <a:avLst/>
+          </a:prstGeom>
+        </p:spPr>
+        <p:txBody>
+          <a:bodyPr vert="horz" lIns="91440" tIns="45720" rIns="91440" bIns="45720" rtlCol="0" anchor="b"/>
+          <a:lstStyle>
+            <a:lvl1pPr algn="l">
+              <a:defRPr sz="1200"/>
+            </a:lvl1pPr>
+          </a:lstStyle>
+          <a:p>
+            <a:endParaRPr lang="fr-FR"/>
+          </a:p>
+        </p:txBody>
+      </p:sp>
+      <p:sp>
+        <p:nvSpPr>
+          <p:cNvPr id="7" name="Espace réservé du numéro de diapositive 6"/>
+          <p:cNvSpPr>
+            <a:spLocks noGrp="1"/>
+          </p:cNvSpPr>
+          <p:nvPr>
+            <p:ph type="sldNum" sz="quarter" idx="5"/>
+          </p:nvPr>
+        </p:nvSpPr>
+        <p:spPr>
+          <a:xfrm>
+            <a:off x="3884613" y="8685213"/>
+            <a:ext cx="2971800" cy="458787"/>
+          </a:xfrm>
+          <a:prstGeom prst="rect">
+            <a:avLst/>
+          </a:prstGeom>
+        </p:spPr>
+        <p:txBody>
+          <a:bodyPr vert="horz" lIns="91440" tIns="45720" rIns="91440" bIns="45720" rtlCol="0" anchor="b"/>
+          <a:lstStyle>
+            <a:lvl1pPr algn="r">
+              <a:defRPr sz="1200"/>
+            </a:lvl1pPr>
+          </a:lstStyle>
+          <a:p>
+            <a:fld id="{99D8B515-ECD9-41ED-9245-E580D9B14122}" type="slidenum">
+              <a:rPr lang="fr-FR" smtClean="0"/>
+              <a:t>‹N°›</a:t>
+            </a:fld>
+            <a:endParaRPr lang="fr-FR"/>
+          </a:p>
+        </p:txBody>
+      </p:sp>
+    </p:spTree>
+    <p:extLst>
+      <p:ext uri="{BB962C8B-B14F-4D97-AF65-F5344CB8AC3E}">
+        <p14:creationId xmlns:p14="http://schemas.microsoft.com/office/powerpoint/2010/main" val="3484177331"/>
+      </p:ext>
+    </p:extLst>
+  </p:cSld>
+  <p:clrMap bg1="lt1" tx1="dk1" bg2="lt2" tx2="dk2" accent1="accent1" accent2="accent2" accent3="accent3" accent4="accent4" accent5="accent5" accent6="accent6" hlink="hlink" folHlink="folHlink"/>
+  <p:notesStyle>
+    <a:lvl1pPr marL="0" algn="l" defTabSz="914400" rtl="0" eaLnBrk="1" latinLnBrk="0" hangingPunct="1">
+      <a:defRPr sz="1200" kern="1200">
+        <a:solidFill>
+          <a:schemeClr val="tx1"/>
+        </a:solidFill>
+        <a:latin typeface="+mn-lt"/>
+        <a:ea typeface="+mn-ea"/>
+        <a:cs typeface="+mn-cs"/>
+      </a:defRPr>
+    </a:lvl1pPr>
+    <a:lvl2pPr marL="457200" algn="l" defTabSz="914400" rtl="0" eaLnBrk="1" latinLnBrk="0" hangingPunct="1">
+      <a:defRPr sz="1200" kern="1200">
+        <a:solidFill>
+          <a:schemeClr val="tx1"/>
+        </a:solidFill>
+        <a:latin typeface="+mn-lt"/>
+        <a:ea typeface="+mn-ea"/>
+        <a:cs typeface="+mn-cs"/>
+      </a:defRPr>
+    </a:lvl2pPr>
+    <a:lvl3pPr marL="914400" algn="l" defTabSz="914400" rtl="0" eaLnBrk="1" latinLnBrk="0" hangingPunct="1">
+      <a:defRPr sz="1200" kern="1200">
+        <a:solidFill>
+          <a:schemeClr val="tx1"/>
+        </a:solidFill>
+        <a:latin typeface="+mn-lt"/>
+        <a:ea typeface="+mn-ea"/>
+        <a:cs typeface="+mn-cs"/>
+      </a:defRPr>
+    </a:lvl3pPr>
+    <a:lvl4pPr marL="1371600" algn="l" defTabSz="914400" rtl="0" eaLnBrk="1" latinLnBrk="0" hangingPunct="1">
+      <a:defRPr sz="1200" kern="1200">
+        <a:solidFill>
+          <a:schemeClr val="tx1"/>
+        </a:solidFill>
+        <a:latin typeface="+mn-lt"/>
+        <a:ea typeface="+mn-ea"/>
+        <a:cs typeface="+mn-cs"/>
+      </a:defRPr>
+    </a:lvl4pPr>
+    <a:lvl5pPr marL="1828800" algn="l" defTabSz="914400" rtl="0" eaLnBrk="1" latinLnBrk="0" hangingPunct="1">
+      <a:defRPr sz="1200" kern="1200">
+        <a:solidFill>
+          <a:schemeClr val="tx1"/>
+        </a:solidFill>
+        <a:latin typeface="+mn-lt"/>
+        <a:ea typeface="+mn-ea"/>
+        <a:cs typeface="+mn-cs"/>
+      </a:defRPr>
+    </a:lvl5pPr>
+    <a:lvl6pPr marL="2286000" algn="l" defTabSz="914400" rtl="0" eaLnBrk="1" latinLnBrk="0" hangingPunct="1">
+      <a:defRPr sz="1200" kern="1200">
+        <a:solidFill>
+          <a:schemeClr val="tx1"/>
+        </a:solidFill>
+        <a:latin typeface="+mn-lt"/>
+        <a:ea typeface="+mn-ea"/>
+        <a:cs typeface="+mn-cs"/>
+      </a:defRPr>
+    </a:lvl6pPr>
+    <a:lvl7pPr marL="2743200" algn="l" defTabSz="914400" rtl="0" eaLnBrk="1" latinLnBrk="0" hangingPunct="1">
+      <a:defRPr sz="1200" kern="1200">
+        <a:solidFill>
+          <a:schemeClr val="tx1"/>
+        </a:solidFill>
+        <a:latin typeface="+mn-lt"/>
+        <a:ea typeface="+mn-ea"/>
+        <a:cs typeface="+mn-cs"/>
+      </a:defRPr>
+    </a:lvl7pPr>
+    <a:lvl8pPr marL="3200400" algn="l" defTabSz="914400" rtl="0" eaLnBrk="1" latinLnBrk="0" hangingPunct="1">
+      <a:defRPr sz="1200" kern="1200">
+        <a:solidFill>
+          <a:schemeClr val="tx1"/>
+        </a:solidFill>
+        <a:latin typeface="+mn-lt"/>
+        <a:ea typeface="+mn-ea"/>
+        <a:cs typeface="+mn-cs"/>
+      </a:defRPr>
+    </a:lvl8pPr>
+    <a:lvl9pPr marL="3657600" algn="l" defTabSz="914400" rtl="0" eaLnBrk="1" latinLnBrk="0" hangingPunct="1">
+      <a:defRPr sz="1200" kern="1200">
+        <a:solidFill>
+          <a:schemeClr val="tx1"/>
+        </a:solidFill>
+        <a:latin typeface="+mn-lt"/>
+        <a:ea typeface="+mn-ea"/>
+        <a:cs typeface="+mn-cs"/>
+      </a:defRPr>
+    </a:lvl9pPr>
+  </p:notesStyle>
+</p:notesMaster>
+</file>
+
+<file path=ppt/notesSlides/notesSlide1.xml><?xml version="1.0" encoding="utf-8"?>
+<p:notes xmlns:a="http://schemas.openxmlformats.org/drawingml/2006/main" xmlns:r="http://schemas.openxmlformats.org/officeDocument/2006/relationships" xmlns:p="http://schemas.openxmlformats.org/presentationml/2006/main">
+  <p:cSld>
+    <p:spTree>
+      <p:nvGrpSpPr>
+        <p:cNvPr id="1" name=""/>
+        <p:cNvGrpSpPr/>
+        <p:nvPr/>
+      </p:nvGrpSpPr>
+      <p:grpSpPr>
+        <a:xfrm>
+          <a:off x="0" y="0"/>
+          <a:ext cx="0" cy="0"/>
+          <a:chOff x="0" y="0"/>
+          <a:chExt cx="0" cy="0"/>
+        </a:xfrm>
+      </p:grpSpPr>
+      <p:sp>
+        <p:nvSpPr>
+          <p:cNvPr id="2" name="Espace réservé de l'image des diapositives 1"/>
+          <p:cNvSpPr>
+            <a:spLocks noGrp="1" noRot="1" noChangeAspect="1"/>
+          </p:cNvSpPr>
+          <p:nvPr>
+            <p:ph type="sldImg"/>
+          </p:nvPr>
+        </p:nvSpPr>
+        <p:spPr/>
+      </p:sp>
+      <p:sp>
+        <p:nvSpPr>
+          <p:cNvPr id="3" name="Espace réservé des notes 2"/>
+          <p:cNvSpPr>
+            <a:spLocks noGrp="1"/>
+          </p:cNvSpPr>
+          <p:nvPr>
+            <p:ph type="body" idx="1"/>
+          </p:nvPr>
+        </p:nvSpPr>
+        <p:spPr/>
+        <p:txBody>
+          <a:bodyPr/>
+          <a:lstStyle/>
+          <a:p>
+            <a:endParaRPr lang="fr-FR" dirty="0"/>
+          </a:p>
+        </p:txBody>
+      </p:sp>
+      <p:sp>
+        <p:nvSpPr>
+          <p:cNvPr id="4" name="Espace réservé du numéro de diapositive 3"/>
+          <p:cNvSpPr>
+            <a:spLocks noGrp="1"/>
+          </p:cNvSpPr>
+          <p:nvPr>
+            <p:ph type="sldNum" sz="quarter" idx="5"/>
+          </p:nvPr>
+        </p:nvSpPr>
+        <p:spPr/>
+        <p:txBody>
+          <a:bodyPr/>
+          <a:lstStyle/>
+          <a:p>
+            <a:fld id="{99D8B515-ECD9-41ED-9245-E580D9B14122}" type="slidenum">
+              <a:rPr lang="fr-FR" smtClean="0"/>
+              <a:t>7</a:t>
+            </a:fld>
+            <a:endParaRPr lang="fr-FR"/>
+          </a:p>
+        </p:txBody>
+      </p:sp>
+    </p:spTree>
+    <p:extLst>
+      <p:ext uri="{BB962C8B-B14F-4D97-AF65-F5344CB8AC3E}">
+        <p14:creationId xmlns:p14="http://schemas.microsoft.com/office/powerpoint/2010/main" val="1984238235"/>
+      </p:ext>
+    </p:extLst>
+  </p:cSld>
+  <p:clrMapOvr>
+    <a:masterClrMapping/>
+  </p:clrMapOvr>
+</p:notes>
 </file>
 
 <file path=ppt/slideLayouts/slideLayout1.xml><?xml version="1.0" encoding="utf-8"?>
@@ -1881,7 +2893,7 @@
           <a:p>
             <a:fld id="{78AE33E1-DEC7-4059-B531-289CD7936754}" type="datetimeFigureOut">
               <a:rPr lang="fr-FR" smtClean="0"/>
-              <a:t>07/12/2021</a:t>
+              <a:t>08/12/2021</a:t>
             </a:fld>
             <a:endParaRPr lang="fr-FR"/>
           </a:p>
@@ -2079,7 +3091,7 @@
           <a:p>
             <a:fld id="{78AE33E1-DEC7-4059-B531-289CD7936754}" type="datetimeFigureOut">
               <a:rPr lang="fr-FR" smtClean="0"/>
-              <a:t>07/12/2021</a:t>
+              <a:t>08/12/2021</a:t>
             </a:fld>
             <a:endParaRPr lang="fr-FR"/>
           </a:p>
@@ -2287,7 +3299,7 @@
           <a:p>
             <a:fld id="{78AE33E1-DEC7-4059-B531-289CD7936754}" type="datetimeFigureOut">
               <a:rPr lang="fr-FR" smtClean="0"/>
-              <a:t>07/12/2021</a:t>
+              <a:t>08/12/2021</a:t>
             </a:fld>
             <a:endParaRPr lang="fr-FR"/>
           </a:p>
@@ -2485,7 +3497,7 @@
           <a:p>
             <a:fld id="{78AE33E1-DEC7-4059-B531-289CD7936754}" type="datetimeFigureOut">
               <a:rPr lang="fr-FR" smtClean="0"/>
-              <a:t>07/12/2021</a:t>
+              <a:t>08/12/2021</a:t>
             </a:fld>
             <a:endParaRPr lang="fr-FR"/>
           </a:p>
@@ -2760,7 +3772,7 @@
           <a:p>
             <a:fld id="{78AE33E1-DEC7-4059-B531-289CD7936754}" type="datetimeFigureOut">
               <a:rPr lang="fr-FR" smtClean="0"/>
-              <a:t>07/12/2021</a:t>
+              <a:t>08/12/2021</a:t>
             </a:fld>
             <a:endParaRPr lang="fr-FR"/>
           </a:p>
@@ -3025,7 +4037,7 @@
           <a:p>
             <a:fld id="{78AE33E1-DEC7-4059-B531-289CD7936754}" type="datetimeFigureOut">
               <a:rPr lang="fr-FR" smtClean="0"/>
-              <a:t>07/12/2021</a:t>
+              <a:t>08/12/2021</a:t>
             </a:fld>
             <a:endParaRPr lang="fr-FR"/>
           </a:p>
@@ -3437,7 +4449,7 @@
           <a:p>
             <a:fld id="{78AE33E1-DEC7-4059-B531-289CD7936754}" type="datetimeFigureOut">
               <a:rPr lang="fr-FR" smtClean="0"/>
-              <a:t>07/12/2021</a:t>
+              <a:t>08/12/2021</a:t>
             </a:fld>
             <a:endParaRPr lang="fr-FR"/>
           </a:p>
@@ -3578,7 +4590,7 @@
           <a:p>
             <a:fld id="{78AE33E1-DEC7-4059-B531-289CD7936754}" type="datetimeFigureOut">
               <a:rPr lang="fr-FR" smtClean="0"/>
-              <a:t>07/12/2021</a:t>
+              <a:t>08/12/2021</a:t>
             </a:fld>
             <a:endParaRPr lang="fr-FR"/>
           </a:p>
@@ -3691,7 +4703,7 @@
           <a:p>
             <a:fld id="{78AE33E1-DEC7-4059-B531-289CD7936754}" type="datetimeFigureOut">
               <a:rPr lang="fr-FR" smtClean="0"/>
-              <a:t>07/12/2021</a:t>
+              <a:t>08/12/2021</a:t>
             </a:fld>
             <a:endParaRPr lang="fr-FR"/>
           </a:p>
@@ -4002,7 +5014,7 @@
           <a:p>
             <a:fld id="{78AE33E1-DEC7-4059-B531-289CD7936754}" type="datetimeFigureOut">
               <a:rPr lang="fr-FR" smtClean="0"/>
-              <a:t>07/12/2021</a:t>
+              <a:t>08/12/2021</a:t>
             </a:fld>
             <a:endParaRPr lang="fr-FR"/>
           </a:p>
@@ -4290,7 +5302,7 @@
           <a:p>
             <a:fld id="{78AE33E1-DEC7-4059-B531-289CD7936754}" type="datetimeFigureOut">
               <a:rPr lang="fr-FR" smtClean="0"/>
-              <a:t>07/12/2021</a:t>
+              <a:t>08/12/2021</a:t>
             </a:fld>
             <a:endParaRPr lang="fr-FR"/>
           </a:p>
@@ -4531,7 +5543,7 @@
           <a:p>
             <a:fld id="{78AE33E1-DEC7-4059-B531-289CD7936754}" type="datetimeFigureOut">
               <a:rPr lang="fr-FR" smtClean="0"/>
-              <a:t>07/12/2021</a:t>
+              <a:t>08/12/2021</a:t>
             </a:fld>
             <a:endParaRPr lang="fr-FR"/>
           </a:p>
@@ -13036,6 +14048,3207 @@
 </p:sld>
 </file>
 
+<file path=ppt/slides/slide6.xml><?xml version="1.0" encoding="utf-8"?>
+<p:sld xmlns:a="http://schemas.openxmlformats.org/drawingml/2006/main" xmlns:r="http://schemas.openxmlformats.org/officeDocument/2006/relationships" xmlns:p="http://schemas.openxmlformats.org/presentationml/2006/main">
+  <p:cSld>
+    <p:spTree>
+      <p:nvGrpSpPr>
+        <p:cNvPr id="1" name=""/>
+        <p:cNvGrpSpPr/>
+        <p:nvPr/>
+      </p:nvGrpSpPr>
+      <p:grpSpPr>
+        <a:xfrm>
+          <a:off x="0" y="0"/>
+          <a:ext cx="0" cy="0"/>
+          <a:chOff x="0" y="0"/>
+          <a:chExt cx="0" cy="0"/>
+        </a:xfrm>
+      </p:grpSpPr>
+      <p:sp>
+        <p:nvSpPr>
+          <p:cNvPr id="66" name="Rectangle 65">
+            <a:extLst>
+              <a:ext uri="{FF2B5EF4-FFF2-40B4-BE49-F238E27FC236}">
+                <a16:creationId xmlns:a16="http://schemas.microsoft.com/office/drawing/2014/main" id="{55529FDD-E79E-4850-95CD-AA1733B36FD6}"/>
+              </a:ext>
+            </a:extLst>
+          </p:cNvPr>
+          <p:cNvSpPr/>
+          <p:nvPr/>
+        </p:nvSpPr>
+        <p:spPr>
+          <a:xfrm>
+            <a:off x="9644807" y="4518331"/>
+            <a:ext cx="2353107" cy="1541102"/>
+          </a:xfrm>
+          <a:prstGeom prst="rect">
+            <a:avLst/>
+          </a:prstGeom>
+          <a:solidFill>
+            <a:schemeClr val="accent6">
+              <a:lumMod val="40000"/>
+              <a:lumOff val="60000"/>
+            </a:schemeClr>
+          </a:solidFill>
+        </p:spPr>
+        <p:style>
+          <a:lnRef idx="2">
+            <a:schemeClr val="accent1">
+              <a:shade val="50000"/>
+            </a:schemeClr>
+          </a:lnRef>
+          <a:fillRef idx="1">
+            <a:schemeClr val="accent1"/>
+          </a:fillRef>
+          <a:effectRef idx="0">
+            <a:schemeClr val="accent1"/>
+          </a:effectRef>
+          <a:fontRef idx="minor">
+            <a:schemeClr val="lt1"/>
+          </a:fontRef>
+        </p:style>
+        <p:txBody>
+          <a:bodyPr rtlCol="0" anchor="ctr"/>
+          <a:lstStyle/>
+          <a:p>
+            <a:pPr algn="ctr"/>
+            <a:r>
+              <a:rPr lang="fr-FR" dirty="0">
+                <a:solidFill>
+                  <a:schemeClr val="tx1"/>
+                </a:solidFill>
+              </a:rPr>
+              <a:t>                      </a:t>
+            </a:r>
+          </a:p>
+          <a:p>
+            <a:pPr algn="ctr"/>
+            <a:r>
+              <a:rPr lang="fr-FR" dirty="0">
+                <a:solidFill>
+                  <a:schemeClr val="tx1"/>
+                </a:solidFill>
+              </a:rPr>
+              <a:t>                   </a:t>
+            </a:r>
+          </a:p>
+          <a:p>
+            <a:pPr algn="ctr"/>
+            <a:r>
+              <a:rPr lang="fr-FR" dirty="0">
+                <a:solidFill>
+                  <a:schemeClr val="tx1"/>
+                </a:solidFill>
+              </a:rPr>
+              <a:t>                     </a:t>
+            </a:r>
+          </a:p>
+          <a:p>
+            <a:pPr algn="ctr"/>
+            <a:r>
+              <a:rPr lang="fr-FR" dirty="0">
+                <a:solidFill>
+                  <a:schemeClr val="tx1"/>
+                </a:solidFill>
+              </a:rPr>
+              <a:t>                    Prod </a:t>
+            </a:r>
+            <a:r>
+              <a:rPr lang="fr-FR" dirty="0" err="1">
+                <a:solidFill>
+                  <a:schemeClr val="tx1"/>
+                </a:solidFill>
+              </a:rPr>
+              <a:t>access</a:t>
+            </a:r>
+            <a:endParaRPr lang="fr-FR" dirty="0">
+              <a:solidFill>
+                <a:schemeClr val="tx1"/>
+              </a:solidFill>
+            </a:endParaRPr>
+          </a:p>
+        </p:txBody>
+      </p:sp>
+      <p:sp>
+        <p:nvSpPr>
+          <p:cNvPr id="61" name="Rectangle 60">
+            <a:extLst>
+              <a:ext uri="{FF2B5EF4-FFF2-40B4-BE49-F238E27FC236}">
+                <a16:creationId xmlns:a16="http://schemas.microsoft.com/office/drawing/2014/main" id="{95C3A97A-D156-4A1A-989C-E5FCB5E06E81}"/>
+              </a:ext>
+            </a:extLst>
+          </p:cNvPr>
+          <p:cNvSpPr/>
+          <p:nvPr/>
+        </p:nvSpPr>
+        <p:spPr>
+          <a:xfrm>
+            <a:off x="6831558" y="4518331"/>
+            <a:ext cx="2353107" cy="1541102"/>
+          </a:xfrm>
+          <a:prstGeom prst="rect">
+            <a:avLst/>
+          </a:prstGeom>
+          <a:solidFill>
+            <a:schemeClr val="accent6">
+              <a:lumMod val="40000"/>
+              <a:lumOff val="60000"/>
+            </a:schemeClr>
+          </a:solidFill>
+        </p:spPr>
+        <p:style>
+          <a:lnRef idx="2">
+            <a:schemeClr val="accent1">
+              <a:shade val="50000"/>
+            </a:schemeClr>
+          </a:lnRef>
+          <a:fillRef idx="1">
+            <a:schemeClr val="accent1"/>
+          </a:fillRef>
+          <a:effectRef idx="0">
+            <a:schemeClr val="accent1"/>
+          </a:effectRef>
+          <a:fontRef idx="minor">
+            <a:schemeClr val="lt1"/>
+          </a:fontRef>
+        </p:style>
+        <p:txBody>
+          <a:bodyPr rtlCol="0" anchor="ctr"/>
+          <a:lstStyle/>
+          <a:p>
+            <a:pPr algn="ctr"/>
+            <a:r>
+              <a:rPr lang="fr-FR" dirty="0">
+                <a:solidFill>
+                  <a:schemeClr val="tx1"/>
+                </a:solidFill>
+              </a:rPr>
+              <a:t>                      </a:t>
+            </a:r>
+          </a:p>
+          <a:p>
+            <a:pPr algn="ctr"/>
+            <a:r>
+              <a:rPr lang="fr-FR" dirty="0">
+                <a:solidFill>
+                  <a:schemeClr val="tx1"/>
+                </a:solidFill>
+              </a:rPr>
+              <a:t>                   </a:t>
+            </a:r>
+          </a:p>
+          <a:p>
+            <a:pPr algn="ctr"/>
+            <a:r>
+              <a:rPr lang="fr-FR" dirty="0">
+                <a:solidFill>
+                  <a:schemeClr val="tx1"/>
+                </a:solidFill>
+              </a:rPr>
+              <a:t>                     </a:t>
+            </a:r>
+          </a:p>
+          <a:p>
+            <a:pPr algn="ctr"/>
+            <a:r>
+              <a:rPr lang="fr-FR" dirty="0">
+                <a:solidFill>
+                  <a:schemeClr val="tx1"/>
+                </a:solidFill>
+              </a:rPr>
+              <a:t>                      Test </a:t>
+            </a:r>
+            <a:r>
+              <a:rPr lang="fr-FR" dirty="0" err="1">
+                <a:solidFill>
+                  <a:schemeClr val="tx1"/>
+                </a:solidFill>
+              </a:rPr>
+              <a:t>access</a:t>
+            </a:r>
+            <a:endParaRPr lang="fr-FR" dirty="0">
+              <a:solidFill>
+                <a:schemeClr val="tx1"/>
+              </a:solidFill>
+            </a:endParaRPr>
+          </a:p>
+        </p:txBody>
+      </p:sp>
+      <p:sp>
+        <p:nvSpPr>
+          <p:cNvPr id="38" name="Rectangle 37">
+            <a:extLst>
+              <a:ext uri="{FF2B5EF4-FFF2-40B4-BE49-F238E27FC236}">
+                <a16:creationId xmlns:a16="http://schemas.microsoft.com/office/drawing/2014/main" id="{44206D77-E950-4089-914E-B65D5296FD68}"/>
+              </a:ext>
+            </a:extLst>
+          </p:cNvPr>
+          <p:cNvSpPr/>
+          <p:nvPr/>
+        </p:nvSpPr>
+        <p:spPr>
+          <a:xfrm>
+            <a:off x="1194266" y="116483"/>
+            <a:ext cx="10981854" cy="1665838"/>
+          </a:xfrm>
+          <a:prstGeom prst="rect">
+            <a:avLst/>
+          </a:prstGeom>
+        </p:spPr>
+        <p:style>
+          <a:lnRef idx="2">
+            <a:schemeClr val="accent1">
+              <a:shade val="50000"/>
+            </a:schemeClr>
+          </a:lnRef>
+          <a:fillRef idx="1">
+            <a:schemeClr val="accent1"/>
+          </a:fillRef>
+          <a:effectRef idx="0">
+            <a:schemeClr val="accent1"/>
+          </a:effectRef>
+          <a:fontRef idx="minor">
+            <a:schemeClr val="lt1"/>
+          </a:fontRef>
+        </p:style>
+        <p:txBody>
+          <a:bodyPr rtlCol="0" anchor="b"/>
+          <a:lstStyle/>
+          <a:p>
+            <a:pPr algn="ctr"/>
+            <a:r>
+              <a:rPr lang="fr-FR" dirty="0" err="1"/>
+              <a:t>Shared</a:t>
+            </a:r>
+            <a:r>
+              <a:rPr lang="fr-FR" dirty="0"/>
+              <a:t> data</a:t>
+            </a:r>
+          </a:p>
+        </p:txBody>
+      </p:sp>
+      <p:sp>
+        <p:nvSpPr>
+          <p:cNvPr id="4" name="Rectangle 3">
+            <a:extLst>
+              <a:ext uri="{FF2B5EF4-FFF2-40B4-BE49-F238E27FC236}">
+                <a16:creationId xmlns:a16="http://schemas.microsoft.com/office/drawing/2014/main" id="{B81FE14D-D25E-4373-AD2B-147001FD4B2F}"/>
+              </a:ext>
+            </a:extLst>
+          </p:cNvPr>
+          <p:cNvSpPr/>
+          <p:nvPr/>
+        </p:nvSpPr>
+        <p:spPr>
+          <a:xfrm>
+            <a:off x="1268202" y="2556419"/>
+            <a:ext cx="2353901" cy="1841354"/>
+          </a:xfrm>
+          <a:prstGeom prst="rect">
+            <a:avLst/>
+          </a:prstGeom>
+        </p:spPr>
+        <p:style>
+          <a:lnRef idx="2">
+            <a:schemeClr val="accent1">
+              <a:shade val="50000"/>
+            </a:schemeClr>
+          </a:lnRef>
+          <a:fillRef idx="1">
+            <a:schemeClr val="accent1"/>
+          </a:fillRef>
+          <a:effectRef idx="0">
+            <a:schemeClr val="accent1"/>
+          </a:effectRef>
+          <a:fontRef idx="minor">
+            <a:schemeClr val="lt1"/>
+          </a:fontRef>
+        </p:style>
+        <p:txBody>
+          <a:bodyPr rtlCol="0" anchor="ctr"/>
+          <a:lstStyle/>
+          <a:p>
+            <a:pPr algn="ctr"/>
+            <a:r>
+              <a:rPr lang="fr-FR" dirty="0"/>
+              <a:t>Dev (n)</a:t>
+            </a:r>
+          </a:p>
+          <a:p>
+            <a:pPr algn="ctr"/>
+            <a:endParaRPr lang="fr-FR" dirty="0"/>
+          </a:p>
+          <a:p>
+            <a:pPr marL="285750" indent="-285750">
+              <a:buFont typeface="Arial" panose="020B0604020202020204" pitchFamily="34" charset="0"/>
+              <a:buChar char="•"/>
+            </a:pPr>
+            <a:r>
+              <a:rPr lang="fr-FR" dirty="0" err="1"/>
+              <a:t>Datasets</a:t>
+            </a:r>
+            <a:endParaRPr lang="fr-FR" dirty="0"/>
+          </a:p>
+          <a:p>
+            <a:pPr marL="285750" indent="-285750">
+              <a:buFont typeface="Arial" panose="020B0604020202020204" pitchFamily="34" charset="0"/>
+              <a:buChar char="•"/>
+            </a:pPr>
+            <a:r>
+              <a:rPr lang="fr-FR" dirty="0" err="1"/>
+              <a:t>Algorithms</a:t>
+            </a:r>
+            <a:endParaRPr lang="fr-FR" dirty="0"/>
+          </a:p>
+          <a:p>
+            <a:pPr marL="285750" indent="-285750">
+              <a:buFont typeface="Arial" panose="020B0604020202020204" pitchFamily="34" charset="0"/>
+              <a:buChar char="•"/>
+            </a:pPr>
+            <a:r>
+              <a:rPr lang="fr-FR" dirty="0"/>
+              <a:t>Pipelines</a:t>
+            </a:r>
+          </a:p>
+          <a:p>
+            <a:pPr marL="285750" indent="-285750">
+              <a:buFont typeface="Arial" panose="020B0604020202020204" pitchFamily="34" charset="0"/>
+              <a:buChar char="•"/>
+            </a:pPr>
+            <a:r>
+              <a:rPr lang="fr-FR" dirty="0"/>
+              <a:t>Services : Code</a:t>
+            </a:r>
+          </a:p>
+        </p:txBody>
+      </p:sp>
+      <p:sp>
+        <p:nvSpPr>
+          <p:cNvPr id="5" name="Rectangle 4">
+            <a:extLst>
+              <a:ext uri="{FF2B5EF4-FFF2-40B4-BE49-F238E27FC236}">
+                <a16:creationId xmlns:a16="http://schemas.microsoft.com/office/drawing/2014/main" id="{CF6B825A-9C83-44EE-9D06-45F8E2D34273}"/>
+              </a:ext>
+            </a:extLst>
+          </p:cNvPr>
+          <p:cNvSpPr/>
+          <p:nvPr/>
+        </p:nvSpPr>
+        <p:spPr>
+          <a:xfrm>
+            <a:off x="4086848" y="2556418"/>
+            <a:ext cx="2353901" cy="1841354"/>
+          </a:xfrm>
+          <a:prstGeom prst="rect">
+            <a:avLst/>
+          </a:prstGeom>
+        </p:spPr>
+        <p:style>
+          <a:lnRef idx="2">
+            <a:schemeClr val="accent1">
+              <a:shade val="50000"/>
+            </a:schemeClr>
+          </a:lnRef>
+          <a:fillRef idx="1">
+            <a:schemeClr val="accent1"/>
+          </a:fillRef>
+          <a:effectRef idx="0">
+            <a:schemeClr val="accent1"/>
+          </a:effectRef>
+          <a:fontRef idx="minor">
+            <a:schemeClr val="lt1"/>
+          </a:fontRef>
+        </p:style>
+        <p:txBody>
+          <a:bodyPr rtlCol="0" anchor="ctr"/>
+          <a:lstStyle/>
+          <a:p>
+            <a:pPr algn="ctr"/>
+            <a:r>
+              <a:rPr lang="fr-FR" dirty="0"/>
+              <a:t>Train</a:t>
+            </a:r>
+          </a:p>
+          <a:p>
+            <a:pPr algn="ctr"/>
+            <a:endParaRPr lang="fr-FR" dirty="0"/>
+          </a:p>
+          <a:p>
+            <a:pPr marL="285750" indent="-285750">
+              <a:buFont typeface="Arial" panose="020B0604020202020204" pitchFamily="34" charset="0"/>
+              <a:buChar char="•"/>
+            </a:pPr>
+            <a:r>
+              <a:rPr lang="fr-FR" dirty="0"/>
+              <a:t>Concepts</a:t>
+            </a:r>
+          </a:p>
+          <a:p>
+            <a:pPr marL="285750" indent="-285750">
+              <a:buFont typeface="Arial" panose="020B0604020202020204" pitchFamily="34" charset="0"/>
+              <a:buChar char="•"/>
+            </a:pPr>
+            <a:r>
+              <a:rPr lang="fr-FR" dirty="0"/>
+              <a:t>Annotations</a:t>
+            </a:r>
+          </a:p>
+          <a:p>
+            <a:pPr marL="285750" indent="-285750">
+              <a:buFont typeface="Arial" panose="020B0604020202020204" pitchFamily="34" charset="0"/>
+              <a:buChar char="•"/>
+            </a:pPr>
+            <a:r>
+              <a:rPr lang="fr-FR" dirty="0" err="1"/>
+              <a:t>Trained</a:t>
+            </a:r>
+            <a:r>
+              <a:rPr lang="fr-FR" dirty="0"/>
+              <a:t> </a:t>
+            </a:r>
+            <a:r>
+              <a:rPr lang="fr-FR" dirty="0" err="1"/>
+              <a:t>models</a:t>
+            </a:r>
+            <a:endParaRPr lang="fr-FR" dirty="0"/>
+          </a:p>
+          <a:p>
+            <a:pPr marL="285750" indent="-285750">
+              <a:buFont typeface="Arial" panose="020B0604020202020204" pitchFamily="34" charset="0"/>
+              <a:buChar char="•"/>
+            </a:pPr>
+            <a:r>
+              <a:rPr lang="fr-FR" dirty="0"/>
+              <a:t>Apps : Config</a:t>
+            </a:r>
+          </a:p>
+        </p:txBody>
+      </p:sp>
+      <p:sp>
+        <p:nvSpPr>
+          <p:cNvPr id="6" name="Rectangle 5">
+            <a:extLst>
+              <a:ext uri="{FF2B5EF4-FFF2-40B4-BE49-F238E27FC236}">
+                <a16:creationId xmlns:a16="http://schemas.microsoft.com/office/drawing/2014/main" id="{193283AF-C161-44AE-85AA-16EE361CC4B4}"/>
+              </a:ext>
+            </a:extLst>
+          </p:cNvPr>
+          <p:cNvSpPr/>
+          <p:nvPr/>
+        </p:nvSpPr>
+        <p:spPr>
+          <a:xfrm>
+            <a:off x="6905494" y="2556418"/>
+            <a:ext cx="2353901" cy="1841354"/>
+          </a:xfrm>
+          <a:prstGeom prst="rect">
+            <a:avLst/>
+          </a:prstGeom>
+        </p:spPr>
+        <p:style>
+          <a:lnRef idx="2">
+            <a:schemeClr val="accent1">
+              <a:shade val="50000"/>
+            </a:schemeClr>
+          </a:lnRef>
+          <a:fillRef idx="1">
+            <a:schemeClr val="accent1"/>
+          </a:fillRef>
+          <a:effectRef idx="0">
+            <a:schemeClr val="accent1"/>
+          </a:effectRef>
+          <a:fontRef idx="minor">
+            <a:schemeClr val="lt1"/>
+          </a:fontRef>
+        </p:style>
+        <p:txBody>
+          <a:bodyPr rtlCol="0" anchor="ctr"/>
+          <a:lstStyle/>
+          <a:p>
+            <a:pPr algn="ctr"/>
+            <a:r>
+              <a:rPr lang="fr-FR" dirty="0"/>
+              <a:t>Test (n)</a:t>
+            </a:r>
+          </a:p>
+          <a:p>
+            <a:pPr algn="ctr"/>
+            <a:endParaRPr lang="fr-FR" dirty="0"/>
+          </a:p>
+          <a:p>
+            <a:pPr marL="285750" indent="-285750">
+              <a:buFont typeface="Arial" panose="020B0604020202020204" pitchFamily="34" charset="0"/>
+              <a:buChar char="•"/>
+            </a:pPr>
+            <a:r>
+              <a:rPr lang="fr-FR" dirty="0"/>
+              <a:t>Live services</a:t>
+            </a:r>
+          </a:p>
+          <a:p>
+            <a:pPr marL="285750" indent="-285750">
+              <a:buFont typeface="Arial" panose="020B0604020202020204" pitchFamily="34" charset="0"/>
+              <a:buChar char="•"/>
+            </a:pPr>
+            <a:r>
+              <a:rPr lang="fr-FR" dirty="0" err="1"/>
+              <a:t>Collected</a:t>
+            </a:r>
+            <a:r>
+              <a:rPr lang="fr-FR" dirty="0"/>
+              <a:t> data</a:t>
+            </a:r>
+          </a:p>
+          <a:p>
+            <a:pPr marL="285750" indent="-285750">
+              <a:buFont typeface="Arial" panose="020B0604020202020204" pitchFamily="34" charset="0"/>
+              <a:buChar char="•"/>
+            </a:pPr>
+            <a:r>
+              <a:rPr lang="fr-FR" dirty="0"/>
+              <a:t>Feedbacks</a:t>
+            </a:r>
+          </a:p>
+          <a:p>
+            <a:pPr marL="285750" indent="-285750">
+              <a:buFont typeface="Arial" panose="020B0604020202020204" pitchFamily="34" charset="0"/>
+              <a:buChar char="•"/>
+            </a:pPr>
+            <a:r>
+              <a:rPr lang="fr-FR" dirty="0"/>
+              <a:t>Test results</a:t>
+            </a:r>
+          </a:p>
+        </p:txBody>
+      </p:sp>
+      <p:sp>
+        <p:nvSpPr>
+          <p:cNvPr id="7" name="Rectangle 6">
+            <a:extLst>
+              <a:ext uri="{FF2B5EF4-FFF2-40B4-BE49-F238E27FC236}">
+                <a16:creationId xmlns:a16="http://schemas.microsoft.com/office/drawing/2014/main" id="{C0758C8E-7682-4E4D-9367-D45C6843A0CF}"/>
+              </a:ext>
+            </a:extLst>
+          </p:cNvPr>
+          <p:cNvSpPr/>
+          <p:nvPr/>
+        </p:nvSpPr>
+        <p:spPr>
+          <a:xfrm>
+            <a:off x="9724140" y="2556418"/>
+            <a:ext cx="2353901" cy="1841354"/>
+          </a:xfrm>
+          <a:prstGeom prst="rect">
+            <a:avLst/>
+          </a:prstGeom>
+        </p:spPr>
+        <p:style>
+          <a:lnRef idx="2">
+            <a:schemeClr val="accent1">
+              <a:shade val="50000"/>
+            </a:schemeClr>
+          </a:lnRef>
+          <a:fillRef idx="1">
+            <a:schemeClr val="accent1"/>
+          </a:fillRef>
+          <a:effectRef idx="0">
+            <a:schemeClr val="accent1"/>
+          </a:effectRef>
+          <a:fontRef idx="minor">
+            <a:schemeClr val="lt1"/>
+          </a:fontRef>
+        </p:style>
+        <p:txBody>
+          <a:bodyPr rtlCol="0" anchor="ctr"/>
+          <a:lstStyle/>
+          <a:p>
+            <a:pPr algn="ctr"/>
+            <a:r>
+              <a:rPr lang="fr-FR" dirty="0"/>
+              <a:t>Prod (n)</a:t>
+            </a:r>
+          </a:p>
+          <a:p>
+            <a:pPr algn="ctr"/>
+            <a:endParaRPr lang="fr-FR" dirty="0"/>
+          </a:p>
+          <a:p>
+            <a:pPr marL="285750" indent="-285750">
+              <a:buFont typeface="Arial" panose="020B0604020202020204" pitchFamily="34" charset="0"/>
+              <a:buChar char="•"/>
+            </a:pPr>
+            <a:r>
+              <a:rPr lang="fr-FR" dirty="0"/>
+              <a:t>Live services</a:t>
+            </a:r>
+          </a:p>
+          <a:p>
+            <a:pPr marL="285750" indent="-285750">
+              <a:buFont typeface="Arial" panose="020B0604020202020204" pitchFamily="34" charset="0"/>
+              <a:buChar char="•"/>
+            </a:pPr>
+            <a:r>
+              <a:rPr lang="fr-FR" dirty="0" err="1"/>
+              <a:t>Users</a:t>
+            </a:r>
+            <a:r>
+              <a:rPr lang="fr-FR" dirty="0"/>
+              <a:t> data</a:t>
+            </a:r>
+          </a:p>
+          <a:p>
+            <a:pPr marL="285750" indent="-285750">
+              <a:buFont typeface="Arial" panose="020B0604020202020204" pitchFamily="34" charset="0"/>
+              <a:buChar char="•"/>
+            </a:pPr>
+            <a:r>
+              <a:rPr lang="fr-FR" dirty="0"/>
+              <a:t>Feedbacks</a:t>
+            </a:r>
+          </a:p>
+          <a:p>
+            <a:pPr marL="285750" indent="-285750">
+              <a:buFont typeface="Arial" panose="020B0604020202020204" pitchFamily="34" charset="0"/>
+              <a:buChar char="•"/>
+            </a:pPr>
+            <a:r>
+              <a:rPr lang="fr-FR" dirty="0"/>
+              <a:t>KPIs</a:t>
+            </a:r>
+          </a:p>
+        </p:txBody>
+      </p:sp>
+      <p:sp>
+        <p:nvSpPr>
+          <p:cNvPr id="8" name="Rectangle 7">
+            <a:extLst>
+              <a:ext uri="{FF2B5EF4-FFF2-40B4-BE49-F238E27FC236}">
+                <a16:creationId xmlns:a16="http://schemas.microsoft.com/office/drawing/2014/main" id="{9C7F71C5-55B3-42FD-8DB9-FEC7345EFEF8}"/>
+              </a:ext>
+            </a:extLst>
+          </p:cNvPr>
+          <p:cNvSpPr/>
+          <p:nvPr/>
+        </p:nvSpPr>
+        <p:spPr>
+          <a:xfrm>
+            <a:off x="6916348" y="226163"/>
+            <a:ext cx="1480167" cy="1167897"/>
+          </a:xfrm>
+          <a:prstGeom prst="rect">
+            <a:avLst/>
+          </a:prstGeom>
+          <a:solidFill>
+            <a:schemeClr val="accent5">
+              <a:lumMod val="60000"/>
+              <a:lumOff val="40000"/>
+            </a:schemeClr>
+          </a:solidFill>
+        </p:spPr>
+        <p:style>
+          <a:lnRef idx="2">
+            <a:schemeClr val="accent1">
+              <a:shade val="50000"/>
+            </a:schemeClr>
+          </a:lnRef>
+          <a:fillRef idx="1">
+            <a:schemeClr val="accent1"/>
+          </a:fillRef>
+          <a:effectRef idx="0">
+            <a:schemeClr val="accent1"/>
+          </a:effectRef>
+          <a:fontRef idx="minor">
+            <a:schemeClr val="lt1"/>
+          </a:fontRef>
+        </p:style>
+        <p:txBody>
+          <a:bodyPr rtlCol="0" anchor="ctr"/>
+          <a:lstStyle/>
+          <a:p>
+            <a:pPr algn="ctr"/>
+            <a:r>
+              <a:rPr lang="fr-FR" dirty="0">
+                <a:solidFill>
+                  <a:schemeClr val="tx1"/>
+                </a:solidFill>
+              </a:rPr>
+              <a:t>Project Repository</a:t>
+            </a:r>
+          </a:p>
+        </p:txBody>
+      </p:sp>
+      <p:sp>
+        <p:nvSpPr>
+          <p:cNvPr id="9" name="Rectangle 8">
+            <a:extLst>
+              <a:ext uri="{FF2B5EF4-FFF2-40B4-BE49-F238E27FC236}">
+                <a16:creationId xmlns:a16="http://schemas.microsoft.com/office/drawing/2014/main" id="{EC784F82-2360-464C-BC58-DCAE72C27B57}"/>
+              </a:ext>
+            </a:extLst>
+          </p:cNvPr>
+          <p:cNvSpPr/>
+          <p:nvPr/>
+        </p:nvSpPr>
+        <p:spPr>
+          <a:xfrm>
+            <a:off x="8631595" y="237605"/>
+            <a:ext cx="1480167" cy="1167897"/>
+          </a:xfrm>
+          <a:prstGeom prst="rect">
+            <a:avLst/>
+          </a:prstGeom>
+          <a:solidFill>
+            <a:schemeClr val="accent5">
+              <a:lumMod val="60000"/>
+              <a:lumOff val="40000"/>
+            </a:schemeClr>
+          </a:solidFill>
+        </p:spPr>
+        <p:style>
+          <a:lnRef idx="2">
+            <a:schemeClr val="accent1">
+              <a:shade val="50000"/>
+            </a:schemeClr>
+          </a:lnRef>
+          <a:fillRef idx="1">
+            <a:schemeClr val="accent1"/>
+          </a:fillRef>
+          <a:effectRef idx="0">
+            <a:schemeClr val="accent1"/>
+          </a:effectRef>
+          <a:fontRef idx="minor">
+            <a:schemeClr val="lt1"/>
+          </a:fontRef>
+        </p:style>
+        <p:txBody>
+          <a:bodyPr rtlCol="0" anchor="ctr"/>
+          <a:lstStyle/>
+          <a:p>
+            <a:pPr algn="ctr"/>
+            <a:r>
+              <a:rPr lang="fr-FR" dirty="0" err="1">
+                <a:solidFill>
+                  <a:schemeClr val="tx1"/>
+                </a:solidFill>
+              </a:rPr>
+              <a:t>Artifact</a:t>
+            </a:r>
+            <a:r>
+              <a:rPr lang="fr-FR" dirty="0">
+                <a:solidFill>
+                  <a:schemeClr val="tx1"/>
+                </a:solidFill>
+              </a:rPr>
+              <a:t> Repository</a:t>
+            </a:r>
+          </a:p>
+        </p:txBody>
+      </p:sp>
+      <p:sp>
+        <p:nvSpPr>
+          <p:cNvPr id="10" name="Rectangle 9">
+            <a:extLst>
+              <a:ext uri="{FF2B5EF4-FFF2-40B4-BE49-F238E27FC236}">
+                <a16:creationId xmlns:a16="http://schemas.microsoft.com/office/drawing/2014/main" id="{7A6E4F17-EACA-4C01-8373-A19C6189DDBC}"/>
+              </a:ext>
+            </a:extLst>
+          </p:cNvPr>
+          <p:cNvSpPr/>
+          <p:nvPr/>
+        </p:nvSpPr>
+        <p:spPr>
+          <a:xfrm>
+            <a:off x="10346842" y="226106"/>
+            <a:ext cx="1480167" cy="1167897"/>
+          </a:xfrm>
+          <a:prstGeom prst="rect">
+            <a:avLst/>
+          </a:prstGeom>
+          <a:solidFill>
+            <a:schemeClr val="accent5">
+              <a:lumMod val="60000"/>
+              <a:lumOff val="40000"/>
+            </a:schemeClr>
+          </a:solidFill>
+        </p:spPr>
+        <p:style>
+          <a:lnRef idx="2">
+            <a:schemeClr val="accent1">
+              <a:shade val="50000"/>
+            </a:schemeClr>
+          </a:lnRef>
+          <a:fillRef idx="1">
+            <a:schemeClr val="accent1"/>
+          </a:fillRef>
+          <a:effectRef idx="0">
+            <a:schemeClr val="accent1"/>
+          </a:effectRef>
+          <a:fontRef idx="minor">
+            <a:schemeClr val="lt1"/>
+          </a:fontRef>
+        </p:style>
+        <p:txBody>
+          <a:bodyPr rtlCol="0" anchor="ctr"/>
+          <a:lstStyle/>
+          <a:p>
+            <a:pPr algn="ctr"/>
+            <a:r>
+              <a:rPr lang="fr-FR" dirty="0" err="1">
+                <a:solidFill>
+                  <a:schemeClr val="tx1"/>
+                </a:solidFill>
+              </a:rPr>
+              <a:t>Anonymized</a:t>
+            </a:r>
+            <a:r>
+              <a:rPr lang="fr-FR" dirty="0">
+                <a:solidFill>
+                  <a:schemeClr val="tx1"/>
+                </a:solidFill>
+              </a:rPr>
+              <a:t> </a:t>
+            </a:r>
+            <a:br>
+              <a:rPr lang="fr-FR" dirty="0">
+                <a:solidFill>
+                  <a:schemeClr val="tx1"/>
+                </a:solidFill>
+              </a:rPr>
+            </a:br>
+            <a:r>
+              <a:rPr lang="fr-FR" dirty="0" err="1">
+                <a:solidFill>
+                  <a:schemeClr val="tx1"/>
+                </a:solidFill>
+              </a:rPr>
+              <a:t>Shared</a:t>
+            </a:r>
+            <a:r>
+              <a:rPr lang="fr-FR" dirty="0">
+                <a:solidFill>
+                  <a:schemeClr val="tx1"/>
+                </a:solidFill>
+              </a:rPr>
+              <a:t> Data</a:t>
+            </a:r>
+          </a:p>
+        </p:txBody>
+      </p:sp>
+      <p:sp>
+        <p:nvSpPr>
+          <p:cNvPr id="33" name="Rectangle 32">
+            <a:extLst>
+              <a:ext uri="{FF2B5EF4-FFF2-40B4-BE49-F238E27FC236}">
+                <a16:creationId xmlns:a16="http://schemas.microsoft.com/office/drawing/2014/main" id="{AD94FC37-A930-4C2A-9170-54D0C6757F4D}"/>
+              </a:ext>
+            </a:extLst>
+          </p:cNvPr>
+          <p:cNvSpPr/>
+          <p:nvPr/>
+        </p:nvSpPr>
+        <p:spPr>
+          <a:xfrm>
+            <a:off x="3302765" y="234174"/>
+            <a:ext cx="1480168" cy="1167897"/>
+          </a:xfrm>
+          <a:prstGeom prst="rect">
+            <a:avLst/>
+          </a:prstGeom>
+          <a:solidFill>
+            <a:schemeClr val="accent5">
+              <a:lumMod val="60000"/>
+              <a:lumOff val="40000"/>
+            </a:schemeClr>
+          </a:solidFill>
+        </p:spPr>
+        <p:style>
+          <a:lnRef idx="2">
+            <a:schemeClr val="accent1">
+              <a:shade val="50000"/>
+            </a:schemeClr>
+          </a:lnRef>
+          <a:fillRef idx="1">
+            <a:schemeClr val="accent1"/>
+          </a:fillRef>
+          <a:effectRef idx="0">
+            <a:schemeClr val="accent1"/>
+          </a:effectRef>
+          <a:fontRef idx="minor">
+            <a:schemeClr val="lt1"/>
+          </a:fontRef>
+        </p:style>
+        <p:txBody>
+          <a:bodyPr rtlCol="0" anchor="ctr"/>
+          <a:lstStyle/>
+          <a:p>
+            <a:pPr algn="ctr"/>
+            <a:r>
+              <a:rPr lang="fr-FR" dirty="0">
+                <a:solidFill>
+                  <a:schemeClr val="tx1"/>
+                </a:solidFill>
+              </a:rPr>
+              <a:t>Install &amp; </a:t>
+            </a:r>
+            <a:r>
+              <a:rPr lang="fr-FR" dirty="0" err="1">
+                <a:solidFill>
+                  <a:schemeClr val="tx1"/>
+                </a:solidFill>
+              </a:rPr>
+              <a:t>transfer</a:t>
+            </a:r>
+            <a:r>
+              <a:rPr lang="fr-FR" dirty="0">
+                <a:solidFill>
+                  <a:schemeClr val="tx1"/>
+                </a:solidFill>
+              </a:rPr>
+              <a:t> </a:t>
+            </a:r>
+            <a:r>
+              <a:rPr lang="fr-FR" dirty="0" err="1">
+                <a:solidFill>
+                  <a:schemeClr val="tx1"/>
+                </a:solidFill>
+              </a:rPr>
+              <a:t>commands</a:t>
+            </a:r>
+            <a:endParaRPr lang="fr-FR" dirty="0">
+              <a:solidFill>
+                <a:schemeClr val="tx1"/>
+              </a:solidFill>
+            </a:endParaRPr>
+          </a:p>
+        </p:txBody>
+      </p:sp>
+      <p:sp>
+        <p:nvSpPr>
+          <p:cNvPr id="34" name="Flèche : bas 33">
+            <a:extLst>
+              <a:ext uri="{FF2B5EF4-FFF2-40B4-BE49-F238E27FC236}">
+                <a16:creationId xmlns:a16="http://schemas.microsoft.com/office/drawing/2014/main" id="{2B16276E-A306-420D-BD00-69257EECE4AB}"/>
+              </a:ext>
+            </a:extLst>
+          </p:cNvPr>
+          <p:cNvSpPr/>
+          <p:nvPr/>
+        </p:nvSpPr>
+        <p:spPr>
+          <a:xfrm flipV="1">
+            <a:off x="2025674" y="1804981"/>
+            <a:ext cx="838955" cy="579422"/>
+          </a:xfrm>
+          <a:prstGeom prst="downArrow">
+            <a:avLst/>
+          </a:prstGeom>
+        </p:spPr>
+        <p:style>
+          <a:lnRef idx="2">
+            <a:schemeClr val="accent1">
+              <a:shade val="50000"/>
+            </a:schemeClr>
+          </a:lnRef>
+          <a:fillRef idx="1">
+            <a:schemeClr val="accent1"/>
+          </a:fillRef>
+          <a:effectRef idx="0">
+            <a:schemeClr val="accent1"/>
+          </a:effectRef>
+          <a:fontRef idx="minor">
+            <a:schemeClr val="lt1"/>
+          </a:fontRef>
+        </p:style>
+        <p:txBody>
+          <a:bodyPr rtlCol="0" anchor="ctr"/>
+          <a:lstStyle/>
+          <a:p>
+            <a:pPr algn="ctr"/>
+            <a:endParaRPr lang="fr-FR"/>
+          </a:p>
+        </p:txBody>
+      </p:sp>
+      <p:sp>
+        <p:nvSpPr>
+          <p:cNvPr id="35" name="Flèche : bas 34">
+            <a:extLst>
+              <a:ext uri="{FF2B5EF4-FFF2-40B4-BE49-F238E27FC236}">
+                <a16:creationId xmlns:a16="http://schemas.microsoft.com/office/drawing/2014/main" id="{2DA82DDC-D9AB-46F7-A083-B345293D0009}"/>
+              </a:ext>
+            </a:extLst>
+          </p:cNvPr>
+          <p:cNvSpPr/>
+          <p:nvPr/>
+        </p:nvSpPr>
+        <p:spPr>
+          <a:xfrm flipV="1">
+            <a:off x="4844320" y="1804981"/>
+            <a:ext cx="838955" cy="579422"/>
+          </a:xfrm>
+          <a:prstGeom prst="downArrow">
+            <a:avLst/>
+          </a:prstGeom>
+        </p:spPr>
+        <p:style>
+          <a:lnRef idx="2">
+            <a:schemeClr val="accent1">
+              <a:shade val="50000"/>
+            </a:schemeClr>
+          </a:lnRef>
+          <a:fillRef idx="1">
+            <a:schemeClr val="accent1"/>
+          </a:fillRef>
+          <a:effectRef idx="0">
+            <a:schemeClr val="accent1"/>
+          </a:effectRef>
+          <a:fontRef idx="minor">
+            <a:schemeClr val="lt1"/>
+          </a:fontRef>
+        </p:style>
+        <p:txBody>
+          <a:bodyPr rtlCol="0" anchor="ctr"/>
+          <a:lstStyle/>
+          <a:p>
+            <a:pPr algn="ctr"/>
+            <a:endParaRPr lang="fr-FR"/>
+          </a:p>
+        </p:txBody>
+      </p:sp>
+      <p:sp>
+        <p:nvSpPr>
+          <p:cNvPr id="36" name="Flèche : bas 35">
+            <a:extLst>
+              <a:ext uri="{FF2B5EF4-FFF2-40B4-BE49-F238E27FC236}">
+                <a16:creationId xmlns:a16="http://schemas.microsoft.com/office/drawing/2014/main" id="{68871A02-A84F-47FD-9FCF-436DEF04F566}"/>
+              </a:ext>
+            </a:extLst>
+          </p:cNvPr>
+          <p:cNvSpPr/>
+          <p:nvPr/>
+        </p:nvSpPr>
+        <p:spPr>
+          <a:xfrm flipV="1">
+            <a:off x="7708235" y="1804981"/>
+            <a:ext cx="838955" cy="579422"/>
+          </a:xfrm>
+          <a:prstGeom prst="downArrow">
+            <a:avLst/>
+          </a:prstGeom>
+        </p:spPr>
+        <p:style>
+          <a:lnRef idx="2">
+            <a:schemeClr val="accent1">
+              <a:shade val="50000"/>
+            </a:schemeClr>
+          </a:lnRef>
+          <a:fillRef idx="1">
+            <a:schemeClr val="accent1"/>
+          </a:fillRef>
+          <a:effectRef idx="0">
+            <a:schemeClr val="accent1"/>
+          </a:effectRef>
+          <a:fontRef idx="minor">
+            <a:schemeClr val="lt1"/>
+          </a:fontRef>
+        </p:style>
+        <p:txBody>
+          <a:bodyPr rtlCol="0" anchor="ctr"/>
+          <a:lstStyle/>
+          <a:p>
+            <a:pPr algn="ctr"/>
+            <a:endParaRPr lang="fr-FR"/>
+          </a:p>
+        </p:txBody>
+      </p:sp>
+      <p:sp>
+        <p:nvSpPr>
+          <p:cNvPr id="37" name="Flèche : bas 36">
+            <a:extLst>
+              <a:ext uri="{FF2B5EF4-FFF2-40B4-BE49-F238E27FC236}">
+                <a16:creationId xmlns:a16="http://schemas.microsoft.com/office/drawing/2014/main" id="{2E257A5A-7EFC-4A83-96B2-013BFB09D79E}"/>
+              </a:ext>
+            </a:extLst>
+          </p:cNvPr>
+          <p:cNvSpPr/>
+          <p:nvPr/>
+        </p:nvSpPr>
+        <p:spPr>
+          <a:xfrm flipV="1">
+            <a:off x="10572147" y="1804981"/>
+            <a:ext cx="838955" cy="579422"/>
+          </a:xfrm>
+          <a:prstGeom prst="downArrow">
+            <a:avLst/>
+          </a:prstGeom>
+        </p:spPr>
+        <p:style>
+          <a:lnRef idx="2">
+            <a:schemeClr val="accent1">
+              <a:shade val="50000"/>
+            </a:schemeClr>
+          </a:lnRef>
+          <a:fillRef idx="1">
+            <a:schemeClr val="accent1"/>
+          </a:fillRef>
+          <a:effectRef idx="0">
+            <a:schemeClr val="accent1"/>
+          </a:effectRef>
+          <a:fontRef idx="minor">
+            <a:schemeClr val="lt1"/>
+          </a:fontRef>
+        </p:style>
+        <p:txBody>
+          <a:bodyPr rtlCol="0" anchor="ctr"/>
+          <a:lstStyle/>
+          <a:p>
+            <a:pPr algn="ctr"/>
+            <a:endParaRPr lang="fr-FR"/>
+          </a:p>
+        </p:txBody>
+      </p:sp>
+      <p:sp>
+        <p:nvSpPr>
+          <p:cNvPr id="40" name="Rectangle : coins arrondis 39">
+            <a:extLst>
+              <a:ext uri="{FF2B5EF4-FFF2-40B4-BE49-F238E27FC236}">
+                <a16:creationId xmlns:a16="http://schemas.microsoft.com/office/drawing/2014/main" id="{FA7AC004-59AC-448D-B029-30861D396ADA}"/>
+              </a:ext>
+            </a:extLst>
+          </p:cNvPr>
+          <p:cNvSpPr/>
+          <p:nvPr/>
+        </p:nvSpPr>
+        <p:spPr>
+          <a:xfrm>
+            <a:off x="1194266" y="4526357"/>
+            <a:ext cx="1085623" cy="689811"/>
+          </a:xfrm>
+          <a:prstGeom prst="roundRect">
+            <a:avLst/>
+          </a:prstGeom>
+          <a:solidFill>
+            <a:schemeClr val="accent6">
+              <a:lumMod val="75000"/>
+            </a:schemeClr>
+          </a:solidFill>
+        </p:spPr>
+        <p:style>
+          <a:lnRef idx="2">
+            <a:schemeClr val="accent1">
+              <a:shade val="50000"/>
+            </a:schemeClr>
+          </a:lnRef>
+          <a:fillRef idx="1">
+            <a:schemeClr val="accent1"/>
+          </a:fillRef>
+          <a:effectRef idx="0">
+            <a:schemeClr val="accent1"/>
+          </a:effectRef>
+          <a:fontRef idx="minor">
+            <a:schemeClr val="lt1"/>
+          </a:fontRef>
+        </p:style>
+        <p:txBody>
+          <a:bodyPr rtlCol="0" anchor="ctr"/>
+          <a:lstStyle/>
+          <a:p>
+            <a:pPr algn="ctr"/>
+            <a:r>
+              <a:rPr lang="fr-FR" dirty="0"/>
+              <a:t>Data </a:t>
+            </a:r>
+            <a:r>
+              <a:rPr lang="fr-FR" dirty="0" err="1"/>
+              <a:t>engineer</a:t>
+            </a:r>
+            <a:endParaRPr lang="fr-FR" dirty="0"/>
+          </a:p>
+        </p:txBody>
+      </p:sp>
+      <p:sp>
+        <p:nvSpPr>
+          <p:cNvPr id="41" name="Rectangle : coins arrondis 40">
+            <a:extLst>
+              <a:ext uri="{FF2B5EF4-FFF2-40B4-BE49-F238E27FC236}">
+                <a16:creationId xmlns:a16="http://schemas.microsoft.com/office/drawing/2014/main" id="{145D8A00-53D1-4FAC-BBC1-655E31C7E516}"/>
+              </a:ext>
+            </a:extLst>
+          </p:cNvPr>
+          <p:cNvSpPr/>
+          <p:nvPr/>
+        </p:nvSpPr>
+        <p:spPr>
+          <a:xfrm>
+            <a:off x="5281190" y="4526356"/>
+            <a:ext cx="1085623" cy="689811"/>
+          </a:xfrm>
+          <a:prstGeom prst="roundRect">
+            <a:avLst/>
+          </a:prstGeom>
+          <a:solidFill>
+            <a:schemeClr val="accent6">
+              <a:lumMod val="75000"/>
+            </a:schemeClr>
+          </a:solidFill>
+        </p:spPr>
+        <p:style>
+          <a:lnRef idx="2">
+            <a:schemeClr val="accent1">
+              <a:shade val="50000"/>
+            </a:schemeClr>
+          </a:lnRef>
+          <a:fillRef idx="1">
+            <a:schemeClr val="accent1"/>
+          </a:fillRef>
+          <a:effectRef idx="0">
+            <a:schemeClr val="accent1"/>
+          </a:effectRef>
+          <a:fontRef idx="minor">
+            <a:schemeClr val="lt1"/>
+          </a:fontRef>
+        </p:style>
+        <p:txBody>
+          <a:bodyPr rtlCol="0" anchor="ctr"/>
+          <a:lstStyle/>
+          <a:p>
+            <a:pPr algn="ctr"/>
+            <a:r>
+              <a:rPr lang="fr-FR" dirty="0"/>
+              <a:t>SME</a:t>
+            </a:r>
+          </a:p>
+        </p:txBody>
+      </p:sp>
+      <p:sp>
+        <p:nvSpPr>
+          <p:cNvPr id="42" name="Rectangle : coins arrondis 41">
+            <a:extLst>
+              <a:ext uri="{FF2B5EF4-FFF2-40B4-BE49-F238E27FC236}">
+                <a16:creationId xmlns:a16="http://schemas.microsoft.com/office/drawing/2014/main" id="{177926C2-23D1-4C5E-83AC-15867A2813B7}"/>
+              </a:ext>
+            </a:extLst>
+          </p:cNvPr>
+          <p:cNvSpPr/>
+          <p:nvPr/>
+        </p:nvSpPr>
+        <p:spPr>
+          <a:xfrm>
+            <a:off x="4012912" y="4531598"/>
+            <a:ext cx="1085623" cy="689811"/>
+          </a:xfrm>
+          <a:prstGeom prst="roundRect">
+            <a:avLst/>
+          </a:prstGeom>
+          <a:solidFill>
+            <a:schemeClr val="accent6">
+              <a:lumMod val="75000"/>
+            </a:schemeClr>
+          </a:solidFill>
+        </p:spPr>
+        <p:style>
+          <a:lnRef idx="2">
+            <a:schemeClr val="accent1">
+              <a:shade val="50000"/>
+            </a:schemeClr>
+          </a:lnRef>
+          <a:fillRef idx="1">
+            <a:schemeClr val="accent1"/>
+          </a:fillRef>
+          <a:effectRef idx="0">
+            <a:schemeClr val="accent1"/>
+          </a:effectRef>
+          <a:fontRef idx="minor">
+            <a:schemeClr val="lt1"/>
+          </a:fontRef>
+        </p:style>
+        <p:txBody>
+          <a:bodyPr rtlCol="0" anchor="ctr"/>
+          <a:lstStyle/>
+          <a:p>
+            <a:pPr algn="ctr"/>
+            <a:r>
+              <a:rPr lang="fr-FR" dirty="0"/>
+              <a:t>Business </a:t>
+            </a:r>
+            <a:r>
+              <a:rPr lang="fr-FR" dirty="0" err="1"/>
+              <a:t>analyst</a:t>
+            </a:r>
+            <a:endParaRPr lang="fr-FR" dirty="0"/>
+          </a:p>
+        </p:txBody>
+      </p:sp>
+      <p:sp>
+        <p:nvSpPr>
+          <p:cNvPr id="43" name="Rectangle : coins arrondis 42">
+            <a:extLst>
+              <a:ext uri="{FF2B5EF4-FFF2-40B4-BE49-F238E27FC236}">
+                <a16:creationId xmlns:a16="http://schemas.microsoft.com/office/drawing/2014/main" id="{13BA4870-14F4-4E1B-AEF7-C6F195DEF2A5}"/>
+              </a:ext>
+            </a:extLst>
+          </p:cNvPr>
+          <p:cNvSpPr/>
+          <p:nvPr/>
+        </p:nvSpPr>
+        <p:spPr>
+          <a:xfrm>
+            <a:off x="4012912" y="5379208"/>
+            <a:ext cx="1085623" cy="689811"/>
+          </a:xfrm>
+          <a:prstGeom prst="roundRect">
+            <a:avLst/>
+          </a:prstGeom>
+          <a:solidFill>
+            <a:schemeClr val="accent6">
+              <a:lumMod val="75000"/>
+            </a:schemeClr>
+          </a:solidFill>
+        </p:spPr>
+        <p:style>
+          <a:lnRef idx="2">
+            <a:schemeClr val="accent1">
+              <a:shade val="50000"/>
+            </a:schemeClr>
+          </a:lnRef>
+          <a:fillRef idx="1">
+            <a:schemeClr val="accent1"/>
+          </a:fillRef>
+          <a:effectRef idx="0">
+            <a:schemeClr val="accent1"/>
+          </a:effectRef>
+          <a:fontRef idx="minor">
+            <a:schemeClr val="lt1"/>
+          </a:fontRef>
+        </p:style>
+        <p:txBody>
+          <a:bodyPr rtlCol="0" anchor="ctr"/>
+          <a:lstStyle/>
+          <a:p>
+            <a:pPr algn="ctr"/>
+            <a:r>
+              <a:rPr lang="fr-FR" dirty="0" err="1"/>
+              <a:t>Dialog</a:t>
+            </a:r>
+            <a:br>
+              <a:rPr lang="fr-FR" dirty="0"/>
+            </a:br>
+            <a:r>
+              <a:rPr lang="fr-FR" dirty="0"/>
+              <a:t>designer</a:t>
+            </a:r>
+          </a:p>
+        </p:txBody>
+      </p:sp>
+      <p:sp>
+        <p:nvSpPr>
+          <p:cNvPr id="44" name="Rectangle : coins arrondis 43">
+            <a:extLst>
+              <a:ext uri="{FF2B5EF4-FFF2-40B4-BE49-F238E27FC236}">
+                <a16:creationId xmlns:a16="http://schemas.microsoft.com/office/drawing/2014/main" id="{08682202-2F4B-4ED6-AF15-0E24C33CC6F8}"/>
+              </a:ext>
+            </a:extLst>
+          </p:cNvPr>
+          <p:cNvSpPr/>
+          <p:nvPr/>
+        </p:nvSpPr>
+        <p:spPr>
+          <a:xfrm>
+            <a:off x="2462544" y="4526355"/>
+            <a:ext cx="1085623" cy="689811"/>
+          </a:xfrm>
+          <a:prstGeom prst="roundRect">
+            <a:avLst/>
+          </a:prstGeom>
+          <a:solidFill>
+            <a:schemeClr val="accent6">
+              <a:lumMod val="75000"/>
+            </a:schemeClr>
+          </a:solidFill>
+        </p:spPr>
+        <p:style>
+          <a:lnRef idx="2">
+            <a:schemeClr val="accent1">
+              <a:shade val="50000"/>
+            </a:schemeClr>
+          </a:lnRef>
+          <a:fillRef idx="1">
+            <a:schemeClr val="accent1"/>
+          </a:fillRef>
+          <a:effectRef idx="0">
+            <a:schemeClr val="accent1"/>
+          </a:effectRef>
+          <a:fontRef idx="minor">
+            <a:schemeClr val="lt1"/>
+          </a:fontRef>
+        </p:style>
+        <p:txBody>
+          <a:bodyPr rtlCol="0" anchor="ctr"/>
+          <a:lstStyle/>
+          <a:p>
+            <a:pPr algn="ctr"/>
+            <a:r>
+              <a:rPr lang="fr-FR" dirty="0"/>
+              <a:t>Data </a:t>
+            </a:r>
+            <a:r>
+              <a:rPr lang="fr-FR" dirty="0" err="1"/>
+              <a:t>scientist</a:t>
+            </a:r>
+            <a:endParaRPr lang="fr-FR" dirty="0"/>
+          </a:p>
+        </p:txBody>
+      </p:sp>
+      <p:sp>
+        <p:nvSpPr>
+          <p:cNvPr id="45" name="Rectangle : coins arrondis 44">
+            <a:extLst>
+              <a:ext uri="{FF2B5EF4-FFF2-40B4-BE49-F238E27FC236}">
+                <a16:creationId xmlns:a16="http://schemas.microsoft.com/office/drawing/2014/main" id="{40B9641E-A12E-40C7-BE95-4D74610A4982}"/>
+              </a:ext>
+            </a:extLst>
+          </p:cNvPr>
+          <p:cNvSpPr/>
+          <p:nvPr/>
+        </p:nvSpPr>
+        <p:spPr>
+          <a:xfrm>
+            <a:off x="2462544" y="5379207"/>
+            <a:ext cx="1085623" cy="689811"/>
+          </a:xfrm>
+          <a:prstGeom prst="roundRect">
+            <a:avLst/>
+          </a:prstGeom>
+          <a:solidFill>
+            <a:schemeClr val="accent6">
+              <a:lumMod val="75000"/>
+            </a:schemeClr>
+          </a:solidFill>
+        </p:spPr>
+        <p:style>
+          <a:lnRef idx="2">
+            <a:schemeClr val="accent1">
+              <a:shade val="50000"/>
+            </a:schemeClr>
+          </a:lnRef>
+          <a:fillRef idx="1">
+            <a:schemeClr val="accent1"/>
+          </a:fillRef>
+          <a:effectRef idx="0">
+            <a:schemeClr val="accent1"/>
+          </a:effectRef>
+          <a:fontRef idx="minor">
+            <a:schemeClr val="lt1"/>
+          </a:fontRef>
+        </p:style>
+        <p:txBody>
+          <a:bodyPr rtlCol="0" anchor="ctr"/>
+          <a:lstStyle/>
+          <a:p>
+            <a:pPr algn="ctr"/>
+            <a:r>
+              <a:rPr lang="fr-FR" dirty="0"/>
+              <a:t>App </a:t>
+            </a:r>
+            <a:r>
+              <a:rPr lang="fr-FR" sz="1600" dirty="0" err="1"/>
+              <a:t>integrator</a:t>
+            </a:r>
+            <a:endParaRPr lang="fr-FR" dirty="0"/>
+          </a:p>
+        </p:txBody>
+      </p:sp>
+      <p:sp>
+        <p:nvSpPr>
+          <p:cNvPr id="46" name="Rectangle : coins arrondis 45">
+            <a:extLst>
+              <a:ext uri="{FF2B5EF4-FFF2-40B4-BE49-F238E27FC236}">
+                <a16:creationId xmlns:a16="http://schemas.microsoft.com/office/drawing/2014/main" id="{24A1AD84-265C-468E-87E8-973DAF245A5E}"/>
+              </a:ext>
+            </a:extLst>
+          </p:cNvPr>
+          <p:cNvSpPr/>
+          <p:nvPr/>
+        </p:nvSpPr>
+        <p:spPr>
+          <a:xfrm>
+            <a:off x="47329" y="1028123"/>
+            <a:ext cx="1085623" cy="689811"/>
+          </a:xfrm>
+          <a:prstGeom prst="roundRect">
+            <a:avLst/>
+          </a:prstGeom>
+          <a:solidFill>
+            <a:schemeClr val="accent6">
+              <a:lumMod val="75000"/>
+            </a:schemeClr>
+          </a:solidFill>
+        </p:spPr>
+        <p:style>
+          <a:lnRef idx="2">
+            <a:schemeClr val="accent1">
+              <a:shade val="50000"/>
+            </a:schemeClr>
+          </a:lnRef>
+          <a:fillRef idx="1">
+            <a:schemeClr val="accent1"/>
+          </a:fillRef>
+          <a:effectRef idx="0">
+            <a:schemeClr val="accent1"/>
+          </a:effectRef>
+          <a:fontRef idx="minor">
+            <a:schemeClr val="lt1"/>
+          </a:fontRef>
+        </p:style>
+        <p:txBody>
+          <a:bodyPr rtlCol="0" anchor="ctr"/>
+          <a:lstStyle/>
+          <a:p>
+            <a:pPr algn="ctr"/>
+            <a:r>
+              <a:rPr lang="fr-FR" dirty="0"/>
+              <a:t>Install </a:t>
+            </a:r>
+            <a:r>
+              <a:rPr lang="fr-FR" dirty="0" err="1"/>
+              <a:t>operator</a:t>
+            </a:r>
+            <a:endParaRPr lang="fr-FR" dirty="0"/>
+          </a:p>
+        </p:txBody>
+      </p:sp>
+      <p:sp>
+        <p:nvSpPr>
+          <p:cNvPr id="47" name="Rectangle : coins arrondis 46">
+            <a:extLst>
+              <a:ext uri="{FF2B5EF4-FFF2-40B4-BE49-F238E27FC236}">
+                <a16:creationId xmlns:a16="http://schemas.microsoft.com/office/drawing/2014/main" id="{BF2309CE-E0FF-47EE-9F59-149051C22FCD}"/>
+              </a:ext>
+            </a:extLst>
+          </p:cNvPr>
+          <p:cNvSpPr/>
+          <p:nvPr/>
+        </p:nvSpPr>
+        <p:spPr>
+          <a:xfrm>
+            <a:off x="63371" y="216069"/>
+            <a:ext cx="1085623" cy="689811"/>
+          </a:xfrm>
+          <a:prstGeom prst="roundRect">
+            <a:avLst/>
+          </a:prstGeom>
+          <a:solidFill>
+            <a:schemeClr val="accent6">
+              <a:lumMod val="75000"/>
+            </a:schemeClr>
+          </a:solidFill>
+        </p:spPr>
+        <p:style>
+          <a:lnRef idx="2">
+            <a:schemeClr val="accent1">
+              <a:shade val="50000"/>
+            </a:schemeClr>
+          </a:lnRef>
+          <a:fillRef idx="1">
+            <a:schemeClr val="accent1"/>
+          </a:fillRef>
+          <a:effectRef idx="0">
+            <a:schemeClr val="accent1"/>
+          </a:effectRef>
+          <a:fontRef idx="minor">
+            <a:schemeClr val="lt1"/>
+          </a:fontRef>
+        </p:style>
+        <p:txBody>
+          <a:bodyPr rtlCol="0" anchor="ctr"/>
+          <a:lstStyle/>
+          <a:p>
+            <a:pPr algn="ctr"/>
+            <a:r>
+              <a:rPr lang="fr-FR" dirty="0"/>
+              <a:t>Install</a:t>
+            </a:r>
+            <a:br>
+              <a:rPr lang="fr-FR" dirty="0"/>
+            </a:br>
+            <a:r>
+              <a:rPr lang="fr-FR" dirty="0"/>
+              <a:t>admin</a:t>
+            </a:r>
+          </a:p>
+        </p:txBody>
+      </p:sp>
+      <p:sp>
+        <p:nvSpPr>
+          <p:cNvPr id="48" name="Rectangle 47">
+            <a:extLst>
+              <a:ext uri="{FF2B5EF4-FFF2-40B4-BE49-F238E27FC236}">
+                <a16:creationId xmlns:a16="http://schemas.microsoft.com/office/drawing/2014/main" id="{2C318B44-2C73-48BF-8979-4C12A49AA737}"/>
+              </a:ext>
+            </a:extLst>
+          </p:cNvPr>
+          <p:cNvSpPr/>
+          <p:nvPr/>
+        </p:nvSpPr>
+        <p:spPr>
+          <a:xfrm>
+            <a:off x="5018013" y="244120"/>
+            <a:ext cx="1480167" cy="1167897"/>
+          </a:xfrm>
+          <a:prstGeom prst="rect">
+            <a:avLst/>
+          </a:prstGeom>
+          <a:solidFill>
+            <a:schemeClr val="accent5">
+              <a:lumMod val="60000"/>
+              <a:lumOff val="40000"/>
+            </a:schemeClr>
+          </a:solidFill>
+        </p:spPr>
+        <p:style>
+          <a:lnRef idx="2">
+            <a:schemeClr val="accent1">
+              <a:shade val="50000"/>
+            </a:schemeClr>
+          </a:lnRef>
+          <a:fillRef idx="1">
+            <a:schemeClr val="accent1"/>
+          </a:fillRef>
+          <a:effectRef idx="0">
+            <a:schemeClr val="accent1"/>
+          </a:effectRef>
+          <a:fontRef idx="minor">
+            <a:schemeClr val="lt1"/>
+          </a:fontRef>
+        </p:style>
+        <p:txBody>
+          <a:bodyPr rtlCol="0" anchor="ctr"/>
+          <a:lstStyle/>
+          <a:p>
+            <a:pPr algn="ctr"/>
+            <a:r>
+              <a:rPr lang="fr-FR" dirty="0" err="1">
+                <a:solidFill>
+                  <a:schemeClr val="tx1"/>
+                </a:solidFill>
+              </a:rPr>
+              <a:t>Env</a:t>
+            </a:r>
+            <a:r>
+              <a:rPr lang="fr-FR" dirty="0">
+                <a:solidFill>
+                  <a:schemeClr val="tx1"/>
+                </a:solidFill>
+              </a:rPr>
+              <a:t> config</a:t>
+            </a:r>
+            <a:br>
+              <a:rPr lang="fr-FR" dirty="0">
+                <a:solidFill>
+                  <a:schemeClr val="tx1"/>
+                </a:solidFill>
+              </a:rPr>
+            </a:br>
+            <a:r>
+              <a:rPr lang="fr-FR" dirty="0">
+                <a:solidFill>
+                  <a:schemeClr val="tx1"/>
+                </a:solidFill>
+              </a:rPr>
+              <a:t>Ops stats</a:t>
+            </a:r>
+          </a:p>
+        </p:txBody>
+      </p:sp>
+      <p:sp>
+        <p:nvSpPr>
+          <p:cNvPr id="49" name="Rectangle : coins arrondis 48">
+            <a:extLst>
+              <a:ext uri="{FF2B5EF4-FFF2-40B4-BE49-F238E27FC236}">
+                <a16:creationId xmlns:a16="http://schemas.microsoft.com/office/drawing/2014/main" id="{5C5111A8-68D5-4BD8-83A4-AA9638F67079}"/>
+              </a:ext>
+            </a:extLst>
+          </p:cNvPr>
+          <p:cNvSpPr/>
+          <p:nvPr/>
+        </p:nvSpPr>
+        <p:spPr>
+          <a:xfrm>
+            <a:off x="1194266" y="5379206"/>
+            <a:ext cx="1085623" cy="689811"/>
+          </a:xfrm>
+          <a:prstGeom prst="roundRect">
+            <a:avLst/>
+          </a:prstGeom>
+          <a:solidFill>
+            <a:schemeClr val="accent6">
+              <a:lumMod val="75000"/>
+            </a:schemeClr>
+          </a:solidFill>
+        </p:spPr>
+        <p:style>
+          <a:lnRef idx="2">
+            <a:schemeClr val="accent1">
+              <a:shade val="50000"/>
+            </a:schemeClr>
+          </a:lnRef>
+          <a:fillRef idx="1">
+            <a:schemeClr val="accent1"/>
+          </a:fillRef>
+          <a:effectRef idx="0">
+            <a:schemeClr val="accent1"/>
+          </a:effectRef>
+          <a:fontRef idx="minor">
+            <a:schemeClr val="lt1"/>
+          </a:fontRef>
+        </p:style>
+        <p:txBody>
+          <a:bodyPr rtlCol="0" anchor="ctr"/>
+          <a:lstStyle/>
+          <a:p>
+            <a:pPr algn="ctr"/>
+            <a:r>
+              <a:rPr lang="fr-FR" dirty="0"/>
+              <a:t>App </a:t>
+            </a:r>
+            <a:r>
+              <a:rPr lang="fr-FR" sz="1600" dirty="0" err="1"/>
+              <a:t>developer</a:t>
+            </a:r>
+            <a:endParaRPr lang="fr-FR" dirty="0"/>
+          </a:p>
+        </p:txBody>
+      </p:sp>
+      <p:sp>
+        <p:nvSpPr>
+          <p:cNvPr id="50" name="Rectangle 49">
+            <a:extLst>
+              <a:ext uri="{FF2B5EF4-FFF2-40B4-BE49-F238E27FC236}">
+                <a16:creationId xmlns:a16="http://schemas.microsoft.com/office/drawing/2014/main" id="{82C75B6B-8493-41DF-A35E-B7170EE15BC3}"/>
+              </a:ext>
+            </a:extLst>
+          </p:cNvPr>
+          <p:cNvSpPr/>
+          <p:nvPr/>
+        </p:nvSpPr>
+        <p:spPr>
+          <a:xfrm>
+            <a:off x="1573375" y="244120"/>
+            <a:ext cx="1480168" cy="1167897"/>
+          </a:xfrm>
+          <a:prstGeom prst="rect">
+            <a:avLst/>
+          </a:prstGeom>
+          <a:solidFill>
+            <a:schemeClr val="accent5">
+              <a:lumMod val="60000"/>
+              <a:lumOff val="40000"/>
+            </a:schemeClr>
+          </a:solidFill>
+        </p:spPr>
+        <p:style>
+          <a:lnRef idx="2">
+            <a:schemeClr val="accent1">
+              <a:shade val="50000"/>
+            </a:schemeClr>
+          </a:lnRef>
+          <a:fillRef idx="1">
+            <a:schemeClr val="accent1"/>
+          </a:fillRef>
+          <a:effectRef idx="0">
+            <a:schemeClr val="accent1"/>
+          </a:effectRef>
+          <a:fontRef idx="minor">
+            <a:schemeClr val="lt1"/>
+          </a:fontRef>
+        </p:style>
+        <p:txBody>
+          <a:bodyPr rtlCol="0" anchor="ctr"/>
+          <a:lstStyle/>
+          <a:p>
+            <a:pPr algn="ctr"/>
+            <a:r>
+              <a:rPr lang="fr-FR" dirty="0" err="1">
+                <a:solidFill>
+                  <a:schemeClr val="tx1"/>
+                </a:solidFill>
+              </a:rPr>
+              <a:t>Users</a:t>
+            </a:r>
+            <a:r>
+              <a:rPr lang="fr-FR" dirty="0">
+                <a:solidFill>
+                  <a:schemeClr val="tx1"/>
+                </a:solidFill>
+              </a:rPr>
+              <a:t> &amp;</a:t>
+            </a:r>
+            <a:br>
+              <a:rPr lang="fr-FR" dirty="0">
+                <a:solidFill>
+                  <a:schemeClr val="tx1"/>
+                </a:solidFill>
+              </a:rPr>
+            </a:br>
+            <a:r>
+              <a:rPr lang="fr-FR" dirty="0" err="1">
+                <a:solidFill>
+                  <a:schemeClr val="tx1"/>
+                </a:solidFill>
+              </a:rPr>
+              <a:t>Projects</a:t>
+            </a:r>
+            <a:endParaRPr lang="fr-FR" dirty="0">
+              <a:solidFill>
+                <a:schemeClr val="tx1"/>
+              </a:solidFill>
+            </a:endParaRPr>
+          </a:p>
+        </p:txBody>
+      </p:sp>
+      <p:sp>
+        <p:nvSpPr>
+          <p:cNvPr id="52" name="Rectangle : coins arrondis 51">
+            <a:extLst>
+              <a:ext uri="{FF2B5EF4-FFF2-40B4-BE49-F238E27FC236}">
+                <a16:creationId xmlns:a16="http://schemas.microsoft.com/office/drawing/2014/main" id="{7EFC22AC-44F0-4F12-86A4-EF07CB313651}"/>
+              </a:ext>
+            </a:extLst>
+          </p:cNvPr>
+          <p:cNvSpPr/>
+          <p:nvPr/>
+        </p:nvSpPr>
+        <p:spPr>
+          <a:xfrm>
+            <a:off x="5281190" y="5379206"/>
+            <a:ext cx="1085623" cy="689811"/>
+          </a:xfrm>
+          <a:prstGeom prst="roundRect">
+            <a:avLst/>
+          </a:prstGeom>
+          <a:solidFill>
+            <a:schemeClr val="accent6">
+              <a:lumMod val="75000"/>
+            </a:schemeClr>
+          </a:solidFill>
+        </p:spPr>
+        <p:style>
+          <a:lnRef idx="2">
+            <a:schemeClr val="accent1">
+              <a:shade val="50000"/>
+            </a:schemeClr>
+          </a:lnRef>
+          <a:fillRef idx="1">
+            <a:schemeClr val="accent1"/>
+          </a:fillRef>
+          <a:effectRef idx="0">
+            <a:schemeClr val="accent1"/>
+          </a:effectRef>
+          <a:fontRef idx="minor">
+            <a:schemeClr val="lt1"/>
+          </a:fontRef>
+        </p:style>
+        <p:txBody>
+          <a:bodyPr rtlCol="0" anchor="ctr"/>
+          <a:lstStyle/>
+          <a:p>
+            <a:pPr algn="ctr"/>
+            <a:r>
+              <a:rPr lang="fr-FR" dirty="0" err="1"/>
+              <a:t>Cont</a:t>
+            </a:r>
+            <a:r>
+              <a:rPr lang="fr-FR" dirty="0"/>
+              <a:t>. </a:t>
+            </a:r>
+            <a:r>
+              <a:rPr lang="fr-FR" dirty="0" err="1"/>
+              <a:t>Improv</a:t>
+            </a:r>
+            <a:r>
+              <a:rPr lang="fr-FR" dirty="0"/>
+              <a:t>.</a:t>
+            </a:r>
+          </a:p>
+        </p:txBody>
+      </p:sp>
+      <p:sp>
+        <p:nvSpPr>
+          <p:cNvPr id="55" name="Rectangle : coins arrondis 54">
+            <a:extLst>
+              <a:ext uri="{FF2B5EF4-FFF2-40B4-BE49-F238E27FC236}">
+                <a16:creationId xmlns:a16="http://schemas.microsoft.com/office/drawing/2014/main" id="{5424EFC7-D5A6-4492-AB93-028EE95811B4}"/>
+              </a:ext>
+            </a:extLst>
+          </p:cNvPr>
+          <p:cNvSpPr/>
+          <p:nvPr/>
+        </p:nvSpPr>
+        <p:spPr>
+          <a:xfrm>
+            <a:off x="9650204" y="4518331"/>
+            <a:ext cx="1085623" cy="689811"/>
+          </a:xfrm>
+          <a:prstGeom prst="roundRect">
+            <a:avLst/>
+          </a:prstGeom>
+          <a:solidFill>
+            <a:schemeClr val="accent6">
+              <a:lumMod val="75000"/>
+            </a:schemeClr>
+          </a:solidFill>
+        </p:spPr>
+        <p:style>
+          <a:lnRef idx="2">
+            <a:schemeClr val="accent1">
+              <a:shade val="50000"/>
+            </a:schemeClr>
+          </a:lnRef>
+          <a:fillRef idx="1">
+            <a:schemeClr val="accent1"/>
+          </a:fillRef>
+          <a:effectRef idx="0">
+            <a:schemeClr val="accent1"/>
+          </a:effectRef>
+          <a:fontRef idx="minor">
+            <a:schemeClr val="lt1"/>
+          </a:fontRef>
+        </p:style>
+        <p:txBody>
+          <a:bodyPr rtlCol="0" anchor="ctr"/>
+          <a:lstStyle/>
+          <a:p>
+            <a:pPr algn="ctr"/>
+            <a:r>
+              <a:rPr lang="fr-FR" dirty="0"/>
+              <a:t>End </a:t>
+            </a:r>
+            <a:r>
+              <a:rPr lang="fr-FR" dirty="0" err="1"/>
+              <a:t>users</a:t>
+            </a:r>
+            <a:endParaRPr lang="fr-FR" dirty="0"/>
+          </a:p>
+        </p:txBody>
+      </p:sp>
+      <p:sp>
+        <p:nvSpPr>
+          <p:cNvPr id="56" name="Rectangle : coins arrondis 55">
+            <a:extLst>
+              <a:ext uri="{FF2B5EF4-FFF2-40B4-BE49-F238E27FC236}">
+                <a16:creationId xmlns:a16="http://schemas.microsoft.com/office/drawing/2014/main" id="{9FF21AAF-3833-4305-96B9-B8A314397691}"/>
+              </a:ext>
+            </a:extLst>
+          </p:cNvPr>
+          <p:cNvSpPr/>
+          <p:nvPr/>
+        </p:nvSpPr>
+        <p:spPr>
+          <a:xfrm>
+            <a:off x="10917688" y="4526355"/>
+            <a:ext cx="1085623" cy="689811"/>
+          </a:xfrm>
+          <a:prstGeom prst="roundRect">
+            <a:avLst/>
+          </a:prstGeom>
+          <a:solidFill>
+            <a:schemeClr val="accent6">
+              <a:lumMod val="75000"/>
+            </a:schemeClr>
+          </a:solidFill>
+        </p:spPr>
+        <p:style>
+          <a:lnRef idx="2">
+            <a:schemeClr val="accent1">
+              <a:shade val="50000"/>
+            </a:schemeClr>
+          </a:lnRef>
+          <a:fillRef idx="1">
+            <a:schemeClr val="accent1"/>
+          </a:fillRef>
+          <a:effectRef idx="0">
+            <a:schemeClr val="accent1"/>
+          </a:effectRef>
+          <a:fontRef idx="minor">
+            <a:schemeClr val="lt1"/>
+          </a:fontRef>
+        </p:style>
+        <p:txBody>
+          <a:bodyPr rtlCol="0" anchor="ctr"/>
+          <a:lstStyle/>
+          <a:p>
+            <a:pPr algn="ctr"/>
+            <a:r>
+              <a:rPr lang="fr-FR" dirty="0"/>
+              <a:t>Process </a:t>
+            </a:r>
+            <a:r>
+              <a:rPr lang="fr-FR" sz="1600" dirty="0"/>
+              <a:t>managers</a:t>
+            </a:r>
+            <a:endParaRPr lang="fr-FR" dirty="0"/>
+          </a:p>
+        </p:txBody>
+      </p:sp>
+      <p:sp>
+        <p:nvSpPr>
+          <p:cNvPr id="57" name="Rectangle : coins arrondis 56">
+            <a:extLst>
+              <a:ext uri="{FF2B5EF4-FFF2-40B4-BE49-F238E27FC236}">
+                <a16:creationId xmlns:a16="http://schemas.microsoft.com/office/drawing/2014/main" id="{7CBC8C35-C9B5-41EB-821C-548FB18F3CF7}"/>
+              </a:ext>
+            </a:extLst>
+          </p:cNvPr>
+          <p:cNvSpPr/>
+          <p:nvPr/>
+        </p:nvSpPr>
+        <p:spPr>
+          <a:xfrm>
+            <a:off x="9650204" y="5359676"/>
+            <a:ext cx="1085623" cy="689811"/>
+          </a:xfrm>
+          <a:prstGeom prst="roundRect">
+            <a:avLst/>
+          </a:prstGeom>
+          <a:solidFill>
+            <a:schemeClr val="accent6">
+              <a:lumMod val="75000"/>
+            </a:schemeClr>
+          </a:solidFill>
+        </p:spPr>
+        <p:style>
+          <a:lnRef idx="2">
+            <a:schemeClr val="accent1">
+              <a:shade val="50000"/>
+            </a:schemeClr>
+          </a:lnRef>
+          <a:fillRef idx="1">
+            <a:schemeClr val="accent1"/>
+          </a:fillRef>
+          <a:effectRef idx="0">
+            <a:schemeClr val="accent1"/>
+          </a:effectRef>
+          <a:fontRef idx="minor">
+            <a:schemeClr val="lt1"/>
+          </a:fontRef>
+        </p:style>
+        <p:txBody>
+          <a:bodyPr rtlCol="0" anchor="ctr"/>
+          <a:lstStyle/>
+          <a:p>
+            <a:pPr algn="ctr"/>
+            <a:r>
+              <a:rPr lang="fr-FR" dirty="0"/>
+              <a:t>App </a:t>
+            </a:r>
+            <a:r>
+              <a:rPr lang="fr-FR" sz="1600" dirty="0"/>
+              <a:t>managers</a:t>
+            </a:r>
+            <a:endParaRPr lang="fr-FR" dirty="0"/>
+          </a:p>
+        </p:txBody>
+      </p:sp>
+      <p:sp>
+        <p:nvSpPr>
+          <p:cNvPr id="58" name="Rectangle : coins arrondis 57">
+            <a:extLst>
+              <a:ext uri="{FF2B5EF4-FFF2-40B4-BE49-F238E27FC236}">
+                <a16:creationId xmlns:a16="http://schemas.microsoft.com/office/drawing/2014/main" id="{EF0F0F2A-AA3E-49B0-99B6-B639136BDB55}"/>
+              </a:ext>
+            </a:extLst>
+          </p:cNvPr>
+          <p:cNvSpPr/>
+          <p:nvPr/>
+        </p:nvSpPr>
+        <p:spPr>
+          <a:xfrm>
+            <a:off x="6831558" y="4518331"/>
+            <a:ext cx="1085623" cy="689811"/>
+          </a:xfrm>
+          <a:prstGeom prst="roundRect">
+            <a:avLst/>
+          </a:prstGeom>
+          <a:solidFill>
+            <a:schemeClr val="accent6">
+              <a:lumMod val="75000"/>
+            </a:schemeClr>
+          </a:solidFill>
+        </p:spPr>
+        <p:style>
+          <a:lnRef idx="2">
+            <a:schemeClr val="accent1">
+              <a:shade val="50000"/>
+            </a:schemeClr>
+          </a:lnRef>
+          <a:fillRef idx="1">
+            <a:schemeClr val="accent1"/>
+          </a:fillRef>
+          <a:effectRef idx="0">
+            <a:schemeClr val="accent1"/>
+          </a:effectRef>
+          <a:fontRef idx="minor">
+            <a:schemeClr val="lt1"/>
+          </a:fontRef>
+        </p:style>
+        <p:txBody>
+          <a:bodyPr rtlCol="0" anchor="ctr"/>
+          <a:lstStyle/>
+          <a:p>
+            <a:pPr algn="ctr"/>
+            <a:r>
+              <a:rPr lang="fr-FR" dirty="0"/>
+              <a:t>End </a:t>
+            </a:r>
+            <a:r>
+              <a:rPr lang="fr-FR" dirty="0" err="1"/>
+              <a:t>users</a:t>
+            </a:r>
+            <a:endParaRPr lang="fr-FR" dirty="0"/>
+          </a:p>
+        </p:txBody>
+      </p:sp>
+      <p:sp>
+        <p:nvSpPr>
+          <p:cNvPr id="59" name="Rectangle : coins arrondis 58">
+            <a:extLst>
+              <a:ext uri="{FF2B5EF4-FFF2-40B4-BE49-F238E27FC236}">
+                <a16:creationId xmlns:a16="http://schemas.microsoft.com/office/drawing/2014/main" id="{2E79F911-ADE8-4E8A-A7EA-BC4B6C7A870C}"/>
+              </a:ext>
+            </a:extLst>
+          </p:cNvPr>
+          <p:cNvSpPr/>
+          <p:nvPr/>
+        </p:nvSpPr>
+        <p:spPr>
+          <a:xfrm>
+            <a:off x="8099042" y="4526355"/>
+            <a:ext cx="1085623" cy="689811"/>
+          </a:xfrm>
+          <a:prstGeom prst="roundRect">
+            <a:avLst/>
+          </a:prstGeom>
+          <a:solidFill>
+            <a:schemeClr val="accent6">
+              <a:lumMod val="75000"/>
+            </a:schemeClr>
+          </a:solidFill>
+        </p:spPr>
+        <p:style>
+          <a:lnRef idx="2">
+            <a:schemeClr val="accent1">
+              <a:shade val="50000"/>
+            </a:schemeClr>
+          </a:lnRef>
+          <a:fillRef idx="1">
+            <a:schemeClr val="accent1"/>
+          </a:fillRef>
+          <a:effectRef idx="0">
+            <a:schemeClr val="accent1"/>
+          </a:effectRef>
+          <a:fontRef idx="minor">
+            <a:schemeClr val="lt1"/>
+          </a:fontRef>
+        </p:style>
+        <p:txBody>
+          <a:bodyPr rtlCol="0" anchor="ctr"/>
+          <a:lstStyle/>
+          <a:p>
+            <a:pPr algn="ctr"/>
+            <a:r>
+              <a:rPr lang="fr-FR" dirty="0"/>
+              <a:t>Process </a:t>
+            </a:r>
+            <a:r>
+              <a:rPr lang="fr-FR" sz="1600" dirty="0"/>
+              <a:t>managers</a:t>
+            </a:r>
+            <a:endParaRPr lang="fr-FR" dirty="0"/>
+          </a:p>
+        </p:txBody>
+      </p:sp>
+      <p:sp>
+        <p:nvSpPr>
+          <p:cNvPr id="60" name="Rectangle : coins arrondis 59">
+            <a:extLst>
+              <a:ext uri="{FF2B5EF4-FFF2-40B4-BE49-F238E27FC236}">
+                <a16:creationId xmlns:a16="http://schemas.microsoft.com/office/drawing/2014/main" id="{6B7D5ED7-5D6C-4160-BCA1-7FC938FF69BF}"/>
+              </a:ext>
+            </a:extLst>
+          </p:cNvPr>
+          <p:cNvSpPr/>
+          <p:nvPr/>
+        </p:nvSpPr>
+        <p:spPr>
+          <a:xfrm>
+            <a:off x="6831558" y="5359676"/>
+            <a:ext cx="1085623" cy="689811"/>
+          </a:xfrm>
+          <a:prstGeom prst="roundRect">
+            <a:avLst/>
+          </a:prstGeom>
+          <a:solidFill>
+            <a:schemeClr val="accent6">
+              <a:lumMod val="75000"/>
+            </a:schemeClr>
+          </a:solidFill>
+        </p:spPr>
+        <p:style>
+          <a:lnRef idx="2">
+            <a:schemeClr val="accent1">
+              <a:shade val="50000"/>
+            </a:schemeClr>
+          </a:lnRef>
+          <a:fillRef idx="1">
+            <a:schemeClr val="accent1"/>
+          </a:fillRef>
+          <a:effectRef idx="0">
+            <a:schemeClr val="accent1"/>
+          </a:effectRef>
+          <a:fontRef idx="minor">
+            <a:schemeClr val="lt1"/>
+          </a:fontRef>
+        </p:style>
+        <p:txBody>
+          <a:bodyPr rtlCol="0" anchor="ctr"/>
+          <a:lstStyle/>
+          <a:p>
+            <a:pPr algn="ctr"/>
+            <a:r>
+              <a:rPr lang="fr-FR" dirty="0"/>
+              <a:t>App </a:t>
+            </a:r>
+            <a:r>
+              <a:rPr lang="fr-FR" sz="1600" dirty="0"/>
+              <a:t>managers</a:t>
+            </a:r>
+            <a:endParaRPr lang="fr-FR" dirty="0"/>
+          </a:p>
+        </p:txBody>
+      </p:sp>
+      <p:sp>
+        <p:nvSpPr>
+          <p:cNvPr id="70" name="Rectangle 69">
+            <a:extLst>
+              <a:ext uri="{FF2B5EF4-FFF2-40B4-BE49-F238E27FC236}">
+                <a16:creationId xmlns:a16="http://schemas.microsoft.com/office/drawing/2014/main" id="{EFD6A5DD-2189-4DBE-8D63-6D01FA866BE9}"/>
+              </a:ext>
+            </a:extLst>
+          </p:cNvPr>
+          <p:cNvSpPr/>
+          <p:nvPr/>
+        </p:nvSpPr>
+        <p:spPr>
+          <a:xfrm>
+            <a:off x="1011725" y="2403172"/>
+            <a:ext cx="1085623" cy="579421"/>
+          </a:xfrm>
+          <a:prstGeom prst="rect">
+            <a:avLst/>
+          </a:prstGeom>
+          <a:solidFill>
+            <a:schemeClr val="accent4"/>
+          </a:solidFill>
+        </p:spPr>
+        <p:style>
+          <a:lnRef idx="2">
+            <a:schemeClr val="accent1">
+              <a:shade val="50000"/>
+            </a:schemeClr>
+          </a:lnRef>
+          <a:fillRef idx="1">
+            <a:schemeClr val="accent1"/>
+          </a:fillRef>
+          <a:effectRef idx="0">
+            <a:schemeClr val="accent1"/>
+          </a:effectRef>
+          <a:fontRef idx="minor">
+            <a:schemeClr val="lt1"/>
+          </a:fontRef>
+        </p:style>
+        <p:txBody>
+          <a:bodyPr rtlCol="0" anchor="ctr"/>
+          <a:lstStyle/>
+          <a:p>
+            <a:pPr algn="ctr"/>
+            <a:r>
+              <a:rPr lang="fr-FR" sz="1600" dirty="0" err="1">
+                <a:solidFill>
+                  <a:schemeClr val="tx1"/>
+                </a:solidFill>
+              </a:rPr>
+              <a:t>JupyterLab</a:t>
+            </a:r>
+            <a:endParaRPr lang="fr-FR" sz="1600" dirty="0">
+              <a:solidFill>
+                <a:schemeClr val="tx1"/>
+              </a:solidFill>
+            </a:endParaRPr>
+          </a:p>
+          <a:p>
+            <a:pPr algn="ctr"/>
+            <a:r>
+              <a:rPr lang="fr-FR" sz="1600" dirty="0">
+                <a:solidFill>
+                  <a:schemeClr val="tx1"/>
+                </a:solidFill>
+              </a:rPr>
+              <a:t>per user</a:t>
+            </a:r>
+          </a:p>
+        </p:txBody>
+      </p:sp>
+      <p:sp>
+        <p:nvSpPr>
+          <p:cNvPr id="71" name="Rectangle 70">
+            <a:extLst>
+              <a:ext uri="{FF2B5EF4-FFF2-40B4-BE49-F238E27FC236}">
+                <a16:creationId xmlns:a16="http://schemas.microsoft.com/office/drawing/2014/main" id="{65CF985B-D410-4C76-8058-3C492F54FB42}"/>
+              </a:ext>
+            </a:extLst>
+          </p:cNvPr>
+          <p:cNvSpPr/>
+          <p:nvPr/>
+        </p:nvSpPr>
+        <p:spPr>
+          <a:xfrm>
+            <a:off x="3894386" y="2398619"/>
+            <a:ext cx="1085624" cy="313536"/>
+          </a:xfrm>
+          <a:prstGeom prst="rect">
+            <a:avLst/>
+          </a:prstGeom>
+          <a:solidFill>
+            <a:schemeClr val="accent4"/>
+          </a:solidFill>
+        </p:spPr>
+        <p:style>
+          <a:lnRef idx="2">
+            <a:schemeClr val="accent1">
+              <a:shade val="50000"/>
+            </a:schemeClr>
+          </a:lnRef>
+          <a:fillRef idx="1">
+            <a:schemeClr val="accent1"/>
+          </a:fillRef>
+          <a:effectRef idx="0">
+            <a:schemeClr val="accent1"/>
+          </a:effectRef>
+          <a:fontRef idx="minor">
+            <a:schemeClr val="lt1"/>
+          </a:fontRef>
+        </p:style>
+        <p:txBody>
+          <a:bodyPr rtlCol="0" anchor="ctr"/>
+          <a:lstStyle/>
+          <a:p>
+            <a:pPr algn="ctr"/>
+            <a:r>
+              <a:rPr lang="fr-FR" dirty="0">
+                <a:solidFill>
+                  <a:schemeClr val="tx1"/>
+                </a:solidFill>
+              </a:rPr>
+              <a:t>Web UI</a:t>
+            </a:r>
+          </a:p>
+        </p:txBody>
+      </p:sp>
+      <p:sp>
+        <p:nvSpPr>
+          <p:cNvPr id="72" name="Rectangle 71">
+            <a:extLst>
+              <a:ext uri="{FF2B5EF4-FFF2-40B4-BE49-F238E27FC236}">
+                <a16:creationId xmlns:a16="http://schemas.microsoft.com/office/drawing/2014/main" id="{B111C4CD-1B0F-4988-831C-F12C7D1FDFD9}"/>
+              </a:ext>
+            </a:extLst>
+          </p:cNvPr>
+          <p:cNvSpPr/>
+          <p:nvPr/>
+        </p:nvSpPr>
+        <p:spPr>
+          <a:xfrm>
+            <a:off x="6704016" y="2405407"/>
+            <a:ext cx="1085624" cy="313536"/>
+          </a:xfrm>
+          <a:prstGeom prst="rect">
+            <a:avLst/>
+          </a:prstGeom>
+          <a:solidFill>
+            <a:schemeClr val="accent4"/>
+          </a:solidFill>
+        </p:spPr>
+        <p:style>
+          <a:lnRef idx="2">
+            <a:schemeClr val="accent1">
+              <a:shade val="50000"/>
+            </a:schemeClr>
+          </a:lnRef>
+          <a:fillRef idx="1">
+            <a:schemeClr val="accent1"/>
+          </a:fillRef>
+          <a:effectRef idx="0">
+            <a:schemeClr val="accent1"/>
+          </a:effectRef>
+          <a:fontRef idx="minor">
+            <a:schemeClr val="lt1"/>
+          </a:fontRef>
+        </p:style>
+        <p:txBody>
+          <a:bodyPr rtlCol="0" anchor="ctr"/>
+          <a:lstStyle/>
+          <a:p>
+            <a:pPr algn="ctr"/>
+            <a:r>
+              <a:rPr lang="fr-FR" dirty="0">
+                <a:solidFill>
+                  <a:schemeClr val="tx1"/>
+                </a:solidFill>
+              </a:rPr>
+              <a:t>API</a:t>
+            </a:r>
+          </a:p>
+        </p:txBody>
+      </p:sp>
+      <p:sp>
+        <p:nvSpPr>
+          <p:cNvPr id="73" name="Rectangle 72">
+            <a:extLst>
+              <a:ext uri="{FF2B5EF4-FFF2-40B4-BE49-F238E27FC236}">
+                <a16:creationId xmlns:a16="http://schemas.microsoft.com/office/drawing/2014/main" id="{6CEAF1E5-D8D8-4154-AD2C-1044F1D966DA}"/>
+              </a:ext>
+            </a:extLst>
+          </p:cNvPr>
+          <p:cNvSpPr/>
+          <p:nvPr/>
+        </p:nvSpPr>
+        <p:spPr>
+          <a:xfrm>
+            <a:off x="9513646" y="2405407"/>
+            <a:ext cx="1085624" cy="313536"/>
+          </a:xfrm>
+          <a:prstGeom prst="rect">
+            <a:avLst/>
+          </a:prstGeom>
+          <a:solidFill>
+            <a:schemeClr val="accent4"/>
+          </a:solidFill>
+        </p:spPr>
+        <p:style>
+          <a:lnRef idx="2">
+            <a:schemeClr val="accent1">
+              <a:shade val="50000"/>
+            </a:schemeClr>
+          </a:lnRef>
+          <a:fillRef idx="1">
+            <a:schemeClr val="accent1"/>
+          </a:fillRef>
+          <a:effectRef idx="0">
+            <a:schemeClr val="accent1"/>
+          </a:effectRef>
+          <a:fontRef idx="minor">
+            <a:schemeClr val="lt1"/>
+          </a:fontRef>
+        </p:style>
+        <p:txBody>
+          <a:bodyPr rtlCol="0" anchor="ctr"/>
+          <a:lstStyle/>
+          <a:p>
+            <a:pPr algn="ctr"/>
+            <a:r>
+              <a:rPr lang="fr-FR">
+                <a:solidFill>
+                  <a:schemeClr val="tx1"/>
+                </a:solidFill>
+              </a:rPr>
+              <a:t>API</a:t>
+            </a:r>
+            <a:endParaRPr lang="fr-FR" dirty="0">
+              <a:solidFill>
+                <a:schemeClr val="tx1"/>
+              </a:solidFill>
+            </a:endParaRPr>
+          </a:p>
+        </p:txBody>
+      </p:sp>
+      <p:sp>
+        <p:nvSpPr>
+          <p:cNvPr id="51" name="Rectangle 50">
+            <a:extLst>
+              <a:ext uri="{FF2B5EF4-FFF2-40B4-BE49-F238E27FC236}">
+                <a16:creationId xmlns:a16="http://schemas.microsoft.com/office/drawing/2014/main" id="{38328D0F-5418-461A-93A0-4A5A6F34B151}"/>
+              </a:ext>
+            </a:extLst>
+          </p:cNvPr>
+          <p:cNvSpPr/>
+          <p:nvPr/>
+        </p:nvSpPr>
+        <p:spPr>
+          <a:xfrm>
+            <a:off x="1194266" y="6206904"/>
+            <a:ext cx="5172547" cy="651096"/>
+          </a:xfrm>
+          <a:prstGeom prst="rect">
+            <a:avLst/>
+          </a:prstGeom>
+        </p:spPr>
+        <p:style>
+          <a:lnRef idx="2">
+            <a:schemeClr val="accent1">
+              <a:shade val="50000"/>
+            </a:schemeClr>
+          </a:lnRef>
+          <a:fillRef idx="1">
+            <a:schemeClr val="accent1"/>
+          </a:fillRef>
+          <a:effectRef idx="0">
+            <a:schemeClr val="accent1"/>
+          </a:effectRef>
+          <a:fontRef idx="minor">
+            <a:schemeClr val="lt1"/>
+          </a:fontRef>
+        </p:style>
+        <p:txBody>
+          <a:bodyPr rtlCol="0" anchor="t"/>
+          <a:lstStyle/>
+          <a:p>
+            <a:pPr algn="ctr"/>
+            <a:r>
+              <a:rPr lang="fr-FR" dirty="0"/>
+              <a:t>Dev Services (n)</a:t>
+            </a:r>
+          </a:p>
+        </p:txBody>
+      </p:sp>
+      <p:sp>
+        <p:nvSpPr>
+          <p:cNvPr id="69" name="Rectangle 68">
+            <a:extLst>
+              <a:ext uri="{FF2B5EF4-FFF2-40B4-BE49-F238E27FC236}">
+                <a16:creationId xmlns:a16="http://schemas.microsoft.com/office/drawing/2014/main" id="{7813C97D-F97C-4576-9392-A916BD3B48CB}"/>
+              </a:ext>
+            </a:extLst>
+          </p:cNvPr>
+          <p:cNvSpPr/>
+          <p:nvPr/>
+        </p:nvSpPr>
+        <p:spPr>
+          <a:xfrm>
+            <a:off x="1481097" y="6532451"/>
+            <a:ext cx="1480168" cy="244977"/>
+          </a:xfrm>
+          <a:prstGeom prst="rect">
+            <a:avLst/>
+          </a:prstGeom>
+          <a:solidFill>
+            <a:schemeClr val="accent2">
+              <a:lumMod val="75000"/>
+            </a:schemeClr>
+          </a:solidFill>
+        </p:spPr>
+        <p:style>
+          <a:lnRef idx="2">
+            <a:schemeClr val="accent1">
+              <a:shade val="50000"/>
+            </a:schemeClr>
+          </a:lnRef>
+          <a:fillRef idx="1">
+            <a:schemeClr val="accent1"/>
+          </a:fillRef>
+          <a:effectRef idx="0">
+            <a:schemeClr val="accent1"/>
+          </a:effectRef>
+          <a:fontRef idx="minor">
+            <a:schemeClr val="lt1"/>
+          </a:fontRef>
+        </p:style>
+        <p:txBody>
+          <a:bodyPr rtlCol="0" anchor="ctr"/>
+          <a:lstStyle/>
+          <a:p>
+            <a:pPr algn="ctr"/>
+            <a:r>
+              <a:rPr lang="fr-FR" dirty="0"/>
+              <a:t>Training</a:t>
+            </a:r>
+          </a:p>
+        </p:txBody>
+      </p:sp>
+      <p:sp>
+        <p:nvSpPr>
+          <p:cNvPr id="67" name="Rectangle 66">
+            <a:extLst>
+              <a:ext uri="{FF2B5EF4-FFF2-40B4-BE49-F238E27FC236}">
+                <a16:creationId xmlns:a16="http://schemas.microsoft.com/office/drawing/2014/main" id="{B6EF6120-548F-4BB5-BD3D-91D19734BA53}"/>
+              </a:ext>
+            </a:extLst>
+          </p:cNvPr>
+          <p:cNvSpPr/>
+          <p:nvPr/>
+        </p:nvSpPr>
+        <p:spPr>
+          <a:xfrm>
+            <a:off x="3086873" y="6532457"/>
+            <a:ext cx="1480169" cy="244977"/>
+          </a:xfrm>
+          <a:prstGeom prst="rect">
+            <a:avLst/>
+          </a:prstGeom>
+          <a:solidFill>
+            <a:schemeClr val="accent2">
+              <a:lumMod val="75000"/>
+            </a:schemeClr>
+          </a:solidFill>
+        </p:spPr>
+        <p:style>
+          <a:lnRef idx="2">
+            <a:schemeClr val="accent1">
+              <a:shade val="50000"/>
+            </a:schemeClr>
+          </a:lnRef>
+          <a:fillRef idx="1">
+            <a:schemeClr val="accent1"/>
+          </a:fillRef>
+          <a:effectRef idx="0">
+            <a:schemeClr val="accent1"/>
+          </a:effectRef>
+          <a:fontRef idx="minor">
+            <a:schemeClr val="lt1"/>
+          </a:fontRef>
+        </p:style>
+        <p:txBody>
+          <a:bodyPr rtlCol="0" anchor="ctr"/>
+          <a:lstStyle/>
+          <a:p>
+            <a:pPr algn="ctr"/>
+            <a:r>
+              <a:rPr lang="fr-FR" dirty="0"/>
+              <a:t>CI/CD</a:t>
+            </a:r>
+          </a:p>
+        </p:txBody>
+      </p:sp>
+      <p:sp>
+        <p:nvSpPr>
+          <p:cNvPr id="53" name="Rectangle 52">
+            <a:extLst>
+              <a:ext uri="{FF2B5EF4-FFF2-40B4-BE49-F238E27FC236}">
+                <a16:creationId xmlns:a16="http://schemas.microsoft.com/office/drawing/2014/main" id="{637F3C56-1A1B-4783-A9BB-7EDB3639B6BB}"/>
+              </a:ext>
+            </a:extLst>
+          </p:cNvPr>
+          <p:cNvSpPr/>
+          <p:nvPr/>
+        </p:nvSpPr>
+        <p:spPr>
+          <a:xfrm>
+            <a:off x="4692650" y="6525557"/>
+            <a:ext cx="1480168" cy="244977"/>
+          </a:xfrm>
+          <a:prstGeom prst="rect">
+            <a:avLst/>
+          </a:prstGeom>
+          <a:solidFill>
+            <a:schemeClr val="accent2">
+              <a:lumMod val="75000"/>
+            </a:schemeClr>
+          </a:solidFill>
+        </p:spPr>
+        <p:style>
+          <a:lnRef idx="2">
+            <a:schemeClr val="accent1">
+              <a:shade val="50000"/>
+            </a:schemeClr>
+          </a:lnRef>
+          <a:fillRef idx="1">
+            <a:schemeClr val="accent1"/>
+          </a:fillRef>
+          <a:effectRef idx="0">
+            <a:schemeClr val="accent1"/>
+          </a:effectRef>
+          <a:fontRef idx="minor">
+            <a:schemeClr val="lt1"/>
+          </a:fontRef>
+        </p:style>
+        <p:txBody>
+          <a:bodyPr rtlCol="0" anchor="ctr"/>
+          <a:lstStyle/>
+          <a:p>
+            <a:pPr algn="ctr"/>
+            <a:r>
+              <a:rPr lang="fr-FR" dirty="0"/>
+              <a:t>Live services</a:t>
+            </a:r>
+          </a:p>
+        </p:txBody>
+      </p:sp>
+      <p:sp>
+        <p:nvSpPr>
+          <p:cNvPr id="2" name="ZoneTexte 1">
+            <a:extLst>
+              <a:ext uri="{FF2B5EF4-FFF2-40B4-BE49-F238E27FC236}">
+                <a16:creationId xmlns:a16="http://schemas.microsoft.com/office/drawing/2014/main" id="{06054A1C-3069-4A1F-8FE4-F3338B158A8F}"/>
+              </a:ext>
+            </a:extLst>
+          </p:cNvPr>
+          <p:cNvSpPr txBox="1"/>
+          <p:nvPr/>
+        </p:nvSpPr>
+        <p:spPr>
+          <a:xfrm rot="16200000">
+            <a:off x="-666926" y="3018549"/>
+            <a:ext cx="2050561" cy="707886"/>
+          </a:xfrm>
+          <a:prstGeom prst="rect">
+            <a:avLst/>
+          </a:prstGeom>
+          <a:noFill/>
+        </p:spPr>
+        <p:txBody>
+          <a:bodyPr wrap="none" rtlCol="0">
+            <a:spAutoFit/>
+          </a:bodyPr>
+          <a:lstStyle/>
+          <a:p>
+            <a:r>
+              <a:rPr lang="fr-FR" sz="4000" b="1" dirty="0">
+                <a:solidFill>
+                  <a:srgbClr val="4472C4"/>
+                </a:solidFill>
+              </a:rPr>
+              <a:t>Modules</a:t>
+            </a:r>
+          </a:p>
+        </p:txBody>
+      </p:sp>
+    </p:spTree>
+    <p:extLst>
+      <p:ext uri="{BB962C8B-B14F-4D97-AF65-F5344CB8AC3E}">
+        <p14:creationId xmlns:p14="http://schemas.microsoft.com/office/powerpoint/2010/main" val="2044140627"/>
+      </p:ext>
+    </p:extLst>
+  </p:cSld>
+  <p:clrMapOvr>
+    <a:masterClrMapping/>
+  </p:clrMapOvr>
+</p:sld>
+</file>
+
+<file path=ppt/slides/slide7.xml><?xml version="1.0" encoding="utf-8"?>
+<p:sld xmlns:a="http://schemas.openxmlformats.org/drawingml/2006/main" xmlns:r="http://schemas.openxmlformats.org/officeDocument/2006/relationships" xmlns:p="http://schemas.openxmlformats.org/presentationml/2006/main">
+  <p:cSld>
+    <p:spTree>
+      <p:nvGrpSpPr>
+        <p:cNvPr id="1" name=""/>
+        <p:cNvGrpSpPr/>
+        <p:nvPr/>
+      </p:nvGrpSpPr>
+      <p:grpSpPr>
+        <a:xfrm>
+          <a:off x="0" y="0"/>
+          <a:ext cx="0" cy="0"/>
+          <a:chOff x="0" y="0"/>
+          <a:chExt cx="0" cy="0"/>
+        </a:xfrm>
+      </p:grpSpPr>
+      <p:sp>
+        <p:nvSpPr>
+          <p:cNvPr id="4" name="Rectangle 3">
+            <a:extLst>
+              <a:ext uri="{FF2B5EF4-FFF2-40B4-BE49-F238E27FC236}">
+                <a16:creationId xmlns:a16="http://schemas.microsoft.com/office/drawing/2014/main" id="{180FAAE2-BE7A-4096-96F2-A62576B66644}"/>
+              </a:ext>
+            </a:extLst>
+          </p:cNvPr>
+          <p:cNvSpPr/>
+          <p:nvPr/>
+        </p:nvSpPr>
+        <p:spPr>
+          <a:xfrm>
+            <a:off x="2695459" y="1457608"/>
+            <a:ext cx="2616452" cy="3965418"/>
+          </a:xfrm>
+          <a:prstGeom prst="rect">
+            <a:avLst/>
+          </a:prstGeom>
+        </p:spPr>
+        <p:style>
+          <a:lnRef idx="2">
+            <a:schemeClr val="accent1">
+              <a:shade val="50000"/>
+            </a:schemeClr>
+          </a:lnRef>
+          <a:fillRef idx="1">
+            <a:schemeClr val="accent1"/>
+          </a:fillRef>
+          <a:effectRef idx="0">
+            <a:schemeClr val="accent1"/>
+          </a:effectRef>
+          <a:fontRef idx="minor">
+            <a:schemeClr val="lt1"/>
+          </a:fontRef>
+        </p:style>
+        <p:txBody>
+          <a:bodyPr rtlCol="0" anchor="t"/>
+          <a:lstStyle/>
+          <a:p>
+            <a:pPr algn="ctr"/>
+            <a:r>
+              <a:rPr lang="fr-FR" dirty="0" err="1"/>
+              <a:t>Compute</a:t>
+            </a:r>
+            <a:r>
+              <a:rPr lang="fr-FR" dirty="0"/>
+              <a:t> cluster 1</a:t>
+            </a:r>
+          </a:p>
+        </p:txBody>
+      </p:sp>
+      <p:sp>
+        <p:nvSpPr>
+          <p:cNvPr id="5" name="Rectangle 4">
+            <a:extLst>
+              <a:ext uri="{FF2B5EF4-FFF2-40B4-BE49-F238E27FC236}">
+                <a16:creationId xmlns:a16="http://schemas.microsoft.com/office/drawing/2014/main" id="{1D0D0B63-0936-4ECE-A37C-B275EE29CF5E}"/>
+              </a:ext>
+            </a:extLst>
+          </p:cNvPr>
+          <p:cNvSpPr/>
+          <p:nvPr/>
+        </p:nvSpPr>
+        <p:spPr>
+          <a:xfrm>
+            <a:off x="5627273" y="1446291"/>
+            <a:ext cx="2616452" cy="3965418"/>
+          </a:xfrm>
+          <a:prstGeom prst="rect">
+            <a:avLst/>
+          </a:prstGeom>
+        </p:spPr>
+        <p:style>
+          <a:lnRef idx="2">
+            <a:schemeClr val="accent1">
+              <a:shade val="50000"/>
+            </a:schemeClr>
+          </a:lnRef>
+          <a:fillRef idx="1">
+            <a:schemeClr val="accent1"/>
+          </a:fillRef>
+          <a:effectRef idx="0">
+            <a:schemeClr val="accent1"/>
+          </a:effectRef>
+          <a:fontRef idx="minor">
+            <a:schemeClr val="lt1"/>
+          </a:fontRef>
+        </p:style>
+        <p:txBody>
+          <a:bodyPr rtlCol="0" anchor="t"/>
+          <a:lstStyle/>
+          <a:p>
+            <a:pPr algn="ctr"/>
+            <a:r>
+              <a:rPr lang="fr-FR" dirty="0" err="1"/>
+              <a:t>Compute</a:t>
+            </a:r>
+            <a:r>
+              <a:rPr lang="fr-FR" dirty="0"/>
+              <a:t> cluster 2</a:t>
+            </a:r>
+          </a:p>
+        </p:txBody>
+      </p:sp>
+      <p:sp>
+        <p:nvSpPr>
+          <p:cNvPr id="6" name="Rectangle 5">
+            <a:extLst>
+              <a:ext uri="{FF2B5EF4-FFF2-40B4-BE49-F238E27FC236}">
+                <a16:creationId xmlns:a16="http://schemas.microsoft.com/office/drawing/2014/main" id="{9C8026EB-201D-4B21-AAB2-D441F35666A9}"/>
+              </a:ext>
+            </a:extLst>
+          </p:cNvPr>
+          <p:cNvSpPr/>
+          <p:nvPr/>
+        </p:nvSpPr>
+        <p:spPr>
+          <a:xfrm>
+            <a:off x="8559087" y="1446291"/>
+            <a:ext cx="2616452" cy="3965418"/>
+          </a:xfrm>
+          <a:prstGeom prst="rect">
+            <a:avLst/>
+          </a:prstGeom>
+        </p:spPr>
+        <p:style>
+          <a:lnRef idx="2">
+            <a:schemeClr val="accent1">
+              <a:shade val="50000"/>
+            </a:schemeClr>
+          </a:lnRef>
+          <a:fillRef idx="1">
+            <a:schemeClr val="accent1"/>
+          </a:fillRef>
+          <a:effectRef idx="0">
+            <a:schemeClr val="accent1"/>
+          </a:effectRef>
+          <a:fontRef idx="minor">
+            <a:schemeClr val="lt1"/>
+          </a:fontRef>
+        </p:style>
+        <p:txBody>
+          <a:bodyPr rtlCol="0" anchor="t"/>
+          <a:lstStyle/>
+          <a:p>
+            <a:pPr algn="ctr"/>
+            <a:r>
+              <a:rPr lang="fr-FR" dirty="0" err="1"/>
+              <a:t>Compute</a:t>
+            </a:r>
+            <a:r>
+              <a:rPr lang="fr-FR" dirty="0"/>
+              <a:t> cluster 3</a:t>
+            </a:r>
+          </a:p>
+        </p:txBody>
+      </p:sp>
+      <p:sp>
+        <p:nvSpPr>
+          <p:cNvPr id="7" name="Ellipse 6">
+            <a:extLst>
+              <a:ext uri="{FF2B5EF4-FFF2-40B4-BE49-F238E27FC236}">
+                <a16:creationId xmlns:a16="http://schemas.microsoft.com/office/drawing/2014/main" id="{A7B353F4-7A96-45D5-8F7B-B2D4D50FBCFD}"/>
+              </a:ext>
+            </a:extLst>
+          </p:cNvPr>
+          <p:cNvSpPr/>
+          <p:nvPr/>
+        </p:nvSpPr>
+        <p:spPr>
+          <a:xfrm>
+            <a:off x="3695867" y="597528"/>
+            <a:ext cx="615636" cy="606583"/>
+          </a:xfrm>
+          <a:prstGeom prst="ellipse">
+            <a:avLst/>
+          </a:prstGeom>
+        </p:spPr>
+        <p:style>
+          <a:lnRef idx="2">
+            <a:schemeClr val="accent1">
+              <a:shade val="50000"/>
+            </a:schemeClr>
+          </a:lnRef>
+          <a:fillRef idx="1">
+            <a:schemeClr val="accent1"/>
+          </a:fillRef>
+          <a:effectRef idx="0">
+            <a:schemeClr val="accent1"/>
+          </a:effectRef>
+          <a:fontRef idx="minor">
+            <a:schemeClr val="lt1"/>
+          </a:fontRef>
+        </p:style>
+        <p:txBody>
+          <a:bodyPr rtlCol="0" anchor="ctr"/>
+          <a:lstStyle/>
+          <a:p>
+            <a:pPr algn="ctr"/>
+            <a:r>
+              <a:rPr lang="fr-FR" sz="2800" b="1" dirty="0"/>
+              <a:t>1</a:t>
+            </a:r>
+          </a:p>
+        </p:txBody>
+      </p:sp>
+      <p:sp>
+        <p:nvSpPr>
+          <p:cNvPr id="8" name="Rectangle 7">
+            <a:extLst>
+              <a:ext uri="{FF2B5EF4-FFF2-40B4-BE49-F238E27FC236}">
+                <a16:creationId xmlns:a16="http://schemas.microsoft.com/office/drawing/2014/main" id="{DAE4BBEA-3936-4A0A-9418-B41DC591943B}"/>
+              </a:ext>
+            </a:extLst>
+          </p:cNvPr>
+          <p:cNvSpPr/>
+          <p:nvPr/>
+        </p:nvSpPr>
+        <p:spPr>
+          <a:xfrm>
+            <a:off x="1265378" y="2073244"/>
+            <a:ext cx="10329638" cy="1355756"/>
+          </a:xfrm>
+          <a:prstGeom prst="rect">
+            <a:avLst/>
+          </a:prstGeom>
+          <a:solidFill>
+            <a:schemeClr val="accent4">
+              <a:lumMod val="40000"/>
+              <a:lumOff val="60000"/>
+              <a:alpha val="46000"/>
+            </a:schemeClr>
+          </a:solidFill>
+        </p:spPr>
+        <p:style>
+          <a:lnRef idx="2">
+            <a:schemeClr val="accent1">
+              <a:shade val="50000"/>
+            </a:schemeClr>
+          </a:lnRef>
+          <a:fillRef idx="1">
+            <a:schemeClr val="accent1"/>
+          </a:fillRef>
+          <a:effectRef idx="0">
+            <a:schemeClr val="accent1"/>
+          </a:effectRef>
+          <a:fontRef idx="minor">
+            <a:schemeClr val="lt1"/>
+          </a:fontRef>
+        </p:style>
+        <p:txBody>
+          <a:bodyPr rtlCol="0" anchor="ctr"/>
+          <a:lstStyle/>
+          <a:p>
+            <a:r>
+              <a:rPr lang="fr-FR" dirty="0">
+                <a:solidFill>
+                  <a:schemeClr val="tx1"/>
+                </a:solidFill>
+              </a:rPr>
+              <a:t>Install A</a:t>
+            </a:r>
+          </a:p>
+        </p:txBody>
+      </p:sp>
+      <p:sp>
+        <p:nvSpPr>
+          <p:cNvPr id="9" name="Rectangle 8">
+            <a:extLst>
+              <a:ext uri="{FF2B5EF4-FFF2-40B4-BE49-F238E27FC236}">
+                <a16:creationId xmlns:a16="http://schemas.microsoft.com/office/drawing/2014/main" id="{077F8FA6-197D-4E75-A41C-A3149AA4388B}"/>
+              </a:ext>
+            </a:extLst>
+          </p:cNvPr>
+          <p:cNvSpPr/>
+          <p:nvPr/>
+        </p:nvSpPr>
+        <p:spPr>
+          <a:xfrm>
+            <a:off x="1265378" y="3682497"/>
+            <a:ext cx="10329638" cy="1355756"/>
+          </a:xfrm>
+          <a:prstGeom prst="rect">
+            <a:avLst/>
+          </a:prstGeom>
+          <a:solidFill>
+            <a:schemeClr val="accent4">
+              <a:lumMod val="40000"/>
+              <a:lumOff val="60000"/>
+              <a:alpha val="46000"/>
+            </a:schemeClr>
+          </a:solidFill>
+        </p:spPr>
+        <p:style>
+          <a:lnRef idx="2">
+            <a:schemeClr val="accent1">
+              <a:shade val="50000"/>
+            </a:schemeClr>
+          </a:lnRef>
+          <a:fillRef idx="1">
+            <a:schemeClr val="accent1"/>
+          </a:fillRef>
+          <a:effectRef idx="0">
+            <a:schemeClr val="accent1"/>
+          </a:effectRef>
+          <a:fontRef idx="minor">
+            <a:schemeClr val="lt1"/>
+          </a:fontRef>
+        </p:style>
+        <p:txBody>
+          <a:bodyPr rtlCol="0" anchor="ctr"/>
+          <a:lstStyle/>
+          <a:p>
+            <a:r>
+              <a:rPr lang="fr-FR" dirty="0">
+                <a:solidFill>
+                  <a:schemeClr val="tx1"/>
+                </a:solidFill>
+              </a:rPr>
+              <a:t>Install B</a:t>
+            </a:r>
+          </a:p>
+        </p:txBody>
+      </p:sp>
+      <p:sp>
+        <p:nvSpPr>
+          <p:cNvPr id="10" name="Ellipse 9">
+            <a:extLst>
+              <a:ext uri="{FF2B5EF4-FFF2-40B4-BE49-F238E27FC236}">
+                <a16:creationId xmlns:a16="http://schemas.microsoft.com/office/drawing/2014/main" id="{C8C1CBAB-2EF6-4732-8590-36BE673A6054}"/>
+              </a:ext>
+            </a:extLst>
+          </p:cNvPr>
+          <p:cNvSpPr/>
+          <p:nvPr/>
+        </p:nvSpPr>
+        <p:spPr>
+          <a:xfrm>
+            <a:off x="341742" y="2447830"/>
+            <a:ext cx="615636" cy="606583"/>
+          </a:xfrm>
+          <a:prstGeom prst="ellipse">
+            <a:avLst/>
+          </a:prstGeom>
+          <a:solidFill>
+            <a:schemeClr val="accent4">
+              <a:lumMod val="40000"/>
+              <a:lumOff val="60000"/>
+            </a:schemeClr>
+          </a:solidFill>
+        </p:spPr>
+        <p:style>
+          <a:lnRef idx="2">
+            <a:schemeClr val="accent1">
+              <a:shade val="50000"/>
+            </a:schemeClr>
+          </a:lnRef>
+          <a:fillRef idx="1">
+            <a:schemeClr val="accent1"/>
+          </a:fillRef>
+          <a:effectRef idx="0">
+            <a:schemeClr val="accent1"/>
+          </a:effectRef>
+          <a:fontRef idx="minor">
+            <a:schemeClr val="lt1"/>
+          </a:fontRef>
+        </p:style>
+        <p:txBody>
+          <a:bodyPr rtlCol="0" anchor="ctr"/>
+          <a:lstStyle/>
+          <a:p>
+            <a:pPr algn="ctr"/>
+            <a:r>
+              <a:rPr lang="fr-FR" sz="2800" b="1" dirty="0">
+                <a:solidFill>
+                  <a:schemeClr val="tx1"/>
+                </a:solidFill>
+              </a:rPr>
+              <a:t>2</a:t>
+            </a:r>
+          </a:p>
+        </p:txBody>
+      </p:sp>
+    </p:spTree>
+    <p:extLst>
+      <p:ext uri="{BB962C8B-B14F-4D97-AF65-F5344CB8AC3E}">
+        <p14:creationId xmlns:p14="http://schemas.microsoft.com/office/powerpoint/2010/main" val="2774398737"/>
+      </p:ext>
+    </p:extLst>
+  </p:cSld>
+  <p:clrMapOvr>
+    <a:masterClrMapping/>
+  </p:clrMapOvr>
+</p:sld>
+</file>
+
 <file path=ppt/theme/theme1.xml><?xml version="1.0" encoding="utf-8"?>
 <a:theme xmlns:a="http://schemas.openxmlformats.org/drawingml/2006/main" name="Thème Office">
   <a:themeElements>
@@ -13329,4 +17542,299 @@
     </a:ext>
   </a:extLst>
 </a:theme>
+</file>
+
+<file path=ppt/theme/theme2.xml><?xml version="1.0" encoding="utf-8"?>
+<a:theme xmlns:a="http://schemas.openxmlformats.org/drawingml/2006/main" name="Thème Office">
+  <a:themeElements>
+    <a:clrScheme name="Office">
+      <a:dk1>
+        <a:sysClr val="windowText" lastClr="000000"/>
+      </a:dk1>
+      <a:lt1>
+        <a:sysClr val="window" lastClr="FFFFFF"/>
+      </a:lt1>
+      <a:dk2>
+        <a:srgbClr val="44546A"/>
+      </a:dk2>
+      <a:lt2>
+        <a:srgbClr val="E7E6E6"/>
+      </a:lt2>
+      <a:accent1>
+        <a:srgbClr val="4472C4"/>
+      </a:accent1>
+      <a:accent2>
+        <a:srgbClr val="ED7D31"/>
+      </a:accent2>
+      <a:accent3>
+        <a:srgbClr val="A5A5A5"/>
+      </a:accent3>
+      <a:accent4>
+        <a:srgbClr val="FFC000"/>
+      </a:accent4>
+      <a:accent5>
+        <a:srgbClr val="5B9BD5"/>
+      </a:accent5>
+      <a:accent6>
+        <a:srgbClr val="70AD47"/>
+      </a:accent6>
+      <a:hlink>
+        <a:srgbClr val="0563C1"/>
+      </a:hlink>
+      <a:folHlink>
+        <a:srgbClr val="954F72"/>
+      </a:folHlink>
+    </a:clrScheme>
+    <a:fontScheme name="Office">
+      <a:majorFont>
+        <a:latin typeface="Calibri Light" panose="020F0302020204030204"/>
+        <a:ea typeface=""/>
+        <a:cs typeface=""/>
+        <a:font script="Jpan" typeface="游ゴシック Light"/>
+        <a:font script="Hang" typeface="맑은 고딕"/>
+        <a:font script="Hans" typeface="等线 Light"/>
+        <a:font script="Hant" typeface="新細明體"/>
+        <a:font script="Arab" typeface="Times New Roman"/>
+        <a:font script="Hebr" typeface="Times New Roman"/>
+        <a:font script="Thai" typeface="Angsana New"/>
+        <a:font script="Ethi" typeface="Nyala"/>
+        <a:font script="Beng" typeface="Vrinda"/>
+        <a:font script="Gujr" typeface="Shruti"/>
+        <a:font script="Khmr" typeface="MoolBoran"/>
+        <a:font script="Knda" typeface="Tunga"/>
+        <a:font script="Guru" typeface="Raavi"/>
+        <a:font script="Cans" typeface="Euphemia"/>
+        <a:font script="Cher" typeface="Plantagenet Cherokee"/>
+        <a:font script="Yiii" typeface="Microsoft Yi Baiti"/>
+        <a:font script="Tibt" typeface="Microsoft Himalaya"/>
+        <a:font script="Thaa" typeface="MV Boli"/>
+        <a:font script="Deva" typeface="Mangal"/>
+        <a:font script="Telu" typeface="Gautami"/>
+        <a:font script="Taml" typeface="Latha"/>
+        <a:font script="Syrc" typeface="Estrangelo Edessa"/>
+        <a:font script="Orya" typeface="Kalinga"/>
+        <a:font script="Mlym" typeface="Kartika"/>
+        <a:font script="Laoo" typeface="DokChampa"/>
+        <a:font script="Sinh" typeface="Iskoola Pota"/>
+        <a:font script="Mong" typeface="Mongolian Baiti"/>
+        <a:font script="Viet" typeface="Times New Roman"/>
+        <a:font script="Uigh" typeface="Microsoft Uighur"/>
+        <a:font script="Geor" typeface="Sylfaen"/>
+        <a:font script="Armn" typeface="Arial"/>
+        <a:font script="Bugi" typeface="Leelawadee UI"/>
+        <a:font script="Bopo" typeface="Microsoft JhengHei"/>
+        <a:font script="Java" typeface="Javanese Text"/>
+        <a:font script="Lisu" typeface="Segoe UI"/>
+        <a:font script="Mymr" typeface="Myanmar Text"/>
+        <a:font script="Nkoo" typeface="Ebrima"/>
+        <a:font script="Olck" typeface="Nirmala UI"/>
+        <a:font script="Osma" typeface="Ebrima"/>
+        <a:font script="Phag" typeface="Phagspa"/>
+        <a:font script="Syrn" typeface="Estrangelo Edessa"/>
+        <a:font script="Syrj" typeface="Estrangelo Edessa"/>
+        <a:font script="Syre" typeface="Estrangelo Edessa"/>
+        <a:font script="Sora" typeface="Nirmala UI"/>
+        <a:font script="Tale" typeface="Microsoft Tai Le"/>
+        <a:font script="Talu" typeface="Microsoft New Tai Lue"/>
+        <a:font script="Tfng" typeface="Ebrima"/>
+      </a:majorFont>
+      <a:minorFont>
+        <a:latin typeface="Calibri" panose="020F0502020204030204"/>
+        <a:ea typeface=""/>
+        <a:cs typeface=""/>
+        <a:font script="Jpan" typeface="游ゴシック"/>
+        <a:font script="Hang" typeface="맑은 고딕"/>
+        <a:font script="Hans" typeface="等线"/>
+        <a:font script="Hant" typeface="新細明體"/>
+        <a:font script="Arab" typeface="Arial"/>
+        <a:font script="Hebr" typeface="Arial"/>
+        <a:font script="Thai" typeface="Cordia New"/>
+        <a:font script="Ethi" typeface="Nyala"/>
+        <a:font script="Beng" typeface="Vrinda"/>
+        <a:font script="Gujr" typeface="Shruti"/>
+        <a:font script="Khmr" typeface="DaunPenh"/>
+        <a:font script="Knda" typeface="Tunga"/>
+        <a:font script="Guru" typeface="Raavi"/>
+        <a:font script="Cans" typeface="Euphemia"/>
+        <a:font script="Cher" typeface="Plantagenet Cherokee"/>
+        <a:font script="Yiii" typeface="Microsoft Yi Baiti"/>
+        <a:font script="Tibt" typeface="Microsoft Himalaya"/>
+        <a:font script="Thaa" typeface="MV Boli"/>
+        <a:font script="Deva" typeface="Mangal"/>
+        <a:font script="Telu" typeface="Gautami"/>
+        <a:font script="Taml" typeface="Latha"/>
+        <a:font script="Syrc" typeface="Estrangelo Edessa"/>
+        <a:font script="Orya" typeface="Kalinga"/>
+        <a:font script="Mlym" typeface="Kartika"/>
+        <a:font script="Laoo" typeface="DokChampa"/>
+        <a:font script="Sinh" typeface="Iskoola Pota"/>
+        <a:font script="Mong" typeface="Mongolian Baiti"/>
+        <a:font script="Viet" typeface="Arial"/>
+        <a:font script="Uigh" typeface="Microsoft Uighur"/>
+        <a:font script="Geor" typeface="Sylfaen"/>
+        <a:font script="Armn" typeface="Arial"/>
+        <a:font script="Bugi" typeface="Leelawadee UI"/>
+        <a:font script="Bopo" typeface="Microsoft JhengHei"/>
+        <a:font script="Java" typeface="Javanese Text"/>
+        <a:font script="Lisu" typeface="Segoe UI"/>
+        <a:font script="Mymr" typeface="Myanmar Text"/>
+        <a:font script="Nkoo" typeface="Ebrima"/>
+        <a:font script="Olck" typeface="Nirmala UI"/>
+        <a:font script="Osma" typeface="Ebrima"/>
+        <a:font script="Phag" typeface="Phagspa"/>
+        <a:font script="Syrn" typeface="Estrangelo Edessa"/>
+        <a:font script="Syrj" typeface="Estrangelo Edessa"/>
+        <a:font script="Syre" typeface="Estrangelo Edessa"/>
+        <a:font script="Sora" typeface="Nirmala UI"/>
+        <a:font script="Tale" typeface="Microsoft Tai Le"/>
+        <a:font script="Talu" typeface="Microsoft New Tai Lue"/>
+        <a:font script="Tfng" typeface="Ebrima"/>
+      </a:minorFont>
+    </a:fontScheme>
+    <a:fmtScheme name="Office">
+      <a:fillStyleLst>
+        <a:solidFill>
+          <a:schemeClr val="phClr"/>
+        </a:solidFill>
+        <a:gradFill rotWithShape="1">
+          <a:gsLst>
+            <a:gs pos="0">
+              <a:schemeClr val="phClr">
+                <a:lumMod val="110000"/>
+                <a:satMod val="105000"/>
+                <a:tint val="67000"/>
+              </a:schemeClr>
+            </a:gs>
+            <a:gs pos="50000">
+              <a:schemeClr val="phClr">
+                <a:lumMod val="105000"/>
+                <a:satMod val="103000"/>
+                <a:tint val="73000"/>
+              </a:schemeClr>
+            </a:gs>
+            <a:gs pos="100000">
+              <a:schemeClr val="phClr">
+                <a:lumMod val="105000"/>
+                <a:satMod val="109000"/>
+                <a:tint val="81000"/>
+              </a:schemeClr>
+            </a:gs>
+          </a:gsLst>
+          <a:lin ang="5400000" scaled="0"/>
+        </a:gradFill>
+        <a:gradFill rotWithShape="1">
+          <a:gsLst>
+            <a:gs pos="0">
+              <a:schemeClr val="phClr">
+                <a:satMod val="103000"/>
+                <a:lumMod val="102000"/>
+                <a:tint val="94000"/>
+              </a:schemeClr>
+            </a:gs>
+            <a:gs pos="50000">
+              <a:schemeClr val="phClr">
+                <a:satMod val="110000"/>
+                <a:lumMod val="100000"/>
+                <a:shade val="100000"/>
+              </a:schemeClr>
+            </a:gs>
+            <a:gs pos="100000">
+              <a:schemeClr val="phClr">
+                <a:lumMod val="99000"/>
+                <a:satMod val="120000"/>
+                <a:shade val="78000"/>
+              </a:schemeClr>
+            </a:gs>
+          </a:gsLst>
+          <a:lin ang="5400000" scaled="0"/>
+        </a:gradFill>
+      </a:fillStyleLst>
+      <a:lnStyleLst>
+        <a:ln w="6350" cap="flat" cmpd="sng" algn="ctr">
+          <a:solidFill>
+            <a:schemeClr val="phClr"/>
+          </a:solidFill>
+          <a:prstDash val="solid"/>
+          <a:miter lim="800000"/>
+        </a:ln>
+        <a:ln w="12700" cap="flat" cmpd="sng" algn="ctr">
+          <a:solidFill>
+            <a:schemeClr val="phClr"/>
+          </a:solidFill>
+          <a:prstDash val="solid"/>
+          <a:miter lim="800000"/>
+        </a:ln>
+        <a:ln w="19050" cap="flat" cmpd="sng" algn="ctr">
+          <a:solidFill>
+            <a:schemeClr val="phClr"/>
+          </a:solidFill>
+          <a:prstDash val="solid"/>
+          <a:miter lim="800000"/>
+        </a:ln>
+      </a:lnStyleLst>
+      <a:effectStyleLst>
+        <a:effectStyle>
+          <a:effectLst/>
+        </a:effectStyle>
+        <a:effectStyle>
+          <a:effectLst/>
+        </a:effectStyle>
+        <a:effectStyle>
+          <a:effectLst>
+            <a:outerShdw blurRad="57150" dist="19050" dir="5400000" algn="ctr" rotWithShape="0">
+              <a:srgbClr val="000000">
+                <a:alpha val="63000"/>
+              </a:srgbClr>
+            </a:outerShdw>
+          </a:effectLst>
+        </a:effectStyle>
+      </a:effectStyleLst>
+      <a:bgFillStyleLst>
+        <a:solidFill>
+          <a:schemeClr val="phClr"/>
+        </a:solidFill>
+        <a:solidFill>
+          <a:schemeClr val="phClr">
+            <a:tint val="95000"/>
+            <a:satMod val="170000"/>
+          </a:schemeClr>
+        </a:solidFill>
+        <a:gradFill rotWithShape="1">
+          <a:gsLst>
+            <a:gs pos="0">
+              <a:schemeClr val="phClr">
+                <a:tint val="93000"/>
+                <a:satMod val="150000"/>
+                <a:shade val="98000"/>
+                <a:lumMod val="102000"/>
+              </a:schemeClr>
+            </a:gs>
+            <a:gs pos="50000">
+              <a:schemeClr val="phClr">
+                <a:tint val="98000"/>
+                <a:satMod val="130000"/>
+                <a:shade val="90000"/>
+                <a:lumMod val="103000"/>
+              </a:schemeClr>
+            </a:gs>
+            <a:gs pos="100000">
+              <a:schemeClr val="phClr">
+                <a:shade val="63000"/>
+                <a:satMod val="120000"/>
+              </a:schemeClr>
+            </a:gs>
+          </a:gsLst>
+          <a:lin ang="5400000" scaled="0"/>
+        </a:gradFill>
+      </a:bgFillStyleLst>
+    </a:fmtScheme>
+  </a:themeElements>
+  <a:objectDefaults/>
+  <a:extraClrSchemeLst/>
+  <a:extLst>
+    <a:ext uri="{05A4C25C-085E-4340-85A3-A5531E510DB2}">
+      <thm15:themeFamily xmlns:thm15="http://schemas.microsoft.com/office/thememl/2012/main" name="Office Theme" id="{62F939B6-93AF-4DB8-9C6B-D6C7DFDC589F}" vid="{4A3C46E8-61CC-4603-A589-7422A47A8E4A}"/>
+    </a:ext>
+  </a:extLst>
+</a:theme>
 </file>